--- a/파댕이 키우기.pptx
+++ b/파댕이 키우기.pptx
@@ -139,7 +139,7 @@
   </p:defaultTextStyle>
   <p:extLst>
     <p:ext uri="{EFAFB233-063F-42B5-8137-9DF3F51BA10A}">
-      <p15:sldGuideLst xmlns:p15="http://schemas.microsoft.com/office/powerpoint/2012/main"/>
+      <p15:sldGuideLst xmlns:p15="http://schemas.microsoft.com/office/powerpoint/2012/main" xmlns=""/>
     </p:ext>
   </p:extLst>
 </p:presentation>
@@ -167,7 +167,7 @@
           <p:cNvPr id="2" name="제목 1">
             <a:extLst>
               <a:ext uri="{FF2B5EF4-FFF2-40B4-BE49-F238E27FC236}">
-                <a16:creationId xmlns:a16="http://schemas.microsoft.com/office/drawing/2014/main" id="{3643DD76-2195-4FEF-B516-F2898AF9D25D}"/>
+                <a16:creationId xmlns:a16="http://schemas.microsoft.com/office/drawing/2014/main" xmlns="" id="{3643DD76-2195-4FEF-B516-F2898AF9D25D}"/>
               </a:ext>
             </a:extLst>
           </p:cNvPr>
@@ -204,7 +204,7 @@
           <p:cNvPr id="3" name="부제목 2">
             <a:extLst>
               <a:ext uri="{FF2B5EF4-FFF2-40B4-BE49-F238E27FC236}">
-                <a16:creationId xmlns:a16="http://schemas.microsoft.com/office/drawing/2014/main" id="{205C371A-F0ED-4003-B5D4-1589787CD543}"/>
+                <a16:creationId xmlns:a16="http://schemas.microsoft.com/office/drawing/2014/main" xmlns="" id="{205C371A-F0ED-4003-B5D4-1589787CD543}"/>
               </a:ext>
             </a:extLst>
           </p:cNvPr>
@@ -274,7 +274,7 @@
           <p:cNvPr id="4" name="날짜 개체 틀 3">
             <a:extLst>
               <a:ext uri="{FF2B5EF4-FFF2-40B4-BE49-F238E27FC236}">
-                <a16:creationId xmlns:a16="http://schemas.microsoft.com/office/drawing/2014/main" id="{3BEA422A-6667-4CDB-9049-83C688A961B4}"/>
+                <a16:creationId xmlns:a16="http://schemas.microsoft.com/office/drawing/2014/main" xmlns="" id="{3BEA422A-6667-4CDB-9049-83C688A961B4}"/>
               </a:ext>
             </a:extLst>
           </p:cNvPr>
@@ -292,6 +292,7 @@
           <a:p>
             <a:fld id="{C120970A-474E-4F78-B0DA-BB0E59925A8F}" type="datetimeFigureOut">
               <a:rPr lang="ko-KR" altLang="en-US" smtClean="0"/>
+              <a:pPr/>
               <a:t>2019-06-08</a:t>
             </a:fld>
             <a:endParaRPr lang="ko-KR" altLang="en-US"/>
@@ -303,7 +304,7 @@
           <p:cNvPr id="5" name="바닥글 개체 틀 4">
             <a:extLst>
               <a:ext uri="{FF2B5EF4-FFF2-40B4-BE49-F238E27FC236}">
-                <a16:creationId xmlns:a16="http://schemas.microsoft.com/office/drawing/2014/main" id="{AA06A4DA-0A47-4520-88EE-F1D8BFEA9225}"/>
+                <a16:creationId xmlns:a16="http://schemas.microsoft.com/office/drawing/2014/main" xmlns="" id="{AA06A4DA-0A47-4520-88EE-F1D8BFEA9225}"/>
               </a:ext>
             </a:extLst>
           </p:cNvPr>
@@ -328,7 +329,7 @@
           <p:cNvPr id="6" name="슬라이드 번호 개체 틀 5">
             <a:extLst>
               <a:ext uri="{FF2B5EF4-FFF2-40B4-BE49-F238E27FC236}">
-                <a16:creationId xmlns:a16="http://schemas.microsoft.com/office/drawing/2014/main" id="{264CB4C0-5A4D-4495-AC0C-9108F5BF2394}"/>
+                <a16:creationId xmlns:a16="http://schemas.microsoft.com/office/drawing/2014/main" xmlns="" id="{264CB4C0-5A4D-4495-AC0C-9108F5BF2394}"/>
               </a:ext>
             </a:extLst>
           </p:cNvPr>
@@ -346,6 +347,7 @@
           <a:p>
             <a:fld id="{CBB11F6E-9694-4C71-AAE6-EA8D5C1A326E}" type="slidenum">
               <a:rPr lang="ko-KR" altLang="en-US" smtClean="0"/>
+              <a:pPr/>
               <a:t>‹#›</a:t>
             </a:fld>
             <a:endParaRPr lang="ko-KR" altLang="en-US"/>
@@ -355,7 +357,7 @@
     </p:spTree>
     <p:extLst>
       <p:ext uri="{BB962C8B-B14F-4D97-AF65-F5344CB8AC3E}">
-        <p14:creationId xmlns:p14="http://schemas.microsoft.com/office/powerpoint/2010/main" val="359189307"/>
+        <p14:creationId xmlns:p14="http://schemas.microsoft.com/office/powerpoint/2010/main" xmlns="" val="359189307"/>
       </p:ext>
     </p:extLst>
   </p:cSld>
@@ -387,7 +389,7 @@
           <p:cNvPr id="2" name="제목 1">
             <a:extLst>
               <a:ext uri="{FF2B5EF4-FFF2-40B4-BE49-F238E27FC236}">
-                <a16:creationId xmlns:a16="http://schemas.microsoft.com/office/drawing/2014/main" id="{DA8D1D83-88B9-42B3-8808-83FF9B0DA7D4}"/>
+                <a16:creationId xmlns:a16="http://schemas.microsoft.com/office/drawing/2014/main" xmlns="" id="{DA8D1D83-88B9-42B3-8808-83FF9B0DA7D4}"/>
               </a:ext>
             </a:extLst>
           </p:cNvPr>
@@ -415,7 +417,7 @@
           <p:cNvPr id="3" name="세로 텍스트 개체 틀 2">
             <a:extLst>
               <a:ext uri="{FF2B5EF4-FFF2-40B4-BE49-F238E27FC236}">
-                <a16:creationId xmlns:a16="http://schemas.microsoft.com/office/drawing/2014/main" id="{FDB0A9BE-507E-4616-A84D-D1F102B1BC1B}"/>
+                <a16:creationId xmlns:a16="http://schemas.microsoft.com/office/drawing/2014/main" xmlns="" id="{FDB0A9BE-507E-4616-A84D-D1F102B1BC1B}"/>
               </a:ext>
             </a:extLst>
           </p:cNvPr>
@@ -472,7 +474,7 @@
           <p:cNvPr id="4" name="날짜 개체 틀 3">
             <a:extLst>
               <a:ext uri="{FF2B5EF4-FFF2-40B4-BE49-F238E27FC236}">
-                <a16:creationId xmlns:a16="http://schemas.microsoft.com/office/drawing/2014/main" id="{27525A9A-C28A-4CC3-AC6F-AC52FFD0AA61}"/>
+                <a16:creationId xmlns:a16="http://schemas.microsoft.com/office/drawing/2014/main" xmlns="" id="{27525A9A-C28A-4CC3-AC6F-AC52FFD0AA61}"/>
               </a:ext>
             </a:extLst>
           </p:cNvPr>
@@ -490,6 +492,7 @@
           <a:p>
             <a:fld id="{C120970A-474E-4F78-B0DA-BB0E59925A8F}" type="datetimeFigureOut">
               <a:rPr lang="ko-KR" altLang="en-US" smtClean="0"/>
+              <a:pPr/>
               <a:t>2019-06-08</a:t>
             </a:fld>
             <a:endParaRPr lang="ko-KR" altLang="en-US"/>
@@ -501,7 +504,7 @@
           <p:cNvPr id="5" name="바닥글 개체 틀 4">
             <a:extLst>
               <a:ext uri="{FF2B5EF4-FFF2-40B4-BE49-F238E27FC236}">
-                <a16:creationId xmlns:a16="http://schemas.microsoft.com/office/drawing/2014/main" id="{E185CD5C-2CC6-4C3C-843D-611761C361DA}"/>
+                <a16:creationId xmlns:a16="http://schemas.microsoft.com/office/drawing/2014/main" xmlns="" id="{E185CD5C-2CC6-4C3C-843D-611761C361DA}"/>
               </a:ext>
             </a:extLst>
           </p:cNvPr>
@@ -526,7 +529,7 @@
           <p:cNvPr id="6" name="슬라이드 번호 개체 틀 5">
             <a:extLst>
               <a:ext uri="{FF2B5EF4-FFF2-40B4-BE49-F238E27FC236}">
-                <a16:creationId xmlns:a16="http://schemas.microsoft.com/office/drawing/2014/main" id="{F38C811D-9318-42E8-B4D9-C5CBCE54AC20}"/>
+                <a16:creationId xmlns:a16="http://schemas.microsoft.com/office/drawing/2014/main" xmlns="" id="{F38C811D-9318-42E8-B4D9-C5CBCE54AC20}"/>
               </a:ext>
             </a:extLst>
           </p:cNvPr>
@@ -544,6 +547,7 @@
           <a:p>
             <a:fld id="{CBB11F6E-9694-4C71-AAE6-EA8D5C1A326E}" type="slidenum">
               <a:rPr lang="ko-KR" altLang="en-US" smtClean="0"/>
+              <a:pPr/>
               <a:t>‹#›</a:t>
             </a:fld>
             <a:endParaRPr lang="ko-KR" altLang="en-US"/>
@@ -553,7 +557,7 @@
     </p:spTree>
     <p:extLst>
       <p:ext uri="{BB962C8B-B14F-4D97-AF65-F5344CB8AC3E}">
-        <p14:creationId xmlns:p14="http://schemas.microsoft.com/office/powerpoint/2010/main" val="3101890819"/>
+        <p14:creationId xmlns:p14="http://schemas.microsoft.com/office/powerpoint/2010/main" xmlns="" val="3101890819"/>
       </p:ext>
     </p:extLst>
   </p:cSld>
@@ -585,7 +589,7 @@
           <p:cNvPr id="2" name="세로 제목 1">
             <a:extLst>
               <a:ext uri="{FF2B5EF4-FFF2-40B4-BE49-F238E27FC236}">
-                <a16:creationId xmlns:a16="http://schemas.microsoft.com/office/drawing/2014/main" id="{21397025-68D9-4347-B35F-AA0A7834B552}"/>
+                <a16:creationId xmlns:a16="http://schemas.microsoft.com/office/drawing/2014/main" xmlns="" id="{21397025-68D9-4347-B35F-AA0A7834B552}"/>
               </a:ext>
             </a:extLst>
           </p:cNvPr>
@@ -618,7 +622,7 @@
           <p:cNvPr id="3" name="세로 텍스트 개체 틀 2">
             <a:extLst>
               <a:ext uri="{FF2B5EF4-FFF2-40B4-BE49-F238E27FC236}">
-                <a16:creationId xmlns:a16="http://schemas.microsoft.com/office/drawing/2014/main" id="{40EA8913-9510-4B31-8F5E-863EF81F29E4}"/>
+                <a16:creationId xmlns:a16="http://schemas.microsoft.com/office/drawing/2014/main" xmlns="" id="{40EA8913-9510-4B31-8F5E-863EF81F29E4}"/>
               </a:ext>
             </a:extLst>
           </p:cNvPr>
@@ -680,7 +684,7 @@
           <p:cNvPr id="4" name="날짜 개체 틀 3">
             <a:extLst>
               <a:ext uri="{FF2B5EF4-FFF2-40B4-BE49-F238E27FC236}">
-                <a16:creationId xmlns:a16="http://schemas.microsoft.com/office/drawing/2014/main" id="{35C93BDA-0DD0-4D2C-8930-31262135B16D}"/>
+                <a16:creationId xmlns:a16="http://schemas.microsoft.com/office/drawing/2014/main" xmlns="" id="{35C93BDA-0DD0-4D2C-8930-31262135B16D}"/>
               </a:ext>
             </a:extLst>
           </p:cNvPr>
@@ -698,6 +702,7 @@
           <a:p>
             <a:fld id="{C120970A-474E-4F78-B0DA-BB0E59925A8F}" type="datetimeFigureOut">
               <a:rPr lang="ko-KR" altLang="en-US" smtClean="0"/>
+              <a:pPr/>
               <a:t>2019-06-08</a:t>
             </a:fld>
             <a:endParaRPr lang="ko-KR" altLang="en-US"/>
@@ -709,7 +714,7 @@
           <p:cNvPr id="5" name="바닥글 개체 틀 4">
             <a:extLst>
               <a:ext uri="{FF2B5EF4-FFF2-40B4-BE49-F238E27FC236}">
-                <a16:creationId xmlns:a16="http://schemas.microsoft.com/office/drawing/2014/main" id="{7A0EE2FF-4EA0-48A3-A9A1-F442D7042ECD}"/>
+                <a16:creationId xmlns:a16="http://schemas.microsoft.com/office/drawing/2014/main" xmlns="" id="{7A0EE2FF-4EA0-48A3-A9A1-F442D7042ECD}"/>
               </a:ext>
             </a:extLst>
           </p:cNvPr>
@@ -734,7 +739,7 @@
           <p:cNvPr id="6" name="슬라이드 번호 개체 틀 5">
             <a:extLst>
               <a:ext uri="{FF2B5EF4-FFF2-40B4-BE49-F238E27FC236}">
-                <a16:creationId xmlns:a16="http://schemas.microsoft.com/office/drawing/2014/main" id="{A542886D-ABE0-4718-9DC3-61A9666F76D9}"/>
+                <a16:creationId xmlns:a16="http://schemas.microsoft.com/office/drawing/2014/main" xmlns="" id="{A542886D-ABE0-4718-9DC3-61A9666F76D9}"/>
               </a:ext>
             </a:extLst>
           </p:cNvPr>
@@ -752,6 +757,7 @@
           <a:p>
             <a:fld id="{CBB11F6E-9694-4C71-AAE6-EA8D5C1A326E}" type="slidenum">
               <a:rPr lang="ko-KR" altLang="en-US" smtClean="0"/>
+              <a:pPr/>
               <a:t>‹#›</a:t>
             </a:fld>
             <a:endParaRPr lang="ko-KR" altLang="en-US"/>
@@ -761,7 +767,7 @@
     </p:spTree>
     <p:extLst>
       <p:ext uri="{BB962C8B-B14F-4D97-AF65-F5344CB8AC3E}">
-        <p14:creationId xmlns:p14="http://schemas.microsoft.com/office/powerpoint/2010/main" val="1829685310"/>
+        <p14:creationId xmlns:p14="http://schemas.microsoft.com/office/powerpoint/2010/main" xmlns="" val="1829685310"/>
       </p:ext>
     </p:extLst>
   </p:cSld>
@@ -793,7 +799,7 @@
           <p:cNvPr id="2" name="제목 1">
             <a:extLst>
               <a:ext uri="{FF2B5EF4-FFF2-40B4-BE49-F238E27FC236}">
-                <a16:creationId xmlns:a16="http://schemas.microsoft.com/office/drawing/2014/main" id="{A8DBC056-0B5A-4847-A7BC-C885E52361A2}"/>
+                <a16:creationId xmlns:a16="http://schemas.microsoft.com/office/drawing/2014/main" xmlns="" id="{A8DBC056-0B5A-4847-A7BC-C885E52361A2}"/>
               </a:ext>
             </a:extLst>
           </p:cNvPr>
@@ -821,7 +827,7 @@
           <p:cNvPr id="3" name="내용 개체 틀 2">
             <a:extLst>
               <a:ext uri="{FF2B5EF4-FFF2-40B4-BE49-F238E27FC236}">
-                <a16:creationId xmlns:a16="http://schemas.microsoft.com/office/drawing/2014/main" id="{2EA928A0-1627-4C61-B0A8-1842952E4525}"/>
+                <a16:creationId xmlns:a16="http://schemas.microsoft.com/office/drawing/2014/main" xmlns="" id="{2EA928A0-1627-4C61-B0A8-1842952E4525}"/>
               </a:ext>
             </a:extLst>
           </p:cNvPr>
@@ -878,7 +884,7 @@
           <p:cNvPr id="4" name="날짜 개체 틀 3">
             <a:extLst>
               <a:ext uri="{FF2B5EF4-FFF2-40B4-BE49-F238E27FC236}">
-                <a16:creationId xmlns:a16="http://schemas.microsoft.com/office/drawing/2014/main" id="{C099AB80-F495-45D2-8739-4F09565C415D}"/>
+                <a16:creationId xmlns:a16="http://schemas.microsoft.com/office/drawing/2014/main" xmlns="" id="{C099AB80-F495-45D2-8739-4F09565C415D}"/>
               </a:ext>
             </a:extLst>
           </p:cNvPr>
@@ -896,6 +902,7 @@
           <a:p>
             <a:fld id="{C120970A-474E-4F78-B0DA-BB0E59925A8F}" type="datetimeFigureOut">
               <a:rPr lang="ko-KR" altLang="en-US" smtClean="0"/>
+              <a:pPr/>
               <a:t>2019-06-08</a:t>
             </a:fld>
             <a:endParaRPr lang="ko-KR" altLang="en-US"/>
@@ -907,7 +914,7 @@
           <p:cNvPr id="5" name="바닥글 개체 틀 4">
             <a:extLst>
               <a:ext uri="{FF2B5EF4-FFF2-40B4-BE49-F238E27FC236}">
-                <a16:creationId xmlns:a16="http://schemas.microsoft.com/office/drawing/2014/main" id="{0990EDFD-11F7-4B74-8AE3-3EC13DCFB9D8}"/>
+                <a16:creationId xmlns:a16="http://schemas.microsoft.com/office/drawing/2014/main" xmlns="" id="{0990EDFD-11F7-4B74-8AE3-3EC13DCFB9D8}"/>
               </a:ext>
             </a:extLst>
           </p:cNvPr>
@@ -932,7 +939,7 @@
           <p:cNvPr id="6" name="슬라이드 번호 개체 틀 5">
             <a:extLst>
               <a:ext uri="{FF2B5EF4-FFF2-40B4-BE49-F238E27FC236}">
-                <a16:creationId xmlns:a16="http://schemas.microsoft.com/office/drawing/2014/main" id="{0C0839EA-46F4-489C-B46B-E27341795818}"/>
+                <a16:creationId xmlns:a16="http://schemas.microsoft.com/office/drawing/2014/main" xmlns="" id="{0C0839EA-46F4-489C-B46B-E27341795818}"/>
               </a:ext>
             </a:extLst>
           </p:cNvPr>
@@ -950,6 +957,7 @@
           <a:p>
             <a:fld id="{CBB11F6E-9694-4C71-AAE6-EA8D5C1A326E}" type="slidenum">
               <a:rPr lang="ko-KR" altLang="en-US" smtClean="0"/>
+              <a:pPr/>
               <a:t>‹#›</a:t>
             </a:fld>
             <a:endParaRPr lang="ko-KR" altLang="en-US"/>
@@ -959,7 +967,7 @@
     </p:spTree>
     <p:extLst>
       <p:ext uri="{BB962C8B-B14F-4D97-AF65-F5344CB8AC3E}">
-        <p14:creationId xmlns:p14="http://schemas.microsoft.com/office/powerpoint/2010/main" val="2749738504"/>
+        <p14:creationId xmlns:p14="http://schemas.microsoft.com/office/powerpoint/2010/main" xmlns="" val="2749738504"/>
       </p:ext>
     </p:extLst>
   </p:cSld>
@@ -991,7 +999,7 @@
           <p:cNvPr id="2" name="제목 1">
             <a:extLst>
               <a:ext uri="{FF2B5EF4-FFF2-40B4-BE49-F238E27FC236}">
-                <a16:creationId xmlns:a16="http://schemas.microsoft.com/office/drawing/2014/main" id="{FD1B59D5-718D-4B6B-B5ED-C3BF728230A4}"/>
+                <a16:creationId xmlns:a16="http://schemas.microsoft.com/office/drawing/2014/main" xmlns="" id="{FD1B59D5-718D-4B6B-B5ED-C3BF728230A4}"/>
               </a:ext>
             </a:extLst>
           </p:cNvPr>
@@ -1028,7 +1036,7 @@
           <p:cNvPr id="3" name="텍스트 개체 틀 2">
             <a:extLst>
               <a:ext uri="{FF2B5EF4-FFF2-40B4-BE49-F238E27FC236}">
-                <a16:creationId xmlns:a16="http://schemas.microsoft.com/office/drawing/2014/main" id="{354929AF-AF4F-425E-B57B-DBF7827A7328}"/>
+                <a16:creationId xmlns:a16="http://schemas.microsoft.com/office/drawing/2014/main" xmlns="" id="{354929AF-AF4F-425E-B57B-DBF7827A7328}"/>
               </a:ext>
             </a:extLst>
           </p:cNvPr>
@@ -1153,7 +1161,7 @@
           <p:cNvPr id="4" name="날짜 개체 틀 3">
             <a:extLst>
               <a:ext uri="{FF2B5EF4-FFF2-40B4-BE49-F238E27FC236}">
-                <a16:creationId xmlns:a16="http://schemas.microsoft.com/office/drawing/2014/main" id="{F1B42FCA-37CE-4322-8A95-ECD45B3F6219}"/>
+                <a16:creationId xmlns:a16="http://schemas.microsoft.com/office/drawing/2014/main" xmlns="" id="{F1B42FCA-37CE-4322-8A95-ECD45B3F6219}"/>
               </a:ext>
             </a:extLst>
           </p:cNvPr>
@@ -1171,6 +1179,7 @@
           <a:p>
             <a:fld id="{C120970A-474E-4F78-B0DA-BB0E59925A8F}" type="datetimeFigureOut">
               <a:rPr lang="ko-KR" altLang="en-US" smtClean="0"/>
+              <a:pPr/>
               <a:t>2019-06-08</a:t>
             </a:fld>
             <a:endParaRPr lang="ko-KR" altLang="en-US"/>
@@ -1182,7 +1191,7 @@
           <p:cNvPr id="5" name="바닥글 개체 틀 4">
             <a:extLst>
               <a:ext uri="{FF2B5EF4-FFF2-40B4-BE49-F238E27FC236}">
-                <a16:creationId xmlns:a16="http://schemas.microsoft.com/office/drawing/2014/main" id="{D324F67D-6D08-4B5A-A3C6-8CF374E6C8A3}"/>
+                <a16:creationId xmlns:a16="http://schemas.microsoft.com/office/drawing/2014/main" xmlns="" id="{D324F67D-6D08-4B5A-A3C6-8CF374E6C8A3}"/>
               </a:ext>
             </a:extLst>
           </p:cNvPr>
@@ -1207,7 +1216,7 @@
           <p:cNvPr id="6" name="슬라이드 번호 개체 틀 5">
             <a:extLst>
               <a:ext uri="{FF2B5EF4-FFF2-40B4-BE49-F238E27FC236}">
-                <a16:creationId xmlns:a16="http://schemas.microsoft.com/office/drawing/2014/main" id="{85459A91-3EDA-4D6E-90C4-B8B1B0861A33}"/>
+                <a16:creationId xmlns:a16="http://schemas.microsoft.com/office/drawing/2014/main" xmlns="" id="{85459A91-3EDA-4D6E-90C4-B8B1B0861A33}"/>
               </a:ext>
             </a:extLst>
           </p:cNvPr>
@@ -1225,6 +1234,7 @@
           <a:p>
             <a:fld id="{CBB11F6E-9694-4C71-AAE6-EA8D5C1A326E}" type="slidenum">
               <a:rPr lang="ko-KR" altLang="en-US" smtClean="0"/>
+              <a:pPr/>
               <a:t>‹#›</a:t>
             </a:fld>
             <a:endParaRPr lang="ko-KR" altLang="en-US"/>
@@ -1234,7 +1244,7 @@
     </p:spTree>
     <p:extLst>
       <p:ext uri="{BB962C8B-B14F-4D97-AF65-F5344CB8AC3E}">
-        <p14:creationId xmlns:p14="http://schemas.microsoft.com/office/powerpoint/2010/main" val="4126657226"/>
+        <p14:creationId xmlns:p14="http://schemas.microsoft.com/office/powerpoint/2010/main" xmlns="" val="4126657226"/>
       </p:ext>
     </p:extLst>
   </p:cSld>
@@ -1266,7 +1276,7 @@
           <p:cNvPr id="2" name="제목 1">
             <a:extLst>
               <a:ext uri="{FF2B5EF4-FFF2-40B4-BE49-F238E27FC236}">
-                <a16:creationId xmlns:a16="http://schemas.microsoft.com/office/drawing/2014/main" id="{84165986-A28F-4C66-80A1-9F241AFB35F9}"/>
+                <a16:creationId xmlns:a16="http://schemas.microsoft.com/office/drawing/2014/main" xmlns="" id="{84165986-A28F-4C66-80A1-9F241AFB35F9}"/>
               </a:ext>
             </a:extLst>
           </p:cNvPr>
@@ -1294,7 +1304,7 @@
           <p:cNvPr id="3" name="내용 개체 틀 2">
             <a:extLst>
               <a:ext uri="{FF2B5EF4-FFF2-40B4-BE49-F238E27FC236}">
-                <a16:creationId xmlns:a16="http://schemas.microsoft.com/office/drawing/2014/main" id="{1C0C238D-5706-4B15-902F-28CCD89EC792}"/>
+                <a16:creationId xmlns:a16="http://schemas.microsoft.com/office/drawing/2014/main" xmlns="" id="{1C0C238D-5706-4B15-902F-28CCD89EC792}"/>
               </a:ext>
             </a:extLst>
           </p:cNvPr>
@@ -1356,7 +1366,7 @@
           <p:cNvPr id="4" name="내용 개체 틀 3">
             <a:extLst>
               <a:ext uri="{FF2B5EF4-FFF2-40B4-BE49-F238E27FC236}">
-                <a16:creationId xmlns:a16="http://schemas.microsoft.com/office/drawing/2014/main" id="{4B9EEE9F-B47B-4E50-B1D5-70200B48DA84}"/>
+                <a16:creationId xmlns:a16="http://schemas.microsoft.com/office/drawing/2014/main" xmlns="" id="{4B9EEE9F-B47B-4E50-B1D5-70200B48DA84}"/>
               </a:ext>
             </a:extLst>
           </p:cNvPr>
@@ -1418,7 +1428,7 @@
           <p:cNvPr id="5" name="날짜 개체 틀 4">
             <a:extLst>
               <a:ext uri="{FF2B5EF4-FFF2-40B4-BE49-F238E27FC236}">
-                <a16:creationId xmlns:a16="http://schemas.microsoft.com/office/drawing/2014/main" id="{E459B5DA-1CB5-437B-BE7A-2F69415DB52E}"/>
+                <a16:creationId xmlns:a16="http://schemas.microsoft.com/office/drawing/2014/main" xmlns="" id="{E459B5DA-1CB5-437B-BE7A-2F69415DB52E}"/>
               </a:ext>
             </a:extLst>
           </p:cNvPr>
@@ -1436,6 +1446,7 @@
           <a:p>
             <a:fld id="{C120970A-474E-4F78-B0DA-BB0E59925A8F}" type="datetimeFigureOut">
               <a:rPr lang="ko-KR" altLang="en-US" smtClean="0"/>
+              <a:pPr/>
               <a:t>2019-06-08</a:t>
             </a:fld>
             <a:endParaRPr lang="ko-KR" altLang="en-US"/>
@@ -1447,7 +1458,7 @@
           <p:cNvPr id="6" name="바닥글 개체 틀 5">
             <a:extLst>
               <a:ext uri="{FF2B5EF4-FFF2-40B4-BE49-F238E27FC236}">
-                <a16:creationId xmlns:a16="http://schemas.microsoft.com/office/drawing/2014/main" id="{F6D895DA-07B2-499A-A258-9E639B2B2AF2}"/>
+                <a16:creationId xmlns:a16="http://schemas.microsoft.com/office/drawing/2014/main" xmlns="" id="{F6D895DA-07B2-499A-A258-9E639B2B2AF2}"/>
               </a:ext>
             </a:extLst>
           </p:cNvPr>
@@ -1472,7 +1483,7 @@
           <p:cNvPr id="7" name="슬라이드 번호 개체 틀 6">
             <a:extLst>
               <a:ext uri="{FF2B5EF4-FFF2-40B4-BE49-F238E27FC236}">
-                <a16:creationId xmlns:a16="http://schemas.microsoft.com/office/drawing/2014/main" id="{F2EB320A-DDF8-48DE-8164-EAB64EFCCB2C}"/>
+                <a16:creationId xmlns:a16="http://schemas.microsoft.com/office/drawing/2014/main" xmlns="" id="{F2EB320A-DDF8-48DE-8164-EAB64EFCCB2C}"/>
               </a:ext>
             </a:extLst>
           </p:cNvPr>
@@ -1490,6 +1501,7 @@
           <a:p>
             <a:fld id="{CBB11F6E-9694-4C71-AAE6-EA8D5C1A326E}" type="slidenum">
               <a:rPr lang="ko-KR" altLang="en-US" smtClean="0"/>
+              <a:pPr/>
               <a:t>‹#›</a:t>
             </a:fld>
             <a:endParaRPr lang="ko-KR" altLang="en-US"/>
@@ -1499,7 +1511,7 @@
     </p:spTree>
     <p:extLst>
       <p:ext uri="{BB962C8B-B14F-4D97-AF65-F5344CB8AC3E}">
-        <p14:creationId xmlns:p14="http://schemas.microsoft.com/office/powerpoint/2010/main" val="929687783"/>
+        <p14:creationId xmlns:p14="http://schemas.microsoft.com/office/powerpoint/2010/main" xmlns="" val="929687783"/>
       </p:ext>
     </p:extLst>
   </p:cSld>
@@ -1531,7 +1543,7 @@
           <p:cNvPr id="2" name="제목 1">
             <a:extLst>
               <a:ext uri="{FF2B5EF4-FFF2-40B4-BE49-F238E27FC236}">
-                <a16:creationId xmlns:a16="http://schemas.microsoft.com/office/drawing/2014/main" id="{DEFC7FD5-6AFA-4D67-B9B1-0C235B04B747}"/>
+                <a16:creationId xmlns:a16="http://schemas.microsoft.com/office/drawing/2014/main" xmlns="" id="{DEFC7FD5-6AFA-4D67-B9B1-0C235B04B747}"/>
               </a:ext>
             </a:extLst>
           </p:cNvPr>
@@ -1564,7 +1576,7 @@
           <p:cNvPr id="3" name="텍스트 개체 틀 2">
             <a:extLst>
               <a:ext uri="{FF2B5EF4-FFF2-40B4-BE49-F238E27FC236}">
-                <a16:creationId xmlns:a16="http://schemas.microsoft.com/office/drawing/2014/main" id="{2F2F3888-3CB7-4706-8E71-E40E38E14FBE}"/>
+                <a16:creationId xmlns:a16="http://schemas.microsoft.com/office/drawing/2014/main" xmlns="" id="{2F2F3888-3CB7-4706-8E71-E40E38E14FBE}"/>
               </a:ext>
             </a:extLst>
           </p:cNvPr>
@@ -1635,7 +1647,7 @@
           <p:cNvPr id="4" name="내용 개체 틀 3">
             <a:extLst>
               <a:ext uri="{FF2B5EF4-FFF2-40B4-BE49-F238E27FC236}">
-                <a16:creationId xmlns:a16="http://schemas.microsoft.com/office/drawing/2014/main" id="{E0063B1A-F033-43DD-A6D9-0FC3600ECD33}"/>
+                <a16:creationId xmlns:a16="http://schemas.microsoft.com/office/drawing/2014/main" xmlns="" id="{E0063B1A-F033-43DD-A6D9-0FC3600ECD33}"/>
               </a:ext>
             </a:extLst>
           </p:cNvPr>
@@ -1697,7 +1709,7 @@
           <p:cNvPr id="5" name="텍스트 개체 틀 4">
             <a:extLst>
               <a:ext uri="{FF2B5EF4-FFF2-40B4-BE49-F238E27FC236}">
-                <a16:creationId xmlns:a16="http://schemas.microsoft.com/office/drawing/2014/main" id="{9EE23BB0-0B9A-42C0-A1D9-E0084D2AE089}"/>
+                <a16:creationId xmlns:a16="http://schemas.microsoft.com/office/drawing/2014/main" xmlns="" id="{9EE23BB0-0B9A-42C0-A1D9-E0084D2AE089}"/>
               </a:ext>
             </a:extLst>
           </p:cNvPr>
@@ -1768,7 +1780,7 @@
           <p:cNvPr id="6" name="내용 개체 틀 5">
             <a:extLst>
               <a:ext uri="{FF2B5EF4-FFF2-40B4-BE49-F238E27FC236}">
-                <a16:creationId xmlns:a16="http://schemas.microsoft.com/office/drawing/2014/main" id="{0382CBAD-73E5-467C-A800-8D4EA503453F}"/>
+                <a16:creationId xmlns:a16="http://schemas.microsoft.com/office/drawing/2014/main" xmlns="" id="{0382CBAD-73E5-467C-A800-8D4EA503453F}"/>
               </a:ext>
             </a:extLst>
           </p:cNvPr>
@@ -1830,7 +1842,7 @@
           <p:cNvPr id="7" name="날짜 개체 틀 6">
             <a:extLst>
               <a:ext uri="{FF2B5EF4-FFF2-40B4-BE49-F238E27FC236}">
-                <a16:creationId xmlns:a16="http://schemas.microsoft.com/office/drawing/2014/main" id="{3902AC5D-405E-4BCA-A3A6-2FE922B85146}"/>
+                <a16:creationId xmlns:a16="http://schemas.microsoft.com/office/drawing/2014/main" xmlns="" id="{3902AC5D-405E-4BCA-A3A6-2FE922B85146}"/>
               </a:ext>
             </a:extLst>
           </p:cNvPr>
@@ -1848,6 +1860,7 @@
           <a:p>
             <a:fld id="{C120970A-474E-4F78-B0DA-BB0E59925A8F}" type="datetimeFigureOut">
               <a:rPr lang="ko-KR" altLang="en-US" smtClean="0"/>
+              <a:pPr/>
               <a:t>2019-06-08</a:t>
             </a:fld>
             <a:endParaRPr lang="ko-KR" altLang="en-US"/>
@@ -1859,7 +1872,7 @@
           <p:cNvPr id="8" name="바닥글 개체 틀 7">
             <a:extLst>
               <a:ext uri="{FF2B5EF4-FFF2-40B4-BE49-F238E27FC236}">
-                <a16:creationId xmlns:a16="http://schemas.microsoft.com/office/drawing/2014/main" id="{9B730178-0CEB-4872-B20D-5DA7D3061FC5}"/>
+                <a16:creationId xmlns:a16="http://schemas.microsoft.com/office/drawing/2014/main" xmlns="" id="{9B730178-0CEB-4872-B20D-5DA7D3061FC5}"/>
               </a:ext>
             </a:extLst>
           </p:cNvPr>
@@ -1884,7 +1897,7 @@
           <p:cNvPr id="9" name="슬라이드 번호 개체 틀 8">
             <a:extLst>
               <a:ext uri="{FF2B5EF4-FFF2-40B4-BE49-F238E27FC236}">
-                <a16:creationId xmlns:a16="http://schemas.microsoft.com/office/drawing/2014/main" id="{30231B0A-E8E3-4842-8999-16A9D960BA38}"/>
+                <a16:creationId xmlns:a16="http://schemas.microsoft.com/office/drawing/2014/main" xmlns="" id="{30231B0A-E8E3-4842-8999-16A9D960BA38}"/>
               </a:ext>
             </a:extLst>
           </p:cNvPr>
@@ -1902,6 +1915,7 @@
           <a:p>
             <a:fld id="{CBB11F6E-9694-4C71-AAE6-EA8D5C1A326E}" type="slidenum">
               <a:rPr lang="ko-KR" altLang="en-US" smtClean="0"/>
+              <a:pPr/>
               <a:t>‹#›</a:t>
             </a:fld>
             <a:endParaRPr lang="ko-KR" altLang="en-US"/>
@@ -1911,7 +1925,7 @@
     </p:spTree>
     <p:extLst>
       <p:ext uri="{BB962C8B-B14F-4D97-AF65-F5344CB8AC3E}">
-        <p14:creationId xmlns:p14="http://schemas.microsoft.com/office/powerpoint/2010/main" val="3768219347"/>
+        <p14:creationId xmlns:p14="http://schemas.microsoft.com/office/powerpoint/2010/main" xmlns="" val="3768219347"/>
       </p:ext>
     </p:extLst>
   </p:cSld>
@@ -1943,7 +1957,7 @@
           <p:cNvPr id="2" name="제목 1">
             <a:extLst>
               <a:ext uri="{FF2B5EF4-FFF2-40B4-BE49-F238E27FC236}">
-                <a16:creationId xmlns:a16="http://schemas.microsoft.com/office/drawing/2014/main" id="{28EE5429-0A1D-46FF-B630-F9351F571B69}"/>
+                <a16:creationId xmlns:a16="http://schemas.microsoft.com/office/drawing/2014/main" xmlns="" id="{28EE5429-0A1D-46FF-B630-F9351F571B69}"/>
               </a:ext>
             </a:extLst>
           </p:cNvPr>
@@ -1971,7 +1985,7 @@
           <p:cNvPr id="3" name="날짜 개체 틀 2">
             <a:extLst>
               <a:ext uri="{FF2B5EF4-FFF2-40B4-BE49-F238E27FC236}">
-                <a16:creationId xmlns:a16="http://schemas.microsoft.com/office/drawing/2014/main" id="{19FE4790-195C-42BE-91C2-2E2BAF16C537}"/>
+                <a16:creationId xmlns:a16="http://schemas.microsoft.com/office/drawing/2014/main" xmlns="" id="{19FE4790-195C-42BE-91C2-2E2BAF16C537}"/>
               </a:ext>
             </a:extLst>
           </p:cNvPr>
@@ -1989,6 +2003,7 @@
           <a:p>
             <a:fld id="{C120970A-474E-4F78-B0DA-BB0E59925A8F}" type="datetimeFigureOut">
               <a:rPr lang="ko-KR" altLang="en-US" smtClean="0"/>
+              <a:pPr/>
               <a:t>2019-06-08</a:t>
             </a:fld>
             <a:endParaRPr lang="ko-KR" altLang="en-US"/>
@@ -2000,7 +2015,7 @@
           <p:cNvPr id="4" name="바닥글 개체 틀 3">
             <a:extLst>
               <a:ext uri="{FF2B5EF4-FFF2-40B4-BE49-F238E27FC236}">
-                <a16:creationId xmlns:a16="http://schemas.microsoft.com/office/drawing/2014/main" id="{1EE75788-07B1-4F3C-A7F8-988E7C14B84F}"/>
+                <a16:creationId xmlns:a16="http://schemas.microsoft.com/office/drawing/2014/main" xmlns="" id="{1EE75788-07B1-4F3C-A7F8-988E7C14B84F}"/>
               </a:ext>
             </a:extLst>
           </p:cNvPr>
@@ -2025,7 +2040,7 @@
           <p:cNvPr id="5" name="슬라이드 번호 개체 틀 4">
             <a:extLst>
               <a:ext uri="{FF2B5EF4-FFF2-40B4-BE49-F238E27FC236}">
-                <a16:creationId xmlns:a16="http://schemas.microsoft.com/office/drawing/2014/main" id="{4C179848-C2DB-4E0D-8CB7-07529864382B}"/>
+                <a16:creationId xmlns:a16="http://schemas.microsoft.com/office/drawing/2014/main" xmlns="" id="{4C179848-C2DB-4E0D-8CB7-07529864382B}"/>
               </a:ext>
             </a:extLst>
           </p:cNvPr>
@@ -2043,6 +2058,7 @@
           <a:p>
             <a:fld id="{CBB11F6E-9694-4C71-AAE6-EA8D5C1A326E}" type="slidenum">
               <a:rPr lang="ko-KR" altLang="en-US" smtClean="0"/>
+              <a:pPr/>
               <a:t>‹#›</a:t>
             </a:fld>
             <a:endParaRPr lang="ko-KR" altLang="en-US"/>
@@ -2052,7 +2068,7 @@
     </p:spTree>
     <p:extLst>
       <p:ext uri="{BB962C8B-B14F-4D97-AF65-F5344CB8AC3E}">
-        <p14:creationId xmlns:p14="http://schemas.microsoft.com/office/powerpoint/2010/main" val="1884260763"/>
+        <p14:creationId xmlns:p14="http://schemas.microsoft.com/office/powerpoint/2010/main" xmlns="" val="1884260763"/>
       </p:ext>
     </p:extLst>
   </p:cSld>
@@ -2084,7 +2100,7 @@
           <p:cNvPr id="2" name="날짜 개체 틀 1">
             <a:extLst>
               <a:ext uri="{FF2B5EF4-FFF2-40B4-BE49-F238E27FC236}">
-                <a16:creationId xmlns:a16="http://schemas.microsoft.com/office/drawing/2014/main" id="{9208FB0B-A238-430F-BD1B-3FEE40DF59FB}"/>
+                <a16:creationId xmlns:a16="http://schemas.microsoft.com/office/drawing/2014/main" xmlns="" id="{9208FB0B-A238-430F-BD1B-3FEE40DF59FB}"/>
               </a:ext>
             </a:extLst>
           </p:cNvPr>
@@ -2102,6 +2118,7 @@
           <a:p>
             <a:fld id="{C120970A-474E-4F78-B0DA-BB0E59925A8F}" type="datetimeFigureOut">
               <a:rPr lang="ko-KR" altLang="en-US" smtClean="0"/>
+              <a:pPr/>
               <a:t>2019-06-08</a:t>
             </a:fld>
             <a:endParaRPr lang="ko-KR" altLang="en-US"/>
@@ -2113,7 +2130,7 @@
           <p:cNvPr id="3" name="바닥글 개체 틀 2">
             <a:extLst>
               <a:ext uri="{FF2B5EF4-FFF2-40B4-BE49-F238E27FC236}">
-                <a16:creationId xmlns:a16="http://schemas.microsoft.com/office/drawing/2014/main" id="{19C5DC1B-382F-4D32-961D-CF79D11F04C8}"/>
+                <a16:creationId xmlns:a16="http://schemas.microsoft.com/office/drawing/2014/main" xmlns="" id="{19C5DC1B-382F-4D32-961D-CF79D11F04C8}"/>
               </a:ext>
             </a:extLst>
           </p:cNvPr>
@@ -2138,7 +2155,7 @@
           <p:cNvPr id="4" name="슬라이드 번호 개체 틀 3">
             <a:extLst>
               <a:ext uri="{FF2B5EF4-FFF2-40B4-BE49-F238E27FC236}">
-                <a16:creationId xmlns:a16="http://schemas.microsoft.com/office/drawing/2014/main" id="{8D6AC3E0-36A9-4855-BA07-7D2C7DB1503B}"/>
+                <a16:creationId xmlns:a16="http://schemas.microsoft.com/office/drawing/2014/main" xmlns="" id="{8D6AC3E0-36A9-4855-BA07-7D2C7DB1503B}"/>
               </a:ext>
             </a:extLst>
           </p:cNvPr>
@@ -2156,6 +2173,7 @@
           <a:p>
             <a:fld id="{CBB11F6E-9694-4C71-AAE6-EA8D5C1A326E}" type="slidenum">
               <a:rPr lang="ko-KR" altLang="en-US" smtClean="0"/>
+              <a:pPr/>
               <a:t>‹#›</a:t>
             </a:fld>
             <a:endParaRPr lang="ko-KR" altLang="en-US"/>
@@ -2165,7 +2183,7 @@
     </p:spTree>
     <p:extLst>
       <p:ext uri="{BB962C8B-B14F-4D97-AF65-F5344CB8AC3E}">
-        <p14:creationId xmlns:p14="http://schemas.microsoft.com/office/powerpoint/2010/main" val="4175932828"/>
+        <p14:creationId xmlns:p14="http://schemas.microsoft.com/office/powerpoint/2010/main" xmlns="" val="4175932828"/>
       </p:ext>
     </p:extLst>
   </p:cSld>
@@ -2197,7 +2215,7 @@
           <p:cNvPr id="2" name="제목 1">
             <a:extLst>
               <a:ext uri="{FF2B5EF4-FFF2-40B4-BE49-F238E27FC236}">
-                <a16:creationId xmlns:a16="http://schemas.microsoft.com/office/drawing/2014/main" id="{B5F2F735-0F3B-4003-A1A4-DF51BE4FB4F7}"/>
+                <a16:creationId xmlns:a16="http://schemas.microsoft.com/office/drawing/2014/main" xmlns="" id="{B5F2F735-0F3B-4003-A1A4-DF51BE4FB4F7}"/>
               </a:ext>
             </a:extLst>
           </p:cNvPr>
@@ -2234,7 +2252,7 @@
           <p:cNvPr id="3" name="내용 개체 틀 2">
             <a:extLst>
               <a:ext uri="{FF2B5EF4-FFF2-40B4-BE49-F238E27FC236}">
-                <a16:creationId xmlns:a16="http://schemas.microsoft.com/office/drawing/2014/main" id="{5699E7F6-DAE4-4735-BC66-3E84FB1EE16E}"/>
+                <a16:creationId xmlns:a16="http://schemas.microsoft.com/office/drawing/2014/main" xmlns="" id="{5699E7F6-DAE4-4735-BC66-3E84FB1EE16E}"/>
               </a:ext>
             </a:extLst>
           </p:cNvPr>
@@ -2324,7 +2342,7 @@
           <p:cNvPr id="4" name="텍스트 개체 틀 3">
             <a:extLst>
               <a:ext uri="{FF2B5EF4-FFF2-40B4-BE49-F238E27FC236}">
-                <a16:creationId xmlns:a16="http://schemas.microsoft.com/office/drawing/2014/main" id="{2542EF91-08F3-4C39-9595-8CCA98EEF9DC}"/>
+                <a16:creationId xmlns:a16="http://schemas.microsoft.com/office/drawing/2014/main" xmlns="" id="{2542EF91-08F3-4C39-9595-8CCA98EEF9DC}"/>
               </a:ext>
             </a:extLst>
           </p:cNvPr>
@@ -2395,7 +2413,7 @@
           <p:cNvPr id="5" name="날짜 개체 틀 4">
             <a:extLst>
               <a:ext uri="{FF2B5EF4-FFF2-40B4-BE49-F238E27FC236}">
-                <a16:creationId xmlns:a16="http://schemas.microsoft.com/office/drawing/2014/main" id="{59B3520D-531D-4E7D-994B-7133F8F79102}"/>
+                <a16:creationId xmlns:a16="http://schemas.microsoft.com/office/drawing/2014/main" xmlns="" id="{59B3520D-531D-4E7D-994B-7133F8F79102}"/>
               </a:ext>
             </a:extLst>
           </p:cNvPr>
@@ -2413,6 +2431,7 @@
           <a:p>
             <a:fld id="{C120970A-474E-4F78-B0DA-BB0E59925A8F}" type="datetimeFigureOut">
               <a:rPr lang="ko-KR" altLang="en-US" smtClean="0"/>
+              <a:pPr/>
               <a:t>2019-06-08</a:t>
             </a:fld>
             <a:endParaRPr lang="ko-KR" altLang="en-US"/>
@@ -2424,7 +2443,7 @@
           <p:cNvPr id="6" name="바닥글 개체 틀 5">
             <a:extLst>
               <a:ext uri="{FF2B5EF4-FFF2-40B4-BE49-F238E27FC236}">
-                <a16:creationId xmlns:a16="http://schemas.microsoft.com/office/drawing/2014/main" id="{9BCC6442-D9A0-407F-A5F2-3F5AC88C2672}"/>
+                <a16:creationId xmlns:a16="http://schemas.microsoft.com/office/drawing/2014/main" xmlns="" id="{9BCC6442-D9A0-407F-A5F2-3F5AC88C2672}"/>
               </a:ext>
             </a:extLst>
           </p:cNvPr>
@@ -2449,7 +2468,7 @@
           <p:cNvPr id="7" name="슬라이드 번호 개체 틀 6">
             <a:extLst>
               <a:ext uri="{FF2B5EF4-FFF2-40B4-BE49-F238E27FC236}">
-                <a16:creationId xmlns:a16="http://schemas.microsoft.com/office/drawing/2014/main" id="{648DC52C-6BD0-4E03-83B0-ACF938EBF783}"/>
+                <a16:creationId xmlns:a16="http://schemas.microsoft.com/office/drawing/2014/main" xmlns="" id="{648DC52C-6BD0-4E03-83B0-ACF938EBF783}"/>
               </a:ext>
             </a:extLst>
           </p:cNvPr>
@@ -2467,6 +2486,7 @@
           <a:p>
             <a:fld id="{CBB11F6E-9694-4C71-AAE6-EA8D5C1A326E}" type="slidenum">
               <a:rPr lang="ko-KR" altLang="en-US" smtClean="0"/>
+              <a:pPr/>
               <a:t>‹#›</a:t>
             </a:fld>
             <a:endParaRPr lang="ko-KR" altLang="en-US"/>
@@ -2476,7 +2496,7 @@
     </p:spTree>
     <p:extLst>
       <p:ext uri="{BB962C8B-B14F-4D97-AF65-F5344CB8AC3E}">
-        <p14:creationId xmlns:p14="http://schemas.microsoft.com/office/powerpoint/2010/main" val="514663736"/>
+        <p14:creationId xmlns:p14="http://schemas.microsoft.com/office/powerpoint/2010/main" xmlns="" val="514663736"/>
       </p:ext>
     </p:extLst>
   </p:cSld>
@@ -2508,7 +2528,7 @@
           <p:cNvPr id="2" name="제목 1">
             <a:extLst>
               <a:ext uri="{FF2B5EF4-FFF2-40B4-BE49-F238E27FC236}">
-                <a16:creationId xmlns:a16="http://schemas.microsoft.com/office/drawing/2014/main" id="{6BEAA628-0FE9-4136-ACAF-90DBA3ECE15D}"/>
+                <a16:creationId xmlns:a16="http://schemas.microsoft.com/office/drawing/2014/main" xmlns="" id="{6BEAA628-0FE9-4136-ACAF-90DBA3ECE15D}"/>
               </a:ext>
             </a:extLst>
           </p:cNvPr>
@@ -2545,7 +2565,7 @@
           <p:cNvPr id="3" name="그림 개체 틀 2">
             <a:extLst>
               <a:ext uri="{FF2B5EF4-FFF2-40B4-BE49-F238E27FC236}">
-                <a16:creationId xmlns:a16="http://schemas.microsoft.com/office/drawing/2014/main" id="{B5B5D1F3-AED8-423E-BDFF-7771476D6A2C}"/>
+                <a16:creationId xmlns:a16="http://schemas.microsoft.com/office/drawing/2014/main" xmlns="" id="{B5B5D1F3-AED8-423E-BDFF-7771476D6A2C}"/>
               </a:ext>
             </a:extLst>
           </p:cNvPr>
@@ -2612,7 +2632,7 @@
           <p:cNvPr id="4" name="텍스트 개체 틀 3">
             <a:extLst>
               <a:ext uri="{FF2B5EF4-FFF2-40B4-BE49-F238E27FC236}">
-                <a16:creationId xmlns:a16="http://schemas.microsoft.com/office/drawing/2014/main" id="{F3C3260F-4940-4995-BDED-0AB6B11ED08B}"/>
+                <a16:creationId xmlns:a16="http://schemas.microsoft.com/office/drawing/2014/main" xmlns="" id="{F3C3260F-4940-4995-BDED-0AB6B11ED08B}"/>
               </a:ext>
             </a:extLst>
           </p:cNvPr>
@@ -2683,7 +2703,7 @@
           <p:cNvPr id="5" name="날짜 개체 틀 4">
             <a:extLst>
               <a:ext uri="{FF2B5EF4-FFF2-40B4-BE49-F238E27FC236}">
-                <a16:creationId xmlns:a16="http://schemas.microsoft.com/office/drawing/2014/main" id="{6CD62F2A-785E-4F82-8F6A-4D6EF5194356}"/>
+                <a16:creationId xmlns:a16="http://schemas.microsoft.com/office/drawing/2014/main" xmlns="" id="{6CD62F2A-785E-4F82-8F6A-4D6EF5194356}"/>
               </a:ext>
             </a:extLst>
           </p:cNvPr>
@@ -2701,6 +2721,7 @@
           <a:p>
             <a:fld id="{C120970A-474E-4F78-B0DA-BB0E59925A8F}" type="datetimeFigureOut">
               <a:rPr lang="ko-KR" altLang="en-US" smtClean="0"/>
+              <a:pPr/>
               <a:t>2019-06-08</a:t>
             </a:fld>
             <a:endParaRPr lang="ko-KR" altLang="en-US"/>
@@ -2712,7 +2733,7 @@
           <p:cNvPr id="6" name="바닥글 개체 틀 5">
             <a:extLst>
               <a:ext uri="{FF2B5EF4-FFF2-40B4-BE49-F238E27FC236}">
-                <a16:creationId xmlns:a16="http://schemas.microsoft.com/office/drawing/2014/main" id="{4F92F022-9E7D-455C-872B-27DA11A21E80}"/>
+                <a16:creationId xmlns:a16="http://schemas.microsoft.com/office/drawing/2014/main" xmlns="" id="{4F92F022-9E7D-455C-872B-27DA11A21E80}"/>
               </a:ext>
             </a:extLst>
           </p:cNvPr>
@@ -2737,7 +2758,7 @@
           <p:cNvPr id="7" name="슬라이드 번호 개체 틀 6">
             <a:extLst>
               <a:ext uri="{FF2B5EF4-FFF2-40B4-BE49-F238E27FC236}">
-                <a16:creationId xmlns:a16="http://schemas.microsoft.com/office/drawing/2014/main" id="{A7824396-1312-4F97-BAA8-423232B27C24}"/>
+                <a16:creationId xmlns:a16="http://schemas.microsoft.com/office/drawing/2014/main" xmlns="" id="{A7824396-1312-4F97-BAA8-423232B27C24}"/>
               </a:ext>
             </a:extLst>
           </p:cNvPr>
@@ -2755,6 +2776,7 @@
           <a:p>
             <a:fld id="{CBB11F6E-9694-4C71-AAE6-EA8D5C1A326E}" type="slidenum">
               <a:rPr lang="ko-KR" altLang="en-US" smtClean="0"/>
+              <a:pPr/>
               <a:t>‹#›</a:t>
             </a:fld>
             <a:endParaRPr lang="ko-KR" altLang="en-US"/>
@@ -2764,7 +2786,7 @@
     </p:spTree>
     <p:extLst>
       <p:ext uri="{BB962C8B-B14F-4D97-AF65-F5344CB8AC3E}">
-        <p14:creationId xmlns:p14="http://schemas.microsoft.com/office/powerpoint/2010/main" val="554525147"/>
+        <p14:creationId xmlns:p14="http://schemas.microsoft.com/office/powerpoint/2010/main" xmlns="" val="554525147"/>
       </p:ext>
     </p:extLst>
   </p:cSld>
@@ -2801,7 +2823,7 @@
           <p:cNvPr id="2" name="제목 개체 틀 1">
             <a:extLst>
               <a:ext uri="{FF2B5EF4-FFF2-40B4-BE49-F238E27FC236}">
-                <a16:creationId xmlns:a16="http://schemas.microsoft.com/office/drawing/2014/main" id="{EFC7BB8E-9FBD-4880-9BA3-14100FC6FE12}"/>
+                <a16:creationId xmlns:a16="http://schemas.microsoft.com/office/drawing/2014/main" xmlns="" id="{EFC7BB8E-9FBD-4880-9BA3-14100FC6FE12}"/>
               </a:ext>
             </a:extLst>
           </p:cNvPr>
@@ -2839,7 +2861,7 @@
           <p:cNvPr id="3" name="텍스트 개체 틀 2">
             <a:extLst>
               <a:ext uri="{FF2B5EF4-FFF2-40B4-BE49-F238E27FC236}">
-                <a16:creationId xmlns:a16="http://schemas.microsoft.com/office/drawing/2014/main" id="{BD7A7CD4-5ABD-4E40-9D3A-90F342407894}"/>
+                <a16:creationId xmlns:a16="http://schemas.microsoft.com/office/drawing/2014/main" xmlns="" id="{BD7A7CD4-5ABD-4E40-9D3A-90F342407894}"/>
               </a:ext>
             </a:extLst>
           </p:cNvPr>
@@ -2906,7 +2928,7 @@
           <p:cNvPr id="4" name="날짜 개체 틀 3">
             <a:extLst>
               <a:ext uri="{FF2B5EF4-FFF2-40B4-BE49-F238E27FC236}">
-                <a16:creationId xmlns:a16="http://schemas.microsoft.com/office/drawing/2014/main" id="{810A4A9E-A4B0-42BA-A931-6CA131655EED}"/>
+                <a16:creationId xmlns:a16="http://schemas.microsoft.com/office/drawing/2014/main" xmlns="" id="{810A4A9E-A4B0-42BA-A931-6CA131655EED}"/>
               </a:ext>
             </a:extLst>
           </p:cNvPr>
@@ -2942,6 +2964,7 @@
           <a:p>
             <a:fld id="{C120970A-474E-4F78-B0DA-BB0E59925A8F}" type="datetimeFigureOut">
               <a:rPr lang="ko-KR" altLang="en-US" smtClean="0"/>
+              <a:pPr/>
               <a:t>2019-06-08</a:t>
             </a:fld>
             <a:endParaRPr lang="ko-KR" altLang="en-US"/>
@@ -2953,7 +2976,7 @@
           <p:cNvPr id="5" name="바닥글 개체 틀 4">
             <a:extLst>
               <a:ext uri="{FF2B5EF4-FFF2-40B4-BE49-F238E27FC236}">
-                <a16:creationId xmlns:a16="http://schemas.microsoft.com/office/drawing/2014/main" id="{1277194A-C9D7-42DF-9FC7-25EC12B0A25C}"/>
+                <a16:creationId xmlns:a16="http://schemas.microsoft.com/office/drawing/2014/main" xmlns="" id="{1277194A-C9D7-42DF-9FC7-25EC12B0A25C}"/>
               </a:ext>
             </a:extLst>
           </p:cNvPr>
@@ -2996,7 +3019,7 @@
           <p:cNvPr id="6" name="슬라이드 번호 개체 틀 5">
             <a:extLst>
               <a:ext uri="{FF2B5EF4-FFF2-40B4-BE49-F238E27FC236}">
-                <a16:creationId xmlns:a16="http://schemas.microsoft.com/office/drawing/2014/main" id="{C0F4AF8F-C8F7-431A-B91A-1F791CDB5DDD}"/>
+                <a16:creationId xmlns:a16="http://schemas.microsoft.com/office/drawing/2014/main" xmlns="" id="{C0F4AF8F-C8F7-431A-B91A-1F791CDB5DDD}"/>
               </a:ext>
             </a:extLst>
           </p:cNvPr>
@@ -3032,6 +3055,7 @@
           <a:p>
             <a:fld id="{CBB11F6E-9694-4C71-AAE6-EA8D5C1A326E}" type="slidenum">
               <a:rPr lang="ko-KR" altLang="en-US" smtClean="0"/>
+              <a:pPr/>
               <a:t>‹#›</a:t>
             </a:fld>
             <a:endParaRPr lang="ko-KR" altLang="en-US"/>
@@ -3041,7 +3065,7 @@
     </p:spTree>
     <p:extLst>
       <p:ext uri="{BB962C8B-B14F-4D97-AF65-F5344CB8AC3E}">
-        <p14:creationId xmlns:p14="http://schemas.microsoft.com/office/powerpoint/2010/main" val="2700920843"/>
+        <p14:creationId xmlns:p14="http://schemas.microsoft.com/office/powerpoint/2010/main" xmlns="" val="2700920843"/>
       </p:ext>
     </p:extLst>
   </p:cSld>
@@ -3364,7 +3388,7 @@
           <p:cNvPr id="5" name="그림 4">
             <a:extLst>
               <a:ext uri="{FF2B5EF4-FFF2-40B4-BE49-F238E27FC236}">
-                <a16:creationId xmlns:a16="http://schemas.microsoft.com/office/drawing/2014/main" id="{DFEAF979-C366-4EFA-8AA7-4A08FF988CF9}"/>
+                <a16:creationId xmlns:a16="http://schemas.microsoft.com/office/drawing/2014/main" xmlns="" id="{DFEAF979-C366-4EFA-8AA7-4A08FF988CF9}"/>
               </a:ext>
             </a:extLst>
           </p:cNvPr>
@@ -3374,10 +3398,10 @@
           <p:nvPr/>
         </p:nvPicPr>
         <p:blipFill>
-          <a:blip r:embed="rId2">
+          <a:blip r:embed="rId2" cstate="print">
             <a:extLst>
               <a:ext uri="{28A0092B-C50C-407E-A947-70E740481C1C}">
-                <a14:useLocalDpi xmlns:a14="http://schemas.microsoft.com/office/drawing/2010/main" val="0"/>
+                <a14:useLocalDpi xmlns:a14="http://schemas.microsoft.com/office/drawing/2010/main" xmlns="" val="0"/>
               </a:ext>
             </a:extLst>
           </a:blip>
@@ -3400,7 +3424,7 @@
           <p:cNvPr id="2" name="제목 1">
             <a:extLst>
               <a:ext uri="{FF2B5EF4-FFF2-40B4-BE49-F238E27FC236}">
-                <a16:creationId xmlns:a16="http://schemas.microsoft.com/office/drawing/2014/main" id="{55FF4D98-D852-4357-8E64-DCFAB51BE341}"/>
+                <a16:creationId xmlns:a16="http://schemas.microsoft.com/office/drawing/2014/main" xmlns="" id="{55FF4D98-D852-4357-8E64-DCFAB51BE341}"/>
               </a:ext>
             </a:extLst>
           </p:cNvPr>
@@ -3432,7 +3456,7 @@
           <p:cNvPr id="3" name="부제목 2">
             <a:extLst>
               <a:ext uri="{FF2B5EF4-FFF2-40B4-BE49-F238E27FC236}">
-                <a16:creationId xmlns:a16="http://schemas.microsoft.com/office/drawing/2014/main" id="{C60621EE-BE1F-4DD8-A69B-279B697403D6}"/>
+                <a16:creationId xmlns:a16="http://schemas.microsoft.com/office/drawing/2014/main" xmlns="" id="{C60621EE-BE1F-4DD8-A69B-279B697403D6}"/>
               </a:ext>
             </a:extLst>
           </p:cNvPr>
@@ -3448,6 +3472,10 @@
           <a:bodyPr/>
           <a:lstStyle/>
           <a:p>
+            <a:r>
+              <a:rPr lang="en-US" altLang="ko-KR" dirty="0"/>
+              <a:t/>
+            </a:r>
             <a:br>
               <a:rPr lang="en-US" altLang="ko-KR" dirty="0"/>
             </a:br>
@@ -3482,7 +3510,7 @@
           <p:cNvPr id="7" name="그림 6">
             <a:extLst>
               <a:ext uri="{FF2B5EF4-FFF2-40B4-BE49-F238E27FC236}">
-                <a16:creationId xmlns:a16="http://schemas.microsoft.com/office/drawing/2014/main" id="{1F87640F-B605-46A8-97F8-F8B4250566A5}"/>
+                <a16:creationId xmlns:a16="http://schemas.microsoft.com/office/drawing/2014/main" xmlns="" id="{1F87640F-B605-46A8-97F8-F8B4250566A5}"/>
               </a:ext>
             </a:extLst>
           </p:cNvPr>
@@ -3492,10 +3520,10 @@
           <p:nvPr/>
         </p:nvPicPr>
         <p:blipFill>
-          <a:blip r:embed="rId3">
+          <a:blip r:embed="rId3" cstate="print">
             <a:extLst>
               <a:ext uri="{BEBA8EAE-BF5A-486C-A8C5-ECC9F3942E4B}">
-                <a14:imgProps xmlns:a14="http://schemas.microsoft.com/office/drawing/2010/main">
+                <a14:imgProps xmlns:a14="http://schemas.microsoft.com/office/drawing/2010/main" xmlns="">
                   <a14:imgLayer r:embed="rId4">
                     <a14:imgEffect>
                       <a14:backgroundRemoval t="9922" b="89295" l="4167" r="93889">
@@ -3523,7 +3551,7 @@
                 </a14:imgProps>
               </a:ext>
               <a:ext uri="{28A0092B-C50C-407E-A947-70E740481C1C}">
-                <a14:useLocalDpi xmlns:a14="http://schemas.microsoft.com/office/drawing/2010/main" val="0"/>
+                <a14:useLocalDpi xmlns:a14="http://schemas.microsoft.com/office/drawing/2010/main" xmlns="" val="0"/>
               </a:ext>
             </a:extLst>
           </a:blip>
@@ -3545,7 +3573,7 @@
     </p:spTree>
     <p:extLst>
       <p:ext uri="{BB962C8B-B14F-4D97-AF65-F5344CB8AC3E}">
-        <p14:creationId xmlns:p14="http://schemas.microsoft.com/office/powerpoint/2010/main" val="3830147224"/>
+        <p14:creationId xmlns:p14="http://schemas.microsoft.com/office/powerpoint/2010/main" xmlns="" val="3830147224"/>
       </p:ext>
     </p:extLst>
   </p:cSld>
@@ -3577,7 +3605,7 @@
           <p:cNvPr id="4" name="직사각형 3">
             <a:extLst>
               <a:ext uri="{FF2B5EF4-FFF2-40B4-BE49-F238E27FC236}">
-                <a16:creationId xmlns:a16="http://schemas.microsoft.com/office/drawing/2014/main" id="{1561410B-BAA8-4851-8F9F-EBAC6DC7A7CF}"/>
+                <a16:creationId xmlns:a16="http://schemas.microsoft.com/office/drawing/2014/main" xmlns="" id="{1561410B-BAA8-4851-8F9F-EBAC6DC7A7CF}"/>
               </a:ext>
             </a:extLst>
           </p:cNvPr>
@@ -3629,7 +3657,7 @@
           <p:cNvPr id="2" name="제목 1">
             <a:extLst>
               <a:ext uri="{FF2B5EF4-FFF2-40B4-BE49-F238E27FC236}">
-                <a16:creationId xmlns:a16="http://schemas.microsoft.com/office/drawing/2014/main" id="{33D08569-DE81-4471-8FCE-B2315F130A3F}"/>
+                <a16:creationId xmlns:a16="http://schemas.microsoft.com/office/drawing/2014/main" xmlns="" id="{33D08569-DE81-4471-8FCE-B2315F130A3F}"/>
               </a:ext>
             </a:extLst>
           </p:cNvPr>
@@ -3659,7 +3687,7 @@
           <p:cNvPr id="3" name="내용 개체 틀 2">
             <a:extLst>
               <a:ext uri="{FF2B5EF4-FFF2-40B4-BE49-F238E27FC236}">
-                <a16:creationId xmlns:a16="http://schemas.microsoft.com/office/drawing/2014/main" id="{5DEF73F0-18BD-4E50-AE4A-AFCA2F1A4FEB}"/>
+                <a16:creationId xmlns:a16="http://schemas.microsoft.com/office/drawing/2014/main" xmlns="" id="{5DEF73F0-18BD-4E50-AE4A-AFCA2F1A4FEB}"/>
               </a:ext>
             </a:extLst>
           </p:cNvPr>
@@ -3756,7 +3784,7 @@
           <p:cNvPr id="5" name="내용 개체 틀 2">
             <a:extLst>
               <a:ext uri="{FF2B5EF4-FFF2-40B4-BE49-F238E27FC236}">
-                <a16:creationId xmlns:a16="http://schemas.microsoft.com/office/drawing/2014/main" id="{BE5CA2C7-7792-420B-A749-8CA4F8159889}"/>
+                <a16:creationId xmlns:a16="http://schemas.microsoft.com/office/drawing/2014/main" xmlns="" id="{BE5CA2C7-7792-420B-A749-8CA4F8159889}"/>
               </a:ext>
             </a:extLst>
           </p:cNvPr>
@@ -3986,7 +4014,7 @@
     </p:spTree>
     <p:extLst>
       <p:ext uri="{BB962C8B-B14F-4D97-AF65-F5344CB8AC3E}">
-        <p14:creationId xmlns:p14="http://schemas.microsoft.com/office/powerpoint/2010/main" val="2717268985"/>
+        <p14:creationId xmlns:p14="http://schemas.microsoft.com/office/powerpoint/2010/main" xmlns="" val="2717268985"/>
       </p:ext>
     </p:extLst>
   </p:cSld>
@@ -4018,7 +4046,7 @@
           <p:cNvPr id="4" name="직사각형 3">
             <a:extLst>
               <a:ext uri="{FF2B5EF4-FFF2-40B4-BE49-F238E27FC236}">
-                <a16:creationId xmlns:a16="http://schemas.microsoft.com/office/drawing/2014/main" id="{1561410B-BAA8-4851-8F9F-EBAC6DC7A7CF}"/>
+                <a16:creationId xmlns:a16="http://schemas.microsoft.com/office/drawing/2014/main" xmlns="" id="{1561410B-BAA8-4851-8F9F-EBAC6DC7A7CF}"/>
               </a:ext>
             </a:extLst>
           </p:cNvPr>
@@ -4070,7 +4098,7 @@
           <p:cNvPr id="2" name="제목 1">
             <a:extLst>
               <a:ext uri="{FF2B5EF4-FFF2-40B4-BE49-F238E27FC236}">
-                <a16:creationId xmlns:a16="http://schemas.microsoft.com/office/drawing/2014/main" id="{33D08569-DE81-4471-8FCE-B2315F130A3F}"/>
+                <a16:creationId xmlns:a16="http://schemas.microsoft.com/office/drawing/2014/main" xmlns="" id="{33D08569-DE81-4471-8FCE-B2315F130A3F}"/>
               </a:ext>
             </a:extLst>
           </p:cNvPr>
@@ -4102,7 +4130,7 @@
           <p:cNvPr id="3" name="그림 2">
             <a:extLst>
               <a:ext uri="{FF2B5EF4-FFF2-40B4-BE49-F238E27FC236}">
-                <a16:creationId xmlns:a16="http://schemas.microsoft.com/office/drawing/2014/main" id="{7EEA43C8-8F42-468D-811E-B298F6939C2D}"/>
+                <a16:creationId xmlns:a16="http://schemas.microsoft.com/office/drawing/2014/main" xmlns="" id="{7EEA43C8-8F42-468D-811E-B298F6939C2D}"/>
               </a:ext>
             </a:extLst>
           </p:cNvPr>
@@ -4112,7 +4140,7 @@
           <p:nvPr/>
         </p:nvPicPr>
         <p:blipFill>
-          <a:blip r:embed="rId2"/>
+          <a:blip r:embed="rId2" cstate="print"/>
           <a:stretch>
             <a:fillRect/>
           </a:stretch>
@@ -4132,7 +4160,7 @@
           <p:cNvPr id="5" name="TextBox 4">
             <a:extLst>
               <a:ext uri="{FF2B5EF4-FFF2-40B4-BE49-F238E27FC236}">
-                <a16:creationId xmlns:a16="http://schemas.microsoft.com/office/drawing/2014/main" id="{5EEBBF5A-FD38-452F-9938-E95CC7405D58}"/>
+                <a16:creationId xmlns:a16="http://schemas.microsoft.com/office/drawing/2014/main" xmlns="" id="{5EEBBF5A-FD38-452F-9938-E95CC7405D58}"/>
               </a:ext>
             </a:extLst>
           </p:cNvPr>
@@ -4281,11 +4309,19 @@
           <a:p>
             <a:r>
               <a:rPr lang="ko-KR" altLang="en-US" sz="2100" dirty="0"/>
-              <a:t>깜짝 보상 시스템 구연</a:t>
+              <a:t>깜짝 보상 시스템 </a:t>
+            </a:r>
+            <a:r>
+              <a:rPr lang="ko-KR" altLang="en-US" sz="2100" dirty="0" smtClean="0"/>
+              <a:t>구현</a:t>
+            </a:r>
+            <a:r>
+              <a:rPr lang="en-US" altLang="ko-KR" sz="2100" dirty="0" smtClean="0"/>
+              <a:t>(</a:t>
             </a:r>
             <a:r>
               <a:rPr lang="en-US" altLang="ko-KR" sz="2100" dirty="0"/>
-              <a:t>(PD)</a:t>
+              <a:t>PD)</a:t>
             </a:r>
           </a:p>
           <a:p>
@@ -4307,7 +4343,7 @@
     </p:spTree>
     <p:extLst>
       <p:ext uri="{BB962C8B-B14F-4D97-AF65-F5344CB8AC3E}">
-        <p14:creationId xmlns:p14="http://schemas.microsoft.com/office/powerpoint/2010/main" val="3092462223"/>
+        <p14:creationId xmlns:p14="http://schemas.microsoft.com/office/powerpoint/2010/main" xmlns="" val="3092462223"/>
       </p:ext>
     </p:extLst>
   </p:cSld>
@@ -4339,7 +4375,7 @@
           <p:cNvPr id="4" name="직사각형 3">
             <a:extLst>
               <a:ext uri="{FF2B5EF4-FFF2-40B4-BE49-F238E27FC236}">
-                <a16:creationId xmlns:a16="http://schemas.microsoft.com/office/drawing/2014/main" id="{1561410B-BAA8-4851-8F9F-EBAC6DC7A7CF}"/>
+                <a16:creationId xmlns:a16="http://schemas.microsoft.com/office/drawing/2014/main" xmlns="" id="{1561410B-BAA8-4851-8F9F-EBAC6DC7A7CF}"/>
               </a:ext>
             </a:extLst>
           </p:cNvPr>
@@ -4391,7 +4427,7 @@
           <p:cNvPr id="2" name="제목 1">
             <a:extLst>
               <a:ext uri="{FF2B5EF4-FFF2-40B4-BE49-F238E27FC236}">
-                <a16:creationId xmlns:a16="http://schemas.microsoft.com/office/drawing/2014/main" id="{33D08569-DE81-4471-8FCE-B2315F130A3F}"/>
+                <a16:creationId xmlns:a16="http://schemas.microsoft.com/office/drawing/2014/main" xmlns="" id="{33D08569-DE81-4471-8FCE-B2315F130A3F}"/>
               </a:ext>
             </a:extLst>
           </p:cNvPr>
@@ -4423,7 +4459,7 @@
           <p:cNvPr id="3" name="그림 2">
             <a:extLst>
               <a:ext uri="{FF2B5EF4-FFF2-40B4-BE49-F238E27FC236}">
-                <a16:creationId xmlns:a16="http://schemas.microsoft.com/office/drawing/2014/main" id="{1D0B902D-AC86-41F5-94FA-07A2DE4BCF5C}"/>
+                <a16:creationId xmlns:a16="http://schemas.microsoft.com/office/drawing/2014/main" xmlns="" id="{1D0B902D-AC86-41F5-94FA-07A2DE4BCF5C}"/>
               </a:ext>
             </a:extLst>
           </p:cNvPr>
@@ -4433,7 +4469,7 @@
           <p:nvPr/>
         </p:nvPicPr>
         <p:blipFill>
-          <a:blip r:embed="rId2"/>
+          <a:blip r:embed="rId2" cstate="print"/>
           <a:stretch>
             <a:fillRect/>
           </a:stretch>
@@ -4453,7 +4489,7 @@
           <p:cNvPr id="5" name="TextBox 4">
             <a:extLst>
               <a:ext uri="{FF2B5EF4-FFF2-40B4-BE49-F238E27FC236}">
-                <a16:creationId xmlns:a16="http://schemas.microsoft.com/office/drawing/2014/main" id="{39D27F75-5160-41D7-983C-489796BCD004}"/>
+                <a16:creationId xmlns:a16="http://schemas.microsoft.com/office/drawing/2014/main" xmlns="" id="{39D27F75-5160-41D7-983C-489796BCD004}"/>
               </a:ext>
             </a:extLst>
           </p:cNvPr>
@@ -4506,11 +4542,19 @@
           <a:p>
             <a:r>
               <a:rPr lang="ko-KR" altLang="en-US" dirty="0"/>
-              <a:t>깜짝 보상 시스템 구연</a:t>
-            </a:r>
-            <a:r>
-              <a:rPr lang="en-US" altLang="ko-KR" dirty="0"/>
-              <a:t>(CASH)</a:t>
+              <a:t>깜짝 보상 시스템 </a:t>
+            </a:r>
+            <a:r>
+              <a:rPr lang="ko-KR" altLang="en-US" dirty="0" smtClean="0"/>
+              <a:t>구현</a:t>
+            </a:r>
+            <a:r>
+              <a:rPr lang="en-US" altLang="ko-KR" dirty="0" smtClean="0"/>
+              <a:t>(</a:t>
+            </a:r>
+            <a:r>
+              <a:rPr lang="en-US" altLang="ko-KR" dirty="0"/>
+              <a:t>CASH)</a:t>
             </a:r>
           </a:p>
           <a:p>
@@ -4528,6 +4572,10 @@
             <a:endParaRPr lang="en-US" altLang="ko-KR" dirty="0"/>
           </a:p>
           <a:p>
+            <a:r>
+              <a:rPr lang="en-US" altLang="ko-KR" dirty="0"/>
+              <a:t/>
+            </a:r>
             <a:br>
               <a:rPr lang="en-US" altLang="ko-KR" dirty="0"/>
             </a:br>
@@ -4616,12 +4664,16 @@
               <a:t>면 경험치와 필요 </a:t>
             </a:r>
             <a:r>
-              <a:rPr lang="ko-KR" altLang="en-US" dirty="0" err="1"/>
-              <a:t>경험치도를</a:t>
-            </a:r>
-            <a:r>
-              <a:rPr lang="ko-KR" altLang="en-US" dirty="0"/>
-              <a:t> 초기화함</a:t>
+              <a:rPr lang="ko-KR" altLang="en-US" dirty="0" err="1" smtClean="0"/>
+              <a:t>경험치값을</a:t>
+            </a:r>
+            <a:r>
+              <a:rPr lang="ko-KR" altLang="en-US" dirty="0" smtClean="0"/>
+              <a:t> </a:t>
+            </a:r>
+            <a:r>
+              <a:rPr lang="ko-KR" altLang="en-US" dirty="0"/>
+              <a:t>초기화함</a:t>
             </a:r>
           </a:p>
         </p:txBody>
@@ -4629,7 +4681,7 @@
     </p:spTree>
     <p:extLst>
       <p:ext uri="{BB962C8B-B14F-4D97-AF65-F5344CB8AC3E}">
-        <p14:creationId xmlns:p14="http://schemas.microsoft.com/office/powerpoint/2010/main" val="1445754814"/>
+        <p14:creationId xmlns:p14="http://schemas.microsoft.com/office/powerpoint/2010/main" xmlns="" val="1445754814"/>
       </p:ext>
     </p:extLst>
   </p:cSld>
@@ -4661,7 +4713,7 @@
           <p:cNvPr id="4" name="직사각형 3">
             <a:extLst>
               <a:ext uri="{FF2B5EF4-FFF2-40B4-BE49-F238E27FC236}">
-                <a16:creationId xmlns:a16="http://schemas.microsoft.com/office/drawing/2014/main" id="{1561410B-BAA8-4851-8F9F-EBAC6DC7A7CF}"/>
+                <a16:creationId xmlns:a16="http://schemas.microsoft.com/office/drawing/2014/main" xmlns="" id="{1561410B-BAA8-4851-8F9F-EBAC6DC7A7CF}"/>
               </a:ext>
             </a:extLst>
           </p:cNvPr>
@@ -4713,7 +4765,7 @@
           <p:cNvPr id="2" name="제목 1">
             <a:extLst>
               <a:ext uri="{FF2B5EF4-FFF2-40B4-BE49-F238E27FC236}">
-                <a16:creationId xmlns:a16="http://schemas.microsoft.com/office/drawing/2014/main" id="{33D08569-DE81-4471-8FCE-B2315F130A3F}"/>
+                <a16:creationId xmlns:a16="http://schemas.microsoft.com/office/drawing/2014/main" xmlns="" id="{33D08569-DE81-4471-8FCE-B2315F130A3F}"/>
               </a:ext>
             </a:extLst>
           </p:cNvPr>
@@ -4745,7 +4797,7 @@
           <p:cNvPr id="3" name="그림 2">
             <a:extLst>
               <a:ext uri="{FF2B5EF4-FFF2-40B4-BE49-F238E27FC236}">
-                <a16:creationId xmlns:a16="http://schemas.microsoft.com/office/drawing/2014/main" id="{FB123ED9-00D2-4C59-9C34-76936636D47A}"/>
+                <a16:creationId xmlns:a16="http://schemas.microsoft.com/office/drawing/2014/main" xmlns="" id="{FB123ED9-00D2-4C59-9C34-76936636D47A}"/>
               </a:ext>
             </a:extLst>
           </p:cNvPr>
@@ -4755,7 +4807,7 @@
           <p:nvPr/>
         </p:nvPicPr>
         <p:blipFill>
-          <a:blip r:embed="rId2"/>
+          <a:blip r:embed="rId2" cstate="print"/>
           <a:stretch>
             <a:fillRect/>
           </a:stretch>
@@ -4775,7 +4827,7 @@
           <p:cNvPr id="5" name="TextBox 4">
             <a:extLst>
               <a:ext uri="{FF2B5EF4-FFF2-40B4-BE49-F238E27FC236}">
-                <a16:creationId xmlns:a16="http://schemas.microsoft.com/office/drawing/2014/main" id="{09781C44-5861-4DA1-8181-092C8793FC2A}"/>
+                <a16:creationId xmlns:a16="http://schemas.microsoft.com/office/drawing/2014/main" xmlns="" id="{09781C44-5861-4DA1-8181-092C8793FC2A}"/>
               </a:ext>
             </a:extLst>
           </p:cNvPr>
@@ -4800,7 +4852,11 @@
           <a:p>
             <a:r>
               <a:rPr lang="ko-KR" altLang="en-US" dirty="0"/>
-              <a:t>닉네임 변경을 구연</a:t>
+              <a:t>닉네임 변경을 </a:t>
+            </a:r>
+            <a:r>
+              <a:rPr lang="ko-KR" altLang="en-US" dirty="0" smtClean="0"/>
+              <a:t>구현</a:t>
             </a:r>
             <a:endParaRPr lang="en-US" altLang="ko-KR" dirty="0"/>
           </a:p>
@@ -4818,7 +4874,11 @@
             </a:r>
             <a:r>
               <a:rPr lang="ko-KR" altLang="en-US" dirty="0"/>
-              <a:t>자 사이의 글자 수만 가능 하게 구연</a:t>
+              <a:t>자 사이의 글자 수만 가능 하게 </a:t>
+            </a:r>
+            <a:r>
+              <a:rPr lang="ko-KR" altLang="en-US" dirty="0" smtClean="0"/>
+              <a:t>구현</a:t>
             </a:r>
             <a:endParaRPr lang="en-US" altLang="ko-KR" dirty="0"/>
           </a:p>
@@ -4891,7 +4951,7 @@
     </p:spTree>
     <p:extLst>
       <p:ext uri="{BB962C8B-B14F-4D97-AF65-F5344CB8AC3E}">
-        <p14:creationId xmlns:p14="http://schemas.microsoft.com/office/powerpoint/2010/main" val="1583839649"/>
+        <p14:creationId xmlns:p14="http://schemas.microsoft.com/office/powerpoint/2010/main" xmlns="" val="1583839649"/>
       </p:ext>
     </p:extLst>
   </p:cSld>
@@ -4923,7 +4983,7 @@
           <p:cNvPr id="4" name="직사각형 3">
             <a:extLst>
               <a:ext uri="{FF2B5EF4-FFF2-40B4-BE49-F238E27FC236}">
-                <a16:creationId xmlns:a16="http://schemas.microsoft.com/office/drawing/2014/main" id="{1561410B-BAA8-4851-8F9F-EBAC6DC7A7CF}"/>
+                <a16:creationId xmlns:a16="http://schemas.microsoft.com/office/drawing/2014/main" xmlns="" id="{1561410B-BAA8-4851-8F9F-EBAC6DC7A7CF}"/>
               </a:ext>
             </a:extLst>
           </p:cNvPr>
@@ -4975,7 +5035,7 @@
           <p:cNvPr id="2" name="제목 1">
             <a:extLst>
               <a:ext uri="{FF2B5EF4-FFF2-40B4-BE49-F238E27FC236}">
-                <a16:creationId xmlns:a16="http://schemas.microsoft.com/office/drawing/2014/main" id="{33D08569-DE81-4471-8FCE-B2315F130A3F}"/>
+                <a16:creationId xmlns:a16="http://schemas.microsoft.com/office/drawing/2014/main" xmlns="" id="{33D08569-DE81-4471-8FCE-B2315F130A3F}"/>
               </a:ext>
             </a:extLst>
           </p:cNvPr>
@@ -5007,7 +5067,7 @@
           <p:cNvPr id="3" name="그림 2">
             <a:extLst>
               <a:ext uri="{FF2B5EF4-FFF2-40B4-BE49-F238E27FC236}">
-                <a16:creationId xmlns:a16="http://schemas.microsoft.com/office/drawing/2014/main" id="{759CA9CF-7B8E-4105-82EA-C30A573D01A2}"/>
+                <a16:creationId xmlns:a16="http://schemas.microsoft.com/office/drawing/2014/main" xmlns="" id="{759CA9CF-7B8E-4105-82EA-C30A573D01A2}"/>
               </a:ext>
             </a:extLst>
           </p:cNvPr>
@@ -5017,7 +5077,7 @@
           <p:nvPr/>
         </p:nvPicPr>
         <p:blipFill>
-          <a:blip r:embed="rId2"/>
+          <a:blip r:embed="rId2" cstate="print"/>
           <a:stretch>
             <a:fillRect/>
           </a:stretch>
@@ -5037,7 +5097,7 @@
           <p:cNvPr id="5" name="TextBox 4">
             <a:extLst>
               <a:ext uri="{FF2B5EF4-FFF2-40B4-BE49-F238E27FC236}">
-                <a16:creationId xmlns:a16="http://schemas.microsoft.com/office/drawing/2014/main" id="{1E242B70-2958-412F-BFCA-1645DDCC99B4}"/>
+                <a16:creationId xmlns:a16="http://schemas.microsoft.com/office/drawing/2014/main" xmlns="" id="{1E242B70-2958-412F-BFCA-1645DDCC99B4}"/>
               </a:ext>
             </a:extLst>
           </p:cNvPr>
@@ -5173,7 +5233,7 @@
     </p:spTree>
     <p:extLst>
       <p:ext uri="{BB962C8B-B14F-4D97-AF65-F5344CB8AC3E}">
-        <p14:creationId xmlns:p14="http://schemas.microsoft.com/office/powerpoint/2010/main" val="4184314996"/>
+        <p14:creationId xmlns:p14="http://schemas.microsoft.com/office/powerpoint/2010/main" xmlns="" val="4184314996"/>
       </p:ext>
     </p:extLst>
   </p:cSld>
@@ -5205,7 +5265,7 @@
           <p:cNvPr id="4" name="직사각형 3">
             <a:extLst>
               <a:ext uri="{FF2B5EF4-FFF2-40B4-BE49-F238E27FC236}">
-                <a16:creationId xmlns:a16="http://schemas.microsoft.com/office/drawing/2014/main" id="{1561410B-BAA8-4851-8F9F-EBAC6DC7A7CF}"/>
+                <a16:creationId xmlns:a16="http://schemas.microsoft.com/office/drawing/2014/main" xmlns="" id="{1561410B-BAA8-4851-8F9F-EBAC6DC7A7CF}"/>
               </a:ext>
             </a:extLst>
           </p:cNvPr>
@@ -5257,7 +5317,7 @@
           <p:cNvPr id="2" name="제목 1">
             <a:extLst>
               <a:ext uri="{FF2B5EF4-FFF2-40B4-BE49-F238E27FC236}">
-                <a16:creationId xmlns:a16="http://schemas.microsoft.com/office/drawing/2014/main" id="{33D08569-DE81-4471-8FCE-B2315F130A3F}"/>
+                <a16:creationId xmlns:a16="http://schemas.microsoft.com/office/drawing/2014/main" xmlns="" id="{33D08569-DE81-4471-8FCE-B2315F130A3F}"/>
               </a:ext>
             </a:extLst>
           </p:cNvPr>
@@ -5287,7 +5347,7 @@
           <p:cNvPr id="3" name="내용 개체 틀 2">
             <a:extLst>
               <a:ext uri="{FF2B5EF4-FFF2-40B4-BE49-F238E27FC236}">
-                <a16:creationId xmlns:a16="http://schemas.microsoft.com/office/drawing/2014/main" id="{5DEF73F0-18BD-4E50-AE4A-AFCA2F1A4FEB}"/>
+                <a16:creationId xmlns:a16="http://schemas.microsoft.com/office/drawing/2014/main" xmlns="" id="{5DEF73F0-18BD-4E50-AE4A-AFCA2F1A4FEB}"/>
               </a:ext>
             </a:extLst>
           </p:cNvPr>
@@ -5355,7 +5415,11 @@
             <a:pPr lvl="1"/>
             <a:r>
               <a:rPr lang="ko-KR" altLang="en-US" dirty="0"/>
-              <a:t>버튼으로 구매버튼 구연</a:t>
+              <a:t>버튼으로 구매버튼 </a:t>
+            </a:r>
+            <a:r>
+              <a:rPr lang="ko-KR" altLang="en-US" dirty="0" smtClean="0"/>
+              <a:t>구현</a:t>
             </a:r>
             <a:endParaRPr lang="en-US" altLang="ko-KR" dirty="0"/>
           </a:p>
@@ -5414,7 +5478,7 @@
     </p:spTree>
     <p:extLst>
       <p:ext uri="{BB962C8B-B14F-4D97-AF65-F5344CB8AC3E}">
-        <p14:creationId xmlns:p14="http://schemas.microsoft.com/office/powerpoint/2010/main" val="1152867809"/>
+        <p14:creationId xmlns:p14="http://schemas.microsoft.com/office/powerpoint/2010/main" xmlns="" val="1152867809"/>
       </p:ext>
     </p:extLst>
   </p:cSld>
@@ -5446,7 +5510,7 @@
           <p:cNvPr id="4" name="직사각형 3">
             <a:extLst>
               <a:ext uri="{FF2B5EF4-FFF2-40B4-BE49-F238E27FC236}">
-                <a16:creationId xmlns:a16="http://schemas.microsoft.com/office/drawing/2014/main" id="{1561410B-BAA8-4851-8F9F-EBAC6DC7A7CF}"/>
+                <a16:creationId xmlns:a16="http://schemas.microsoft.com/office/drawing/2014/main" xmlns="" id="{1561410B-BAA8-4851-8F9F-EBAC6DC7A7CF}"/>
               </a:ext>
             </a:extLst>
           </p:cNvPr>
@@ -5498,7 +5562,7 @@
           <p:cNvPr id="2" name="제목 1">
             <a:extLst>
               <a:ext uri="{FF2B5EF4-FFF2-40B4-BE49-F238E27FC236}">
-                <a16:creationId xmlns:a16="http://schemas.microsoft.com/office/drawing/2014/main" id="{33D08569-DE81-4471-8FCE-B2315F130A3F}"/>
+                <a16:creationId xmlns:a16="http://schemas.microsoft.com/office/drawing/2014/main" xmlns="" id="{33D08569-DE81-4471-8FCE-B2315F130A3F}"/>
               </a:ext>
             </a:extLst>
           </p:cNvPr>
@@ -5530,7 +5594,7 @@
           <p:cNvPr id="6" name="그림 5">
             <a:extLst>
               <a:ext uri="{FF2B5EF4-FFF2-40B4-BE49-F238E27FC236}">
-                <a16:creationId xmlns:a16="http://schemas.microsoft.com/office/drawing/2014/main" id="{1F8D9412-6999-4B01-9BD9-6E82C783297E}"/>
+                <a16:creationId xmlns:a16="http://schemas.microsoft.com/office/drawing/2014/main" xmlns="" id="{1F8D9412-6999-4B01-9BD9-6E82C783297E}"/>
               </a:ext>
             </a:extLst>
           </p:cNvPr>
@@ -5540,7 +5604,7 @@
           <p:nvPr/>
         </p:nvPicPr>
         <p:blipFill>
-          <a:blip r:embed="rId2"/>
+          <a:blip r:embed="rId2" cstate="print"/>
           <a:stretch>
             <a:fillRect/>
           </a:stretch>
@@ -5560,7 +5624,7 @@
           <p:cNvPr id="7" name="TextBox 6">
             <a:extLst>
               <a:ext uri="{FF2B5EF4-FFF2-40B4-BE49-F238E27FC236}">
-                <a16:creationId xmlns:a16="http://schemas.microsoft.com/office/drawing/2014/main" id="{373EBCE9-21A8-458B-8980-5EA14525F0D5}"/>
+                <a16:creationId xmlns:a16="http://schemas.microsoft.com/office/drawing/2014/main" xmlns="" id="{373EBCE9-21A8-458B-8980-5EA14525F0D5}"/>
               </a:ext>
             </a:extLst>
           </p:cNvPr>
@@ -5594,7 +5658,7 @@
     </p:spTree>
     <p:extLst>
       <p:ext uri="{BB962C8B-B14F-4D97-AF65-F5344CB8AC3E}">
-        <p14:creationId xmlns:p14="http://schemas.microsoft.com/office/powerpoint/2010/main" val="558065803"/>
+        <p14:creationId xmlns:p14="http://schemas.microsoft.com/office/powerpoint/2010/main" xmlns="" val="558065803"/>
       </p:ext>
     </p:extLst>
   </p:cSld>
@@ -5626,7 +5690,7 @@
           <p:cNvPr id="4" name="직사각형 3">
             <a:extLst>
               <a:ext uri="{FF2B5EF4-FFF2-40B4-BE49-F238E27FC236}">
-                <a16:creationId xmlns:a16="http://schemas.microsoft.com/office/drawing/2014/main" id="{1561410B-BAA8-4851-8F9F-EBAC6DC7A7CF}"/>
+                <a16:creationId xmlns:a16="http://schemas.microsoft.com/office/drawing/2014/main" xmlns="" id="{1561410B-BAA8-4851-8F9F-EBAC6DC7A7CF}"/>
               </a:ext>
             </a:extLst>
           </p:cNvPr>
@@ -5678,7 +5742,7 @@
           <p:cNvPr id="2" name="제목 1">
             <a:extLst>
               <a:ext uri="{FF2B5EF4-FFF2-40B4-BE49-F238E27FC236}">
-                <a16:creationId xmlns:a16="http://schemas.microsoft.com/office/drawing/2014/main" id="{33D08569-DE81-4471-8FCE-B2315F130A3F}"/>
+                <a16:creationId xmlns:a16="http://schemas.microsoft.com/office/drawing/2014/main" xmlns="" id="{33D08569-DE81-4471-8FCE-B2315F130A3F}"/>
               </a:ext>
             </a:extLst>
           </p:cNvPr>
@@ -5710,7 +5774,7 @@
           <p:cNvPr id="3" name="그림 2">
             <a:extLst>
               <a:ext uri="{FF2B5EF4-FFF2-40B4-BE49-F238E27FC236}">
-                <a16:creationId xmlns:a16="http://schemas.microsoft.com/office/drawing/2014/main" id="{FD45C9F5-71CC-4C57-ADD4-47EFBFC4D450}"/>
+                <a16:creationId xmlns:a16="http://schemas.microsoft.com/office/drawing/2014/main" xmlns="" id="{FD45C9F5-71CC-4C57-ADD4-47EFBFC4D450}"/>
               </a:ext>
             </a:extLst>
           </p:cNvPr>
@@ -5720,7 +5784,7 @@
           <p:nvPr/>
         </p:nvPicPr>
         <p:blipFill>
-          <a:blip r:embed="rId2"/>
+          <a:blip r:embed="rId2" cstate="print"/>
           <a:stretch>
             <a:fillRect/>
           </a:stretch>
@@ -5740,7 +5804,7 @@
           <p:cNvPr id="5" name="TextBox 4">
             <a:extLst>
               <a:ext uri="{FF2B5EF4-FFF2-40B4-BE49-F238E27FC236}">
-                <a16:creationId xmlns:a16="http://schemas.microsoft.com/office/drawing/2014/main" id="{99C88CA0-B92D-4EFA-9C0C-4018ED6DD4C7}"/>
+                <a16:creationId xmlns:a16="http://schemas.microsoft.com/office/drawing/2014/main" xmlns="" id="{99C88CA0-B92D-4EFA-9C0C-4018ED6DD4C7}"/>
               </a:ext>
             </a:extLst>
           </p:cNvPr>
@@ -5802,7 +5866,7 @@
     </p:spTree>
     <p:extLst>
       <p:ext uri="{BB962C8B-B14F-4D97-AF65-F5344CB8AC3E}">
-        <p14:creationId xmlns:p14="http://schemas.microsoft.com/office/powerpoint/2010/main" val="1849794907"/>
+        <p14:creationId xmlns:p14="http://schemas.microsoft.com/office/powerpoint/2010/main" xmlns="" val="1849794907"/>
       </p:ext>
     </p:extLst>
   </p:cSld>
@@ -5834,7 +5898,7 @@
           <p:cNvPr id="4" name="직사각형 3">
             <a:extLst>
               <a:ext uri="{FF2B5EF4-FFF2-40B4-BE49-F238E27FC236}">
-                <a16:creationId xmlns:a16="http://schemas.microsoft.com/office/drawing/2014/main" id="{1561410B-BAA8-4851-8F9F-EBAC6DC7A7CF}"/>
+                <a16:creationId xmlns:a16="http://schemas.microsoft.com/office/drawing/2014/main" xmlns="" id="{1561410B-BAA8-4851-8F9F-EBAC6DC7A7CF}"/>
               </a:ext>
             </a:extLst>
           </p:cNvPr>
@@ -5886,7 +5950,7 @@
           <p:cNvPr id="2" name="제목 1">
             <a:extLst>
               <a:ext uri="{FF2B5EF4-FFF2-40B4-BE49-F238E27FC236}">
-                <a16:creationId xmlns:a16="http://schemas.microsoft.com/office/drawing/2014/main" id="{33D08569-DE81-4471-8FCE-B2315F130A3F}"/>
+                <a16:creationId xmlns:a16="http://schemas.microsoft.com/office/drawing/2014/main" xmlns="" id="{33D08569-DE81-4471-8FCE-B2315F130A3F}"/>
               </a:ext>
             </a:extLst>
           </p:cNvPr>
@@ -5918,7 +5982,7 @@
           <p:cNvPr id="3" name="그림 2">
             <a:extLst>
               <a:ext uri="{FF2B5EF4-FFF2-40B4-BE49-F238E27FC236}">
-                <a16:creationId xmlns:a16="http://schemas.microsoft.com/office/drawing/2014/main" id="{D7AC07C7-4171-43D9-987A-9A2F39CDB8A4}"/>
+                <a16:creationId xmlns:a16="http://schemas.microsoft.com/office/drawing/2014/main" xmlns="" id="{D7AC07C7-4171-43D9-987A-9A2F39CDB8A4}"/>
               </a:ext>
             </a:extLst>
           </p:cNvPr>
@@ -5928,7 +5992,7 @@
           <p:nvPr/>
         </p:nvPicPr>
         <p:blipFill>
-          <a:blip r:embed="rId2"/>
+          <a:blip r:embed="rId2" cstate="print"/>
           <a:stretch>
             <a:fillRect/>
           </a:stretch>
@@ -5948,7 +6012,7 @@
           <p:cNvPr id="5" name="TextBox 4">
             <a:extLst>
               <a:ext uri="{FF2B5EF4-FFF2-40B4-BE49-F238E27FC236}">
-                <a16:creationId xmlns:a16="http://schemas.microsoft.com/office/drawing/2014/main" id="{F7534B1D-F61E-465C-BC2F-30ACEE2A13EC}"/>
+                <a16:creationId xmlns:a16="http://schemas.microsoft.com/office/drawing/2014/main" xmlns="" id="{F7534B1D-F61E-465C-BC2F-30ACEE2A13EC}"/>
               </a:ext>
             </a:extLst>
           </p:cNvPr>
@@ -6002,7 +6066,7 @@
     </p:spTree>
     <p:extLst>
       <p:ext uri="{BB962C8B-B14F-4D97-AF65-F5344CB8AC3E}">
-        <p14:creationId xmlns:p14="http://schemas.microsoft.com/office/powerpoint/2010/main" val="4113165789"/>
+        <p14:creationId xmlns:p14="http://schemas.microsoft.com/office/powerpoint/2010/main" xmlns="" val="4113165789"/>
       </p:ext>
     </p:extLst>
   </p:cSld>
@@ -6034,7 +6098,7 @@
           <p:cNvPr id="4" name="직사각형 3">
             <a:extLst>
               <a:ext uri="{FF2B5EF4-FFF2-40B4-BE49-F238E27FC236}">
-                <a16:creationId xmlns:a16="http://schemas.microsoft.com/office/drawing/2014/main" id="{1561410B-BAA8-4851-8F9F-EBAC6DC7A7CF}"/>
+                <a16:creationId xmlns:a16="http://schemas.microsoft.com/office/drawing/2014/main" xmlns="" id="{1561410B-BAA8-4851-8F9F-EBAC6DC7A7CF}"/>
               </a:ext>
             </a:extLst>
           </p:cNvPr>
@@ -6086,7 +6150,7 @@
           <p:cNvPr id="2" name="제목 1">
             <a:extLst>
               <a:ext uri="{FF2B5EF4-FFF2-40B4-BE49-F238E27FC236}">
-                <a16:creationId xmlns:a16="http://schemas.microsoft.com/office/drawing/2014/main" id="{33D08569-DE81-4471-8FCE-B2315F130A3F}"/>
+                <a16:creationId xmlns:a16="http://schemas.microsoft.com/office/drawing/2014/main" xmlns="" id="{33D08569-DE81-4471-8FCE-B2315F130A3F}"/>
               </a:ext>
             </a:extLst>
           </p:cNvPr>
@@ -6118,7 +6182,7 @@
           <p:cNvPr id="3" name="그림 2">
             <a:extLst>
               <a:ext uri="{FF2B5EF4-FFF2-40B4-BE49-F238E27FC236}">
-                <a16:creationId xmlns:a16="http://schemas.microsoft.com/office/drawing/2014/main" id="{6AE79DE4-7B06-41F0-B202-104CABCB6023}"/>
+                <a16:creationId xmlns:a16="http://schemas.microsoft.com/office/drawing/2014/main" xmlns="" id="{6AE79DE4-7B06-41F0-B202-104CABCB6023}"/>
               </a:ext>
             </a:extLst>
           </p:cNvPr>
@@ -6128,7 +6192,7 @@
           <p:nvPr/>
         </p:nvPicPr>
         <p:blipFill>
-          <a:blip r:embed="rId2"/>
+          <a:blip r:embed="rId2" cstate="print"/>
           <a:stretch>
             <a:fillRect/>
           </a:stretch>
@@ -6148,7 +6212,7 @@
           <p:cNvPr id="5" name="TextBox 4">
             <a:extLst>
               <a:ext uri="{FF2B5EF4-FFF2-40B4-BE49-F238E27FC236}">
-                <a16:creationId xmlns:a16="http://schemas.microsoft.com/office/drawing/2014/main" id="{F49230DF-A775-4676-81D5-0E3E79B34013}"/>
+                <a16:creationId xmlns:a16="http://schemas.microsoft.com/office/drawing/2014/main" xmlns="" id="{F49230DF-A775-4676-81D5-0E3E79B34013}"/>
               </a:ext>
             </a:extLst>
           </p:cNvPr>
@@ -6209,7 +6273,7 @@
     </p:spTree>
     <p:extLst>
       <p:ext uri="{BB962C8B-B14F-4D97-AF65-F5344CB8AC3E}">
-        <p14:creationId xmlns:p14="http://schemas.microsoft.com/office/powerpoint/2010/main" val="2858112924"/>
+        <p14:creationId xmlns:p14="http://schemas.microsoft.com/office/powerpoint/2010/main" xmlns="" val="2858112924"/>
       </p:ext>
     </p:extLst>
   </p:cSld>
@@ -6241,7 +6305,7 @@
           <p:cNvPr id="4" name="직사각형 3">
             <a:extLst>
               <a:ext uri="{FF2B5EF4-FFF2-40B4-BE49-F238E27FC236}">
-                <a16:creationId xmlns:a16="http://schemas.microsoft.com/office/drawing/2014/main" id="{206090B6-03F2-4321-A084-0CDDF6EF01A9}"/>
+                <a16:creationId xmlns:a16="http://schemas.microsoft.com/office/drawing/2014/main" xmlns="" id="{206090B6-03F2-4321-A084-0CDDF6EF01A9}"/>
               </a:ext>
             </a:extLst>
           </p:cNvPr>
@@ -6293,7 +6357,7 @@
           <p:cNvPr id="2" name="제목 1">
             <a:extLst>
               <a:ext uri="{FF2B5EF4-FFF2-40B4-BE49-F238E27FC236}">
-                <a16:creationId xmlns:a16="http://schemas.microsoft.com/office/drawing/2014/main" id="{3928D7C9-5A8D-4573-A390-DBB43D3D9C62}"/>
+                <a16:creationId xmlns:a16="http://schemas.microsoft.com/office/drawing/2014/main" xmlns="" id="{3928D7C9-5A8D-4573-A390-DBB43D3D9C62}"/>
               </a:ext>
             </a:extLst>
           </p:cNvPr>
@@ -6321,7 +6385,7 @@
           <p:cNvPr id="3" name="내용 개체 틀 2">
             <a:extLst>
               <a:ext uri="{FF2B5EF4-FFF2-40B4-BE49-F238E27FC236}">
-                <a16:creationId xmlns:a16="http://schemas.microsoft.com/office/drawing/2014/main" id="{4BEEA748-2E85-4C4A-9F59-728ECD48BF78}"/>
+                <a16:creationId xmlns:a16="http://schemas.microsoft.com/office/drawing/2014/main" xmlns="" id="{4BEEA748-2E85-4C4A-9F59-728ECD48BF78}"/>
               </a:ext>
             </a:extLst>
           </p:cNvPr>
@@ -6418,7 +6482,7 @@
           <p:cNvPr id="6" name="그림 5" descr="자연, 불, 벽난로, 건물이(가) 표시된 사진&#10;&#10;자동 생성된 설명">
             <a:extLst>
               <a:ext uri="{FF2B5EF4-FFF2-40B4-BE49-F238E27FC236}">
-                <a16:creationId xmlns:a16="http://schemas.microsoft.com/office/drawing/2014/main" id="{40DD3D01-5249-4A6A-AF3C-896EA4AD7A89}"/>
+                <a16:creationId xmlns:a16="http://schemas.microsoft.com/office/drawing/2014/main" xmlns="" id="{40DD3D01-5249-4A6A-AF3C-896EA4AD7A89}"/>
               </a:ext>
             </a:extLst>
           </p:cNvPr>
@@ -6428,10 +6492,10 @@
           <p:nvPr/>
         </p:nvPicPr>
         <p:blipFill rotWithShape="1">
-          <a:blip r:embed="rId2">
+          <a:blip r:embed="rId2" cstate="print">
             <a:extLst>
               <a:ext uri="{28A0092B-C50C-407E-A947-70E740481C1C}">
-                <a14:useLocalDpi xmlns:a14="http://schemas.microsoft.com/office/drawing/2010/main" val="0"/>
+                <a14:useLocalDpi xmlns:a14="http://schemas.microsoft.com/office/drawing/2010/main" xmlns="" val="0"/>
               </a:ext>
             </a:extLst>
           </a:blip>
@@ -6453,7 +6517,7 @@
           <p:cNvPr id="7" name="그림 6" descr="자연, 불, 벽난로, 건물이(가) 표시된 사진&#10;&#10;자동 생성된 설명">
             <a:extLst>
               <a:ext uri="{FF2B5EF4-FFF2-40B4-BE49-F238E27FC236}">
-                <a16:creationId xmlns:a16="http://schemas.microsoft.com/office/drawing/2014/main" id="{BEEA829C-A7C7-4763-A7AD-FA0546C26196}"/>
+                <a16:creationId xmlns:a16="http://schemas.microsoft.com/office/drawing/2014/main" xmlns="" id="{BEEA829C-A7C7-4763-A7AD-FA0546C26196}"/>
               </a:ext>
             </a:extLst>
           </p:cNvPr>
@@ -6463,10 +6527,10 @@
           <p:nvPr/>
         </p:nvPicPr>
         <p:blipFill rotWithShape="1">
-          <a:blip r:embed="rId2">
+          <a:blip r:embed="rId2" cstate="print">
             <a:extLst>
               <a:ext uri="{28A0092B-C50C-407E-A947-70E740481C1C}">
-                <a14:useLocalDpi xmlns:a14="http://schemas.microsoft.com/office/drawing/2010/main" val="0"/>
+                <a14:useLocalDpi xmlns:a14="http://schemas.microsoft.com/office/drawing/2010/main" xmlns="" val="0"/>
               </a:ext>
             </a:extLst>
           </a:blip>
@@ -6488,7 +6552,7 @@
           <p:cNvPr id="9" name="그림 8">
             <a:extLst>
               <a:ext uri="{FF2B5EF4-FFF2-40B4-BE49-F238E27FC236}">
-                <a16:creationId xmlns:a16="http://schemas.microsoft.com/office/drawing/2014/main" id="{5215B74D-B85E-4E41-998B-E30053F8654C}"/>
+                <a16:creationId xmlns:a16="http://schemas.microsoft.com/office/drawing/2014/main" xmlns="" id="{5215B74D-B85E-4E41-998B-E30053F8654C}"/>
               </a:ext>
             </a:extLst>
           </p:cNvPr>
@@ -6498,10 +6562,10 @@
           <p:nvPr/>
         </p:nvPicPr>
         <p:blipFill>
-          <a:blip r:embed="rId3">
+          <a:blip r:embed="rId3" cstate="print">
             <a:extLst>
               <a:ext uri="{BEBA8EAE-BF5A-486C-A8C5-ECC9F3942E4B}">
-                <a14:imgProps xmlns:a14="http://schemas.microsoft.com/office/drawing/2010/main">
+                <a14:imgProps xmlns:a14="http://schemas.microsoft.com/office/drawing/2010/main" xmlns="">
                   <a14:imgLayer r:embed="rId4">
                     <a14:imgEffect>
                       <a14:backgroundRemoval t="9336" b="89767" l="6577" r="93274">
@@ -6597,7 +6661,7 @@
                 </a14:imgProps>
               </a:ext>
               <a:ext uri="{28A0092B-C50C-407E-A947-70E740481C1C}">
-                <a14:useLocalDpi xmlns:a14="http://schemas.microsoft.com/office/drawing/2010/main" val="0"/>
+                <a14:useLocalDpi xmlns:a14="http://schemas.microsoft.com/office/drawing/2010/main" xmlns="" val="0"/>
               </a:ext>
             </a:extLst>
           </a:blip>
@@ -6620,7 +6684,7 @@
           <p:cNvPr id="10" name="그림 9">
             <a:extLst>
               <a:ext uri="{FF2B5EF4-FFF2-40B4-BE49-F238E27FC236}">
-                <a16:creationId xmlns:a16="http://schemas.microsoft.com/office/drawing/2014/main" id="{8C7A104C-DA5D-4519-93CB-DAB2E29A3594}"/>
+                <a16:creationId xmlns:a16="http://schemas.microsoft.com/office/drawing/2014/main" xmlns="" id="{8C7A104C-DA5D-4519-93CB-DAB2E29A3594}"/>
               </a:ext>
             </a:extLst>
           </p:cNvPr>
@@ -6630,10 +6694,10 @@
           <p:nvPr/>
         </p:nvPicPr>
         <p:blipFill>
-          <a:blip r:embed="rId3">
+          <a:blip r:embed="rId3" cstate="print">
             <a:extLst>
               <a:ext uri="{BEBA8EAE-BF5A-486C-A8C5-ECC9F3942E4B}">
-                <a14:imgProps xmlns:a14="http://schemas.microsoft.com/office/drawing/2010/main">
+                <a14:imgProps xmlns:a14="http://schemas.microsoft.com/office/drawing/2010/main" xmlns="">
                   <a14:imgLayer r:embed="rId4">
                     <a14:imgEffect>
                       <a14:backgroundRemoval t="9336" b="89767" l="6577" r="93274">
@@ -6729,7 +6793,7 @@
                 </a14:imgProps>
               </a:ext>
               <a:ext uri="{28A0092B-C50C-407E-A947-70E740481C1C}">
-                <a14:useLocalDpi xmlns:a14="http://schemas.microsoft.com/office/drawing/2010/main" val="0"/>
+                <a14:useLocalDpi xmlns:a14="http://schemas.microsoft.com/office/drawing/2010/main" xmlns="" val="0"/>
               </a:ext>
             </a:extLst>
           </a:blip>
@@ -6752,7 +6816,7 @@
           <p:cNvPr id="11" name="그림 10">
             <a:extLst>
               <a:ext uri="{FF2B5EF4-FFF2-40B4-BE49-F238E27FC236}">
-                <a16:creationId xmlns:a16="http://schemas.microsoft.com/office/drawing/2014/main" id="{6D6EA1EB-16BB-4348-9F41-4B0A6E57B6C7}"/>
+                <a16:creationId xmlns:a16="http://schemas.microsoft.com/office/drawing/2014/main" xmlns="" id="{6D6EA1EB-16BB-4348-9F41-4B0A6E57B6C7}"/>
               </a:ext>
             </a:extLst>
           </p:cNvPr>
@@ -6762,10 +6826,10 @@
           <p:nvPr/>
         </p:nvPicPr>
         <p:blipFill>
-          <a:blip r:embed="rId3">
+          <a:blip r:embed="rId3" cstate="print">
             <a:extLst>
               <a:ext uri="{BEBA8EAE-BF5A-486C-A8C5-ECC9F3942E4B}">
-                <a14:imgProps xmlns:a14="http://schemas.microsoft.com/office/drawing/2010/main">
+                <a14:imgProps xmlns:a14="http://schemas.microsoft.com/office/drawing/2010/main" xmlns="">
                   <a14:imgLayer r:embed="rId4">
                     <a14:imgEffect>
                       <a14:backgroundRemoval t="9336" b="89767" l="6577" r="93274">
@@ -6861,7 +6925,7 @@
                 </a14:imgProps>
               </a:ext>
               <a:ext uri="{28A0092B-C50C-407E-A947-70E740481C1C}">
-                <a14:useLocalDpi xmlns:a14="http://schemas.microsoft.com/office/drawing/2010/main" val="0"/>
+                <a14:useLocalDpi xmlns:a14="http://schemas.microsoft.com/office/drawing/2010/main" xmlns="" val="0"/>
               </a:ext>
             </a:extLst>
           </a:blip>
@@ -6884,7 +6948,7 @@
           <p:cNvPr id="12" name="그림 11">
             <a:extLst>
               <a:ext uri="{FF2B5EF4-FFF2-40B4-BE49-F238E27FC236}">
-                <a16:creationId xmlns:a16="http://schemas.microsoft.com/office/drawing/2014/main" id="{5E2A61D5-8EB2-4247-AAC8-A27AB29B840A}"/>
+                <a16:creationId xmlns:a16="http://schemas.microsoft.com/office/drawing/2014/main" xmlns="" id="{5E2A61D5-8EB2-4247-AAC8-A27AB29B840A}"/>
               </a:ext>
             </a:extLst>
           </p:cNvPr>
@@ -6894,10 +6958,10 @@
           <p:nvPr/>
         </p:nvPicPr>
         <p:blipFill>
-          <a:blip r:embed="rId3">
+          <a:blip r:embed="rId3" cstate="print">
             <a:extLst>
               <a:ext uri="{BEBA8EAE-BF5A-486C-A8C5-ECC9F3942E4B}">
-                <a14:imgProps xmlns:a14="http://schemas.microsoft.com/office/drawing/2010/main">
+                <a14:imgProps xmlns:a14="http://schemas.microsoft.com/office/drawing/2010/main" xmlns="">
                   <a14:imgLayer r:embed="rId4">
                     <a14:imgEffect>
                       <a14:backgroundRemoval t="9336" b="89767" l="6577" r="93274">
@@ -6993,7 +7057,7 @@
                 </a14:imgProps>
               </a:ext>
               <a:ext uri="{28A0092B-C50C-407E-A947-70E740481C1C}">
-                <a14:useLocalDpi xmlns:a14="http://schemas.microsoft.com/office/drawing/2010/main" val="0"/>
+                <a14:useLocalDpi xmlns:a14="http://schemas.microsoft.com/office/drawing/2010/main" xmlns="" val="0"/>
               </a:ext>
             </a:extLst>
           </a:blip>
@@ -7016,7 +7080,7 @@
           <p:cNvPr id="19" name="그림 18">
             <a:extLst>
               <a:ext uri="{FF2B5EF4-FFF2-40B4-BE49-F238E27FC236}">
-                <a16:creationId xmlns:a16="http://schemas.microsoft.com/office/drawing/2014/main" id="{D9DB681A-03B6-4FB3-AD6F-D91DE267D34B}"/>
+                <a16:creationId xmlns:a16="http://schemas.microsoft.com/office/drawing/2014/main" xmlns="" id="{D9DB681A-03B6-4FB3-AD6F-D91DE267D34B}"/>
               </a:ext>
             </a:extLst>
           </p:cNvPr>
@@ -7026,10 +7090,10 @@
           <p:nvPr/>
         </p:nvPicPr>
         <p:blipFill>
-          <a:blip r:embed="rId3">
+          <a:blip r:embed="rId3" cstate="print">
             <a:extLst>
               <a:ext uri="{BEBA8EAE-BF5A-486C-A8C5-ECC9F3942E4B}">
-                <a14:imgProps xmlns:a14="http://schemas.microsoft.com/office/drawing/2010/main">
+                <a14:imgProps xmlns:a14="http://schemas.microsoft.com/office/drawing/2010/main" xmlns="">
                   <a14:imgLayer r:embed="rId4">
                     <a14:imgEffect>
                       <a14:backgroundRemoval t="9336" b="89767" l="6577" r="93274">
@@ -7125,7 +7189,7 @@
                 </a14:imgProps>
               </a:ext>
               <a:ext uri="{28A0092B-C50C-407E-A947-70E740481C1C}">
-                <a14:useLocalDpi xmlns:a14="http://schemas.microsoft.com/office/drawing/2010/main" val="0"/>
+                <a14:useLocalDpi xmlns:a14="http://schemas.microsoft.com/office/drawing/2010/main" xmlns="" val="0"/>
               </a:ext>
             </a:extLst>
           </a:blip>
@@ -7154,7 +7218,7 @@
           <p:cNvPr id="20" name="그림 19">
             <a:extLst>
               <a:ext uri="{FF2B5EF4-FFF2-40B4-BE49-F238E27FC236}">
-                <a16:creationId xmlns:a16="http://schemas.microsoft.com/office/drawing/2014/main" id="{FA5915D9-D4C5-4124-B721-8A3E2C95CBCA}"/>
+                <a16:creationId xmlns:a16="http://schemas.microsoft.com/office/drawing/2014/main" xmlns="" id="{FA5915D9-D4C5-4124-B721-8A3E2C95CBCA}"/>
               </a:ext>
             </a:extLst>
           </p:cNvPr>
@@ -7164,10 +7228,10 @@
           <p:nvPr/>
         </p:nvPicPr>
         <p:blipFill>
-          <a:blip r:embed="rId3">
+          <a:blip r:embed="rId3" cstate="print">
             <a:extLst>
               <a:ext uri="{BEBA8EAE-BF5A-486C-A8C5-ECC9F3942E4B}">
-                <a14:imgProps xmlns:a14="http://schemas.microsoft.com/office/drawing/2010/main">
+                <a14:imgProps xmlns:a14="http://schemas.microsoft.com/office/drawing/2010/main" xmlns="">
                   <a14:imgLayer r:embed="rId4">
                     <a14:imgEffect>
                       <a14:backgroundRemoval t="9336" b="89767" l="6577" r="93274">
@@ -7263,7 +7327,7 @@
                 </a14:imgProps>
               </a:ext>
               <a:ext uri="{28A0092B-C50C-407E-A947-70E740481C1C}">
-                <a14:useLocalDpi xmlns:a14="http://schemas.microsoft.com/office/drawing/2010/main" val="0"/>
+                <a14:useLocalDpi xmlns:a14="http://schemas.microsoft.com/office/drawing/2010/main" xmlns="" val="0"/>
               </a:ext>
             </a:extLst>
           </a:blip>
@@ -7292,7 +7356,7 @@
           <p:cNvPr id="21" name="그림 20">
             <a:extLst>
               <a:ext uri="{FF2B5EF4-FFF2-40B4-BE49-F238E27FC236}">
-                <a16:creationId xmlns:a16="http://schemas.microsoft.com/office/drawing/2014/main" id="{A640AFE0-E381-450E-BF07-71346773F838}"/>
+                <a16:creationId xmlns:a16="http://schemas.microsoft.com/office/drawing/2014/main" xmlns="" id="{A640AFE0-E381-450E-BF07-71346773F838}"/>
               </a:ext>
             </a:extLst>
           </p:cNvPr>
@@ -7302,10 +7366,10 @@
           <p:nvPr/>
         </p:nvPicPr>
         <p:blipFill>
-          <a:blip r:embed="rId3">
+          <a:blip r:embed="rId3" cstate="print">
             <a:extLst>
               <a:ext uri="{BEBA8EAE-BF5A-486C-A8C5-ECC9F3942E4B}">
-                <a14:imgProps xmlns:a14="http://schemas.microsoft.com/office/drawing/2010/main">
+                <a14:imgProps xmlns:a14="http://schemas.microsoft.com/office/drawing/2010/main" xmlns="">
                   <a14:imgLayer r:embed="rId4">
                     <a14:imgEffect>
                       <a14:backgroundRemoval t="9336" b="89767" l="6577" r="93274">
@@ -7401,7 +7465,7 @@
                 </a14:imgProps>
               </a:ext>
               <a:ext uri="{28A0092B-C50C-407E-A947-70E740481C1C}">
-                <a14:useLocalDpi xmlns:a14="http://schemas.microsoft.com/office/drawing/2010/main" val="0"/>
+                <a14:useLocalDpi xmlns:a14="http://schemas.microsoft.com/office/drawing/2010/main" xmlns="" val="0"/>
               </a:ext>
             </a:extLst>
           </a:blip>
@@ -7430,7 +7494,7 @@
           <p:cNvPr id="22" name="그림 21">
             <a:extLst>
               <a:ext uri="{FF2B5EF4-FFF2-40B4-BE49-F238E27FC236}">
-                <a16:creationId xmlns:a16="http://schemas.microsoft.com/office/drawing/2014/main" id="{FBA32585-77AD-46EA-BE83-E0DC6F397224}"/>
+                <a16:creationId xmlns:a16="http://schemas.microsoft.com/office/drawing/2014/main" xmlns="" id="{FBA32585-77AD-46EA-BE83-E0DC6F397224}"/>
               </a:ext>
             </a:extLst>
           </p:cNvPr>
@@ -7440,10 +7504,10 @@
           <p:nvPr/>
         </p:nvPicPr>
         <p:blipFill>
-          <a:blip r:embed="rId3">
+          <a:blip r:embed="rId3" cstate="print">
             <a:extLst>
               <a:ext uri="{BEBA8EAE-BF5A-486C-A8C5-ECC9F3942E4B}">
-                <a14:imgProps xmlns:a14="http://schemas.microsoft.com/office/drawing/2010/main">
+                <a14:imgProps xmlns:a14="http://schemas.microsoft.com/office/drawing/2010/main" xmlns="">
                   <a14:imgLayer r:embed="rId4">
                     <a14:imgEffect>
                       <a14:backgroundRemoval t="9336" b="89767" l="6577" r="93274">
@@ -7539,7 +7603,7 @@
                 </a14:imgProps>
               </a:ext>
               <a:ext uri="{28A0092B-C50C-407E-A947-70E740481C1C}">
-                <a14:useLocalDpi xmlns:a14="http://schemas.microsoft.com/office/drawing/2010/main" val="0"/>
+                <a14:useLocalDpi xmlns:a14="http://schemas.microsoft.com/office/drawing/2010/main" xmlns="" val="0"/>
               </a:ext>
             </a:extLst>
           </a:blip>
@@ -7568,7 +7632,7 @@
           <p:cNvPr id="24" name="그림 23" descr="의류이(가) 표시된 사진&#10;&#10;자동 생성된 설명">
             <a:extLst>
               <a:ext uri="{FF2B5EF4-FFF2-40B4-BE49-F238E27FC236}">
-                <a16:creationId xmlns:a16="http://schemas.microsoft.com/office/drawing/2014/main" id="{DB74BB72-D131-42E2-9F8F-289CA431998E}"/>
+                <a16:creationId xmlns:a16="http://schemas.microsoft.com/office/drawing/2014/main" xmlns="" id="{DB74BB72-D131-42E2-9F8F-289CA431998E}"/>
               </a:ext>
             </a:extLst>
           </p:cNvPr>
@@ -7578,10 +7642,10 @@
           <p:nvPr/>
         </p:nvPicPr>
         <p:blipFill>
-          <a:blip r:embed="rId5">
+          <a:blip r:embed="rId5" cstate="print">
             <a:extLst>
               <a:ext uri="{BEBA8EAE-BF5A-486C-A8C5-ECC9F3942E4B}">
-                <a14:imgProps xmlns:a14="http://schemas.microsoft.com/office/drawing/2010/main">
+                <a14:imgProps xmlns:a14="http://schemas.microsoft.com/office/drawing/2010/main" xmlns="">
                   <a14:imgLayer r:embed="rId6">
                     <a14:imgEffect>
                       <a14:backgroundRemoval t="9824" b="89673" l="7778" r="92222">
@@ -7593,7 +7657,7 @@
                 </a14:imgProps>
               </a:ext>
               <a:ext uri="{28A0092B-C50C-407E-A947-70E740481C1C}">
-                <a14:useLocalDpi xmlns:a14="http://schemas.microsoft.com/office/drawing/2010/main" val="0"/>
+                <a14:useLocalDpi xmlns:a14="http://schemas.microsoft.com/office/drawing/2010/main" xmlns="" val="0"/>
               </a:ext>
             </a:extLst>
           </a:blip>
@@ -7614,7 +7678,7 @@
     </p:spTree>
     <p:extLst>
       <p:ext uri="{BB962C8B-B14F-4D97-AF65-F5344CB8AC3E}">
-        <p14:creationId xmlns:p14="http://schemas.microsoft.com/office/powerpoint/2010/main" val="3216884814"/>
+        <p14:creationId xmlns:p14="http://schemas.microsoft.com/office/powerpoint/2010/main" xmlns="" val="3216884814"/>
       </p:ext>
     </p:extLst>
   </p:cSld>
@@ -7646,7 +7710,7 @@
           <p:cNvPr id="4" name="직사각형 3">
             <a:extLst>
               <a:ext uri="{FF2B5EF4-FFF2-40B4-BE49-F238E27FC236}">
-                <a16:creationId xmlns:a16="http://schemas.microsoft.com/office/drawing/2014/main" id="{1561410B-BAA8-4851-8F9F-EBAC6DC7A7CF}"/>
+                <a16:creationId xmlns:a16="http://schemas.microsoft.com/office/drawing/2014/main" xmlns="" id="{1561410B-BAA8-4851-8F9F-EBAC6DC7A7CF}"/>
               </a:ext>
             </a:extLst>
           </p:cNvPr>
@@ -7698,7 +7762,7 @@
           <p:cNvPr id="2" name="제목 1">
             <a:extLst>
               <a:ext uri="{FF2B5EF4-FFF2-40B4-BE49-F238E27FC236}">
-                <a16:creationId xmlns:a16="http://schemas.microsoft.com/office/drawing/2014/main" id="{33D08569-DE81-4471-8FCE-B2315F130A3F}"/>
+                <a16:creationId xmlns:a16="http://schemas.microsoft.com/office/drawing/2014/main" xmlns="" id="{33D08569-DE81-4471-8FCE-B2315F130A3F}"/>
               </a:ext>
             </a:extLst>
           </p:cNvPr>
@@ -7730,7 +7794,7 @@
           <p:cNvPr id="3" name="그림 2">
             <a:extLst>
               <a:ext uri="{FF2B5EF4-FFF2-40B4-BE49-F238E27FC236}">
-                <a16:creationId xmlns:a16="http://schemas.microsoft.com/office/drawing/2014/main" id="{391AE308-7693-44C3-A0C1-8A2E18023994}"/>
+                <a16:creationId xmlns:a16="http://schemas.microsoft.com/office/drawing/2014/main" xmlns="" id="{391AE308-7693-44C3-A0C1-8A2E18023994}"/>
               </a:ext>
             </a:extLst>
           </p:cNvPr>
@@ -7740,7 +7804,7 @@
           <p:nvPr/>
         </p:nvPicPr>
         <p:blipFill>
-          <a:blip r:embed="rId2"/>
+          <a:blip r:embed="rId2" cstate="print"/>
           <a:stretch>
             <a:fillRect/>
           </a:stretch>
@@ -7760,7 +7824,7 @@
           <p:cNvPr id="5" name="TextBox 4">
             <a:extLst>
               <a:ext uri="{FF2B5EF4-FFF2-40B4-BE49-F238E27FC236}">
-                <a16:creationId xmlns:a16="http://schemas.microsoft.com/office/drawing/2014/main" id="{1DFA1AF3-0F34-4134-A39C-4C79D31EDAEC}"/>
+                <a16:creationId xmlns:a16="http://schemas.microsoft.com/office/drawing/2014/main" xmlns="" id="{1DFA1AF3-0F34-4134-A39C-4C79D31EDAEC}"/>
               </a:ext>
             </a:extLst>
           </p:cNvPr>
@@ -7881,15 +7945,15 @@
             </a:r>
             <a:r>
               <a:rPr lang="ko-KR" altLang="en-US" dirty="0"/>
-              <a:t>스킨이 모</a:t>
-            </a:r>
-            <a:r>
-              <a:rPr lang="en-US" altLang="ko-KR" dirty="0"/>
-              <a:t>e</a:t>
-            </a:r>
-            <a:r>
-              <a:rPr lang="ko-KR" altLang="en-US" dirty="0"/>
-              <a:t>두 있을 시 스킨 구매를 비활성화함</a:t>
+              <a:t>스킨이 </a:t>
+            </a:r>
+            <a:r>
+              <a:rPr lang="ko-KR" altLang="en-US" dirty="0" smtClean="0"/>
+              <a:t>모두 </a:t>
+            </a:r>
+            <a:r>
+              <a:rPr lang="ko-KR" altLang="en-US" dirty="0"/>
+              <a:t>있을 시 스킨 구매를 비활성화함</a:t>
             </a:r>
             <a:endParaRPr lang="en-US" altLang="ko-KR" dirty="0"/>
           </a:p>
@@ -7898,7 +7962,7 @@
     </p:spTree>
     <p:extLst>
       <p:ext uri="{BB962C8B-B14F-4D97-AF65-F5344CB8AC3E}">
-        <p14:creationId xmlns:p14="http://schemas.microsoft.com/office/powerpoint/2010/main" val="3330655196"/>
+        <p14:creationId xmlns:p14="http://schemas.microsoft.com/office/powerpoint/2010/main" xmlns="" val="3330655196"/>
       </p:ext>
     </p:extLst>
   </p:cSld>
@@ -7930,7 +7994,7 @@
           <p:cNvPr id="4" name="직사각형 3">
             <a:extLst>
               <a:ext uri="{FF2B5EF4-FFF2-40B4-BE49-F238E27FC236}">
-                <a16:creationId xmlns:a16="http://schemas.microsoft.com/office/drawing/2014/main" id="{1561410B-BAA8-4851-8F9F-EBAC6DC7A7CF}"/>
+                <a16:creationId xmlns:a16="http://schemas.microsoft.com/office/drawing/2014/main" xmlns="" id="{1561410B-BAA8-4851-8F9F-EBAC6DC7A7CF}"/>
               </a:ext>
             </a:extLst>
           </p:cNvPr>
@@ -7982,7 +8046,7 @@
           <p:cNvPr id="2" name="제목 1">
             <a:extLst>
               <a:ext uri="{FF2B5EF4-FFF2-40B4-BE49-F238E27FC236}">
-                <a16:creationId xmlns:a16="http://schemas.microsoft.com/office/drawing/2014/main" id="{33D08569-DE81-4471-8FCE-B2315F130A3F}"/>
+                <a16:creationId xmlns:a16="http://schemas.microsoft.com/office/drawing/2014/main" xmlns="" id="{33D08569-DE81-4471-8FCE-B2315F130A3F}"/>
               </a:ext>
             </a:extLst>
           </p:cNvPr>
@@ -8014,7 +8078,7 @@
           <p:cNvPr id="3" name="그림 2">
             <a:extLst>
               <a:ext uri="{FF2B5EF4-FFF2-40B4-BE49-F238E27FC236}">
-                <a16:creationId xmlns:a16="http://schemas.microsoft.com/office/drawing/2014/main" id="{2D70C277-923E-43E3-8D20-3ED2E687D4B0}"/>
+                <a16:creationId xmlns:a16="http://schemas.microsoft.com/office/drawing/2014/main" xmlns="" id="{2D70C277-923E-43E3-8D20-3ED2E687D4B0}"/>
               </a:ext>
             </a:extLst>
           </p:cNvPr>
@@ -8024,7 +8088,7 @@
           <p:nvPr/>
         </p:nvPicPr>
         <p:blipFill>
-          <a:blip r:embed="rId2"/>
+          <a:blip r:embed="rId2" cstate="print"/>
           <a:stretch>
             <a:fillRect/>
           </a:stretch>
@@ -8044,7 +8108,7 @@
           <p:cNvPr id="5" name="TextBox 4">
             <a:extLst>
               <a:ext uri="{FF2B5EF4-FFF2-40B4-BE49-F238E27FC236}">
-                <a16:creationId xmlns:a16="http://schemas.microsoft.com/office/drawing/2014/main" id="{09444E4F-A680-41DE-BC1B-DA264A2DCA40}"/>
+                <a16:creationId xmlns:a16="http://schemas.microsoft.com/office/drawing/2014/main" xmlns="" id="{09444E4F-A680-41DE-BC1B-DA264A2DCA40}"/>
               </a:ext>
             </a:extLst>
           </p:cNvPr>
@@ -8069,7 +8133,11 @@
           <a:p>
             <a:r>
               <a:rPr lang="ko-KR" altLang="en-US" dirty="0"/>
-              <a:t>스킨 패키지 구연</a:t>
+              <a:t>스킨 패키지 </a:t>
+            </a:r>
+            <a:r>
+              <a:rPr lang="ko-KR" altLang="en-US" dirty="0" smtClean="0"/>
+              <a:t>구현</a:t>
             </a:r>
             <a:endParaRPr lang="en-US" altLang="ko-KR" dirty="0"/>
           </a:p>
@@ -8151,7 +8219,7 @@
     </p:spTree>
     <p:extLst>
       <p:ext uri="{BB962C8B-B14F-4D97-AF65-F5344CB8AC3E}">
-        <p14:creationId xmlns:p14="http://schemas.microsoft.com/office/powerpoint/2010/main" val="167278286"/>
+        <p14:creationId xmlns:p14="http://schemas.microsoft.com/office/powerpoint/2010/main" xmlns="" val="167278286"/>
       </p:ext>
     </p:extLst>
   </p:cSld>
@@ -8183,7 +8251,7 @@
           <p:cNvPr id="4" name="직사각형 3">
             <a:extLst>
               <a:ext uri="{FF2B5EF4-FFF2-40B4-BE49-F238E27FC236}">
-                <a16:creationId xmlns:a16="http://schemas.microsoft.com/office/drawing/2014/main" id="{1561410B-BAA8-4851-8F9F-EBAC6DC7A7CF}"/>
+                <a16:creationId xmlns:a16="http://schemas.microsoft.com/office/drawing/2014/main" xmlns="" id="{1561410B-BAA8-4851-8F9F-EBAC6DC7A7CF}"/>
               </a:ext>
             </a:extLst>
           </p:cNvPr>
@@ -8235,7 +8303,7 @@
           <p:cNvPr id="2" name="제목 1">
             <a:extLst>
               <a:ext uri="{FF2B5EF4-FFF2-40B4-BE49-F238E27FC236}">
-                <a16:creationId xmlns:a16="http://schemas.microsoft.com/office/drawing/2014/main" id="{33D08569-DE81-4471-8FCE-B2315F130A3F}"/>
+                <a16:creationId xmlns:a16="http://schemas.microsoft.com/office/drawing/2014/main" xmlns="" id="{33D08569-DE81-4471-8FCE-B2315F130A3F}"/>
               </a:ext>
             </a:extLst>
           </p:cNvPr>
@@ -8267,7 +8335,7 @@
           <p:cNvPr id="3" name="그림 2">
             <a:extLst>
               <a:ext uri="{FF2B5EF4-FFF2-40B4-BE49-F238E27FC236}">
-                <a16:creationId xmlns:a16="http://schemas.microsoft.com/office/drawing/2014/main" id="{10737C05-3588-4ACA-81AB-EC191465FAA0}"/>
+                <a16:creationId xmlns:a16="http://schemas.microsoft.com/office/drawing/2014/main" xmlns="" id="{10737C05-3588-4ACA-81AB-EC191465FAA0}"/>
               </a:ext>
             </a:extLst>
           </p:cNvPr>
@@ -8277,7 +8345,7 @@
           <p:nvPr/>
         </p:nvPicPr>
         <p:blipFill>
-          <a:blip r:embed="rId2"/>
+          <a:blip r:embed="rId2" cstate="print"/>
           <a:stretch>
             <a:fillRect/>
           </a:stretch>
@@ -8297,7 +8365,7 @@
           <p:cNvPr id="5" name="TextBox 4">
             <a:extLst>
               <a:ext uri="{FF2B5EF4-FFF2-40B4-BE49-F238E27FC236}">
-                <a16:creationId xmlns:a16="http://schemas.microsoft.com/office/drawing/2014/main" id="{18558C07-D493-4F90-9F7A-73947F24CD12}"/>
+                <a16:creationId xmlns:a16="http://schemas.microsoft.com/office/drawing/2014/main" xmlns="" id="{18558C07-D493-4F90-9F7A-73947F24CD12}"/>
               </a:ext>
             </a:extLst>
           </p:cNvPr>
@@ -8330,7 +8398,11 @@
             </a:r>
             <a:r>
               <a:rPr lang="ko-KR" altLang="en-US" dirty="0"/>
-              <a:t>배 쿠폰 구매 버튼 구연</a:t>
+              <a:t>배 쿠폰 구매 버튼 </a:t>
+            </a:r>
+            <a:r>
+              <a:rPr lang="ko-KR" altLang="en-US" dirty="0" smtClean="0"/>
+              <a:t>구현</a:t>
             </a:r>
             <a:endParaRPr lang="en-US" altLang="ko-KR" dirty="0"/>
           </a:p>
@@ -8461,7 +8533,7 @@
     </p:spTree>
     <p:extLst>
       <p:ext uri="{BB962C8B-B14F-4D97-AF65-F5344CB8AC3E}">
-        <p14:creationId xmlns:p14="http://schemas.microsoft.com/office/powerpoint/2010/main" val="419403742"/>
+        <p14:creationId xmlns:p14="http://schemas.microsoft.com/office/powerpoint/2010/main" xmlns="" val="419403742"/>
       </p:ext>
     </p:extLst>
   </p:cSld>
@@ -8493,7 +8565,7 @@
           <p:cNvPr id="4" name="직사각형 3">
             <a:extLst>
               <a:ext uri="{FF2B5EF4-FFF2-40B4-BE49-F238E27FC236}">
-                <a16:creationId xmlns:a16="http://schemas.microsoft.com/office/drawing/2014/main" id="{1561410B-BAA8-4851-8F9F-EBAC6DC7A7CF}"/>
+                <a16:creationId xmlns:a16="http://schemas.microsoft.com/office/drawing/2014/main" xmlns="" id="{1561410B-BAA8-4851-8F9F-EBAC6DC7A7CF}"/>
               </a:ext>
             </a:extLst>
           </p:cNvPr>
@@ -8545,7 +8617,7 @@
           <p:cNvPr id="2" name="제목 1">
             <a:extLst>
               <a:ext uri="{FF2B5EF4-FFF2-40B4-BE49-F238E27FC236}">
-                <a16:creationId xmlns:a16="http://schemas.microsoft.com/office/drawing/2014/main" id="{33D08569-DE81-4471-8FCE-B2315F130A3F}"/>
+                <a16:creationId xmlns:a16="http://schemas.microsoft.com/office/drawing/2014/main" xmlns="" id="{33D08569-DE81-4471-8FCE-B2315F130A3F}"/>
               </a:ext>
             </a:extLst>
           </p:cNvPr>
@@ -8577,7 +8649,7 @@
           <p:cNvPr id="3" name="그림 2">
             <a:extLst>
               <a:ext uri="{FF2B5EF4-FFF2-40B4-BE49-F238E27FC236}">
-                <a16:creationId xmlns:a16="http://schemas.microsoft.com/office/drawing/2014/main" id="{B1604799-1856-4249-8306-539A86040643}"/>
+                <a16:creationId xmlns:a16="http://schemas.microsoft.com/office/drawing/2014/main" xmlns="" id="{B1604799-1856-4249-8306-539A86040643}"/>
               </a:ext>
             </a:extLst>
           </p:cNvPr>
@@ -8587,7 +8659,7 @@
           <p:nvPr/>
         </p:nvPicPr>
         <p:blipFill>
-          <a:blip r:embed="rId2"/>
+          <a:blip r:embed="rId2" cstate="print"/>
           <a:stretch>
             <a:fillRect/>
           </a:stretch>
@@ -8607,7 +8679,7 @@
           <p:cNvPr id="5" name="TextBox 4">
             <a:extLst>
               <a:ext uri="{FF2B5EF4-FFF2-40B4-BE49-F238E27FC236}">
-                <a16:creationId xmlns:a16="http://schemas.microsoft.com/office/drawing/2014/main" id="{24D6ACDE-E100-441A-8B8C-8E2D0416CE24}"/>
+                <a16:creationId xmlns:a16="http://schemas.microsoft.com/office/drawing/2014/main" xmlns="" id="{24D6ACDE-E100-441A-8B8C-8E2D0416CE24}"/>
               </a:ext>
             </a:extLst>
           </p:cNvPr>
@@ -8640,7 +8712,11 @@
             </a:r>
             <a:r>
               <a:rPr lang="ko-KR" altLang="en-US" dirty="0"/>
-              <a:t>를 살 수 있는 시스템 구연</a:t>
+              <a:t>를 살 수 있는 시스템 </a:t>
+            </a:r>
+            <a:r>
+              <a:rPr lang="ko-KR" altLang="en-US" dirty="0" smtClean="0"/>
+              <a:t>구현</a:t>
             </a:r>
             <a:endParaRPr lang="en-US" altLang="ko-KR" dirty="0"/>
           </a:p>
@@ -8726,7 +8802,7 @@
     </p:spTree>
     <p:extLst>
       <p:ext uri="{BB962C8B-B14F-4D97-AF65-F5344CB8AC3E}">
-        <p14:creationId xmlns:p14="http://schemas.microsoft.com/office/powerpoint/2010/main" val="2377334990"/>
+        <p14:creationId xmlns:p14="http://schemas.microsoft.com/office/powerpoint/2010/main" xmlns="" val="2377334990"/>
       </p:ext>
     </p:extLst>
   </p:cSld>
@@ -8758,7 +8834,7 @@
           <p:cNvPr id="4" name="직사각형 3">
             <a:extLst>
               <a:ext uri="{FF2B5EF4-FFF2-40B4-BE49-F238E27FC236}">
-                <a16:creationId xmlns:a16="http://schemas.microsoft.com/office/drawing/2014/main" id="{1561410B-BAA8-4851-8F9F-EBAC6DC7A7CF}"/>
+                <a16:creationId xmlns:a16="http://schemas.microsoft.com/office/drawing/2014/main" xmlns="" id="{1561410B-BAA8-4851-8F9F-EBAC6DC7A7CF}"/>
               </a:ext>
             </a:extLst>
           </p:cNvPr>
@@ -8810,7 +8886,7 @@
           <p:cNvPr id="2" name="제목 1">
             <a:extLst>
               <a:ext uri="{FF2B5EF4-FFF2-40B4-BE49-F238E27FC236}">
-                <a16:creationId xmlns:a16="http://schemas.microsoft.com/office/drawing/2014/main" id="{33D08569-DE81-4471-8FCE-B2315F130A3F}"/>
+                <a16:creationId xmlns:a16="http://schemas.microsoft.com/office/drawing/2014/main" xmlns="" id="{33D08569-DE81-4471-8FCE-B2315F130A3F}"/>
               </a:ext>
             </a:extLst>
           </p:cNvPr>
@@ -8842,7 +8918,7 @@
           <p:cNvPr id="6" name="그림 5">
             <a:extLst>
               <a:ext uri="{FF2B5EF4-FFF2-40B4-BE49-F238E27FC236}">
-                <a16:creationId xmlns:a16="http://schemas.microsoft.com/office/drawing/2014/main" id="{AC699393-7037-4AFC-AA7F-593D4CF3F5C4}"/>
+                <a16:creationId xmlns:a16="http://schemas.microsoft.com/office/drawing/2014/main" xmlns="" id="{AC699393-7037-4AFC-AA7F-593D4CF3F5C4}"/>
               </a:ext>
             </a:extLst>
           </p:cNvPr>
@@ -8852,7 +8928,7 @@
           <p:nvPr/>
         </p:nvPicPr>
         <p:blipFill>
-          <a:blip r:embed="rId2"/>
+          <a:blip r:embed="rId2" cstate="print"/>
           <a:stretch>
             <a:fillRect/>
           </a:stretch>
@@ -8872,7 +8948,7 @@
           <p:cNvPr id="7" name="TextBox 6">
             <a:extLst>
               <a:ext uri="{FF2B5EF4-FFF2-40B4-BE49-F238E27FC236}">
-                <a16:creationId xmlns:a16="http://schemas.microsoft.com/office/drawing/2014/main" id="{B51E1811-D820-4703-83BD-7E044267F6E7}"/>
+                <a16:creationId xmlns:a16="http://schemas.microsoft.com/office/drawing/2014/main" xmlns="" id="{B51E1811-D820-4703-83BD-7E044267F6E7}"/>
               </a:ext>
             </a:extLst>
           </p:cNvPr>
@@ -8901,7 +8977,11 @@
             </a:r>
             <a:r>
               <a:rPr lang="ko-KR" altLang="en-US" dirty="0"/>
-              <a:t> 시스템 구연</a:t>
+              <a:t> 시스템 </a:t>
+            </a:r>
+            <a:r>
+              <a:rPr lang="ko-KR" altLang="en-US" dirty="0" smtClean="0"/>
+              <a:t>구현</a:t>
             </a:r>
             <a:endParaRPr lang="en-US" altLang="ko-KR" dirty="0"/>
           </a:p>
@@ -9043,7 +9123,7 @@
     </p:spTree>
     <p:extLst>
       <p:ext uri="{BB962C8B-B14F-4D97-AF65-F5344CB8AC3E}">
-        <p14:creationId xmlns:p14="http://schemas.microsoft.com/office/powerpoint/2010/main" val="684367880"/>
+        <p14:creationId xmlns:p14="http://schemas.microsoft.com/office/powerpoint/2010/main" xmlns="" val="684367880"/>
       </p:ext>
     </p:extLst>
   </p:cSld>
@@ -9075,7 +9155,7 @@
           <p:cNvPr id="4" name="직사각형 3">
             <a:extLst>
               <a:ext uri="{FF2B5EF4-FFF2-40B4-BE49-F238E27FC236}">
-                <a16:creationId xmlns:a16="http://schemas.microsoft.com/office/drawing/2014/main" id="{1561410B-BAA8-4851-8F9F-EBAC6DC7A7CF}"/>
+                <a16:creationId xmlns:a16="http://schemas.microsoft.com/office/drawing/2014/main" xmlns="" id="{1561410B-BAA8-4851-8F9F-EBAC6DC7A7CF}"/>
               </a:ext>
             </a:extLst>
           </p:cNvPr>
@@ -9127,7 +9207,7 @@
           <p:cNvPr id="2" name="제목 1">
             <a:extLst>
               <a:ext uri="{FF2B5EF4-FFF2-40B4-BE49-F238E27FC236}">
-                <a16:creationId xmlns:a16="http://schemas.microsoft.com/office/drawing/2014/main" id="{33D08569-DE81-4471-8FCE-B2315F130A3F}"/>
+                <a16:creationId xmlns:a16="http://schemas.microsoft.com/office/drawing/2014/main" xmlns="" id="{33D08569-DE81-4471-8FCE-B2315F130A3F}"/>
               </a:ext>
             </a:extLst>
           </p:cNvPr>
@@ -9157,7 +9237,7 @@
           <p:cNvPr id="3" name="내용 개체 틀 2">
             <a:extLst>
               <a:ext uri="{FF2B5EF4-FFF2-40B4-BE49-F238E27FC236}">
-                <a16:creationId xmlns:a16="http://schemas.microsoft.com/office/drawing/2014/main" id="{5DEF73F0-18BD-4E50-AE4A-AFCA2F1A4FEB}"/>
+                <a16:creationId xmlns:a16="http://schemas.microsoft.com/office/drawing/2014/main" xmlns="" id="{5DEF73F0-18BD-4E50-AE4A-AFCA2F1A4FEB}"/>
               </a:ext>
             </a:extLst>
           </p:cNvPr>
@@ -9225,7 +9305,11 @@
             <a:pPr lvl="1"/>
             <a:r>
               <a:rPr lang="ko-KR" altLang="en-US" dirty="0"/>
-              <a:t>버튼으로 구매버튼 구연</a:t>
+              <a:t>버튼으로 구매버튼 </a:t>
+            </a:r>
+            <a:r>
+              <a:rPr lang="ko-KR" altLang="en-US" dirty="0" smtClean="0"/>
+              <a:t>구현 </a:t>
             </a:r>
             <a:endParaRPr lang="en-US" altLang="ko-KR" dirty="0"/>
           </a:p>
@@ -9286,7 +9370,7 @@
           <p:cNvPr id="5" name="내용 개체 틀 2">
             <a:extLst>
               <a:ext uri="{FF2B5EF4-FFF2-40B4-BE49-F238E27FC236}">
-                <a16:creationId xmlns:a16="http://schemas.microsoft.com/office/drawing/2014/main" id="{B1C63B1D-B7A7-466E-B26D-2C6F628D4F53}"/>
+                <a16:creationId xmlns:a16="http://schemas.microsoft.com/office/drawing/2014/main" xmlns="" id="{B1C63B1D-B7A7-466E-B26D-2C6F628D4F53}"/>
               </a:ext>
             </a:extLst>
           </p:cNvPr>
@@ -9538,7 +9622,7 @@
     </p:spTree>
     <p:extLst>
       <p:ext uri="{BB962C8B-B14F-4D97-AF65-F5344CB8AC3E}">
-        <p14:creationId xmlns:p14="http://schemas.microsoft.com/office/powerpoint/2010/main" val="4071963718"/>
+        <p14:creationId xmlns:p14="http://schemas.microsoft.com/office/powerpoint/2010/main" xmlns="" val="4071963718"/>
       </p:ext>
     </p:extLst>
   </p:cSld>
@@ -9570,7 +9654,7 @@
           <p:cNvPr id="4" name="직사각형 3">
             <a:extLst>
               <a:ext uri="{FF2B5EF4-FFF2-40B4-BE49-F238E27FC236}">
-                <a16:creationId xmlns:a16="http://schemas.microsoft.com/office/drawing/2014/main" id="{1561410B-BAA8-4851-8F9F-EBAC6DC7A7CF}"/>
+                <a16:creationId xmlns:a16="http://schemas.microsoft.com/office/drawing/2014/main" xmlns="" id="{1561410B-BAA8-4851-8F9F-EBAC6DC7A7CF}"/>
               </a:ext>
             </a:extLst>
           </p:cNvPr>
@@ -9622,7 +9706,7 @@
           <p:cNvPr id="2" name="제목 1">
             <a:extLst>
               <a:ext uri="{FF2B5EF4-FFF2-40B4-BE49-F238E27FC236}">
-                <a16:creationId xmlns:a16="http://schemas.microsoft.com/office/drawing/2014/main" id="{33D08569-DE81-4471-8FCE-B2315F130A3F}"/>
+                <a16:creationId xmlns:a16="http://schemas.microsoft.com/office/drawing/2014/main" xmlns="" id="{33D08569-DE81-4471-8FCE-B2315F130A3F}"/>
               </a:ext>
             </a:extLst>
           </p:cNvPr>
@@ -9654,7 +9738,7 @@
           <p:cNvPr id="3" name="그림 2">
             <a:extLst>
               <a:ext uri="{FF2B5EF4-FFF2-40B4-BE49-F238E27FC236}">
-                <a16:creationId xmlns:a16="http://schemas.microsoft.com/office/drawing/2014/main" id="{96B3CB89-4FDC-465E-BEBD-7C87FA50794D}"/>
+                <a16:creationId xmlns:a16="http://schemas.microsoft.com/office/drawing/2014/main" xmlns="" id="{96B3CB89-4FDC-465E-BEBD-7C87FA50794D}"/>
               </a:ext>
             </a:extLst>
           </p:cNvPr>
@@ -9664,7 +9748,7 @@
           <p:nvPr/>
         </p:nvPicPr>
         <p:blipFill>
-          <a:blip r:embed="rId2"/>
+          <a:blip r:embed="rId2" cstate="print"/>
           <a:stretch>
             <a:fillRect/>
           </a:stretch>
@@ -9684,7 +9768,7 @@
           <p:cNvPr id="5" name="TextBox 4">
             <a:extLst>
               <a:ext uri="{FF2B5EF4-FFF2-40B4-BE49-F238E27FC236}">
-                <a16:creationId xmlns:a16="http://schemas.microsoft.com/office/drawing/2014/main" id="{39CDF218-E948-4029-9ABD-170F23E1DBE0}"/>
+                <a16:creationId xmlns:a16="http://schemas.microsoft.com/office/drawing/2014/main" xmlns="" id="{39CDF218-E948-4029-9ABD-170F23E1DBE0}"/>
               </a:ext>
             </a:extLst>
           </p:cNvPr>
@@ -9708,25 +9792,18 @@
           <a:lstStyle/>
           <a:p>
             <a:r>
-              <a:rPr lang="ko-KR" altLang="en-US" dirty="0"/>
-              <a:t>스킨들의 각각 </a:t>
-            </a:r>
-            <a:r>
-              <a:rPr lang="en-US" altLang="ko-KR" dirty="0" err="1"/>
-              <a:t>hasSkin</a:t>
-            </a:r>
-            <a:r>
-              <a:rPr lang="en-US" altLang="ko-KR" dirty="0"/>
+              <a:rPr lang="en-US" altLang="ko-KR" dirty="0" err="1" smtClean="0"/>
+              <a:t>hasskin</a:t>
+            </a:r>
+            <a:r>
+              <a:rPr lang="en-US" altLang="ko-KR" dirty="0" smtClean="0"/>
               <a:t>()</a:t>
             </a:r>
             <a:r>
-              <a:rPr lang="ko-KR" altLang="en-US" dirty="0"/>
-              <a:t>으로 이름을 붙인다</a:t>
-            </a:r>
-            <a:r>
-              <a:rPr lang="en-US" altLang="ko-KR" dirty="0"/>
-              <a:t>.</a:t>
-            </a:r>
+              <a:rPr lang="ko-KR" altLang="en-US" dirty="0" smtClean="0"/>
+              <a:t>을 이용해 스킨들이 있는지 확인</a:t>
+            </a:r>
+            <a:endParaRPr lang="en-US" altLang="ko-KR" dirty="0"/>
           </a:p>
           <a:p>
             <a:r>
@@ -9761,7 +9838,7 @@
     </p:spTree>
     <p:extLst>
       <p:ext uri="{BB962C8B-B14F-4D97-AF65-F5344CB8AC3E}">
-        <p14:creationId xmlns:p14="http://schemas.microsoft.com/office/powerpoint/2010/main" val="4060205068"/>
+        <p14:creationId xmlns:p14="http://schemas.microsoft.com/office/powerpoint/2010/main" xmlns="" val="4060205068"/>
       </p:ext>
     </p:extLst>
   </p:cSld>
@@ -9793,7 +9870,7 @@
           <p:cNvPr id="4" name="직사각형 3">
             <a:extLst>
               <a:ext uri="{FF2B5EF4-FFF2-40B4-BE49-F238E27FC236}">
-                <a16:creationId xmlns:a16="http://schemas.microsoft.com/office/drawing/2014/main" id="{1561410B-BAA8-4851-8F9F-EBAC6DC7A7CF}"/>
+                <a16:creationId xmlns:a16="http://schemas.microsoft.com/office/drawing/2014/main" xmlns="" id="{1561410B-BAA8-4851-8F9F-EBAC6DC7A7CF}"/>
               </a:ext>
             </a:extLst>
           </p:cNvPr>
@@ -9845,7 +9922,7 @@
           <p:cNvPr id="2" name="제목 1">
             <a:extLst>
               <a:ext uri="{FF2B5EF4-FFF2-40B4-BE49-F238E27FC236}">
-                <a16:creationId xmlns:a16="http://schemas.microsoft.com/office/drawing/2014/main" id="{33D08569-DE81-4471-8FCE-B2315F130A3F}"/>
+                <a16:creationId xmlns:a16="http://schemas.microsoft.com/office/drawing/2014/main" xmlns="" id="{33D08569-DE81-4471-8FCE-B2315F130A3F}"/>
               </a:ext>
             </a:extLst>
           </p:cNvPr>
@@ -9877,7 +9954,7 @@
           <p:cNvPr id="6" name="그림 5">
             <a:extLst>
               <a:ext uri="{FF2B5EF4-FFF2-40B4-BE49-F238E27FC236}">
-                <a16:creationId xmlns:a16="http://schemas.microsoft.com/office/drawing/2014/main" id="{1012942E-2C54-479A-ACDC-837CE4A4038E}"/>
+                <a16:creationId xmlns:a16="http://schemas.microsoft.com/office/drawing/2014/main" xmlns="" id="{1012942E-2C54-479A-ACDC-837CE4A4038E}"/>
               </a:ext>
             </a:extLst>
           </p:cNvPr>
@@ -9887,7 +9964,7 @@
           <p:nvPr/>
         </p:nvPicPr>
         <p:blipFill>
-          <a:blip r:embed="rId2"/>
+          <a:blip r:embed="rId2" cstate="print"/>
           <a:stretch>
             <a:fillRect/>
           </a:stretch>
@@ -9907,7 +9984,7 @@
           <p:cNvPr id="7" name="TextBox 6">
             <a:extLst>
               <a:ext uri="{FF2B5EF4-FFF2-40B4-BE49-F238E27FC236}">
-                <a16:creationId xmlns:a16="http://schemas.microsoft.com/office/drawing/2014/main" id="{26643EA4-5D6A-4873-ACCF-B52442CD150B}"/>
+                <a16:creationId xmlns:a16="http://schemas.microsoft.com/office/drawing/2014/main" xmlns="" id="{26643EA4-5D6A-4873-ACCF-B52442CD150B}"/>
               </a:ext>
             </a:extLst>
           </p:cNvPr>
@@ -9966,7 +10043,7 @@
     </p:spTree>
     <p:extLst>
       <p:ext uri="{BB962C8B-B14F-4D97-AF65-F5344CB8AC3E}">
-        <p14:creationId xmlns:p14="http://schemas.microsoft.com/office/powerpoint/2010/main" val="440689878"/>
+        <p14:creationId xmlns:p14="http://schemas.microsoft.com/office/powerpoint/2010/main" xmlns="" val="440689878"/>
       </p:ext>
     </p:extLst>
   </p:cSld>
@@ -9998,7 +10075,7 @@
           <p:cNvPr id="4" name="직사각형 3">
             <a:extLst>
               <a:ext uri="{FF2B5EF4-FFF2-40B4-BE49-F238E27FC236}">
-                <a16:creationId xmlns:a16="http://schemas.microsoft.com/office/drawing/2014/main" id="{1561410B-BAA8-4851-8F9F-EBAC6DC7A7CF}"/>
+                <a16:creationId xmlns:a16="http://schemas.microsoft.com/office/drawing/2014/main" xmlns="" id="{1561410B-BAA8-4851-8F9F-EBAC6DC7A7CF}"/>
               </a:ext>
             </a:extLst>
           </p:cNvPr>
@@ -10050,7 +10127,7 @@
           <p:cNvPr id="2" name="제목 1">
             <a:extLst>
               <a:ext uri="{FF2B5EF4-FFF2-40B4-BE49-F238E27FC236}">
-                <a16:creationId xmlns:a16="http://schemas.microsoft.com/office/drawing/2014/main" id="{33D08569-DE81-4471-8FCE-B2315F130A3F}"/>
+                <a16:creationId xmlns:a16="http://schemas.microsoft.com/office/drawing/2014/main" xmlns="" id="{33D08569-DE81-4471-8FCE-B2315F130A3F}"/>
               </a:ext>
             </a:extLst>
           </p:cNvPr>
@@ -10082,7 +10159,7 @@
           <p:cNvPr id="3" name="그림 2">
             <a:extLst>
               <a:ext uri="{FF2B5EF4-FFF2-40B4-BE49-F238E27FC236}">
-                <a16:creationId xmlns:a16="http://schemas.microsoft.com/office/drawing/2014/main" id="{5CCA6775-D193-43A5-AF34-C38B313264F4}"/>
+                <a16:creationId xmlns:a16="http://schemas.microsoft.com/office/drawing/2014/main" xmlns="" id="{5CCA6775-D193-43A5-AF34-C38B313264F4}"/>
               </a:ext>
             </a:extLst>
           </p:cNvPr>
@@ -10092,15 +10169,15 @@
           <p:nvPr/>
         </p:nvPicPr>
         <p:blipFill>
-          <a:blip r:embed="rId2"/>
+          <a:blip r:embed="rId2" cstate="print"/>
           <a:stretch>
             <a:fillRect/>
           </a:stretch>
         </p:blipFill>
         <p:spPr>
           <a:xfrm>
-            <a:off x="5580789" y="229736"/>
-            <a:ext cx="6044641" cy="6398527"/>
+            <a:off x="5585254" y="229736"/>
+            <a:ext cx="6040176" cy="6398527"/>
           </a:xfrm>
           <a:prstGeom prst="rect">
             <a:avLst/>
@@ -10112,7 +10189,7 @@
           <p:cNvPr id="5" name="TextBox 4">
             <a:extLst>
               <a:ext uri="{FF2B5EF4-FFF2-40B4-BE49-F238E27FC236}">
-                <a16:creationId xmlns:a16="http://schemas.microsoft.com/office/drawing/2014/main" id="{DF129586-E8FF-4E09-ADE9-BA1CE166878E}"/>
+                <a16:creationId xmlns:a16="http://schemas.microsoft.com/office/drawing/2014/main" xmlns="" id="{DF129586-E8FF-4E09-ADE9-BA1CE166878E}"/>
               </a:ext>
             </a:extLst>
           </p:cNvPr>
@@ -10223,7 +10300,7 @@
     </p:spTree>
     <p:extLst>
       <p:ext uri="{BB962C8B-B14F-4D97-AF65-F5344CB8AC3E}">
-        <p14:creationId xmlns:p14="http://schemas.microsoft.com/office/powerpoint/2010/main" val="179518724"/>
+        <p14:creationId xmlns:p14="http://schemas.microsoft.com/office/powerpoint/2010/main" xmlns="" val="179518724"/>
       </p:ext>
     </p:extLst>
   </p:cSld>
@@ -10255,7 +10332,7 @@
           <p:cNvPr id="4" name="직사각형 3">
             <a:extLst>
               <a:ext uri="{FF2B5EF4-FFF2-40B4-BE49-F238E27FC236}">
-                <a16:creationId xmlns:a16="http://schemas.microsoft.com/office/drawing/2014/main" id="{1561410B-BAA8-4851-8F9F-EBAC6DC7A7CF}"/>
+                <a16:creationId xmlns:a16="http://schemas.microsoft.com/office/drawing/2014/main" xmlns="" id="{1561410B-BAA8-4851-8F9F-EBAC6DC7A7CF}"/>
               </a:ext>
             </a:extLst>
           </p:cNvPr>
@@ -10307,7 +10384,7 @@
           <p:cNvPr id="2" name="제목 1">
             <a:extLst>
               <a:ext uri="{FF2B5EF4-FFF2-40B4-BE49-F238E27FC236}">
-                <a16:creationId xmlns:a16="http://schemas.microsoft.com/office/drawing/2014/main" id="{33D08569-DE81-4471-8FCE-B2315F130A3F}"/>
+                <a16:creationId xmlns:a16="http://schemas.microsoft.com/office/drawing/2014/main" xmlns="" id="{33D08569-DE81-4471-8FCE-B2315F130A3F}"/>
               </a:ext>
             </a:extLst>
           </p:cNvPr>
@@ -10339,7 +10416,7 @@
           <p:cNvPr id="3" name="그림 2">
             <a:extLst>
               <a:ext uri="{FF2B5EF4-FFF2-40B4-BE49-F238E27FC236}">
-                <a16:creationId xmlns:a16="http://schemas.microsoft.com/office/drawing/2014/main" id="{441AB3D9-C4E8-4238-98F5-14065C5FF85E}"/>
+                <a16:creationId xmlns:a16="http://schemas.microsoft.com/office/drawing/2014/main" xmlns="" id="{441AB3D9-C4E8-4238-98F5-14065C5FF85E}"/>
               </a:ext>
             </a:extLst>
           </p:cNvPr>
@@ -10349,7 +10426,7 @@
           <p:nvPr/>
         </p:nvPicPr>
         <p:blipFill>
-          <a:blip r:embed="rId2"/>
+          <a:blip r:embed="rId2" cstate="print"/>
           <a:stretch>
             <a:fillRect/>
           </a:stretch>
@@ -10369,7 +10446,7 @@
           <p:cNvPr id="5" name="TextBox 4">
             <a:extLst>
               <a:ext uri="{FF2B5EF4-FFF2-40B4-BE49-F238E27FC236}">
-                <a16:creationId xmlns:a16="http://schemas.microsoft.com/office/drawing/2014/main" id="{B6A561D2-5105-492F-A619-864F84A7F977}"/>
+                <a16:creationId xmlns:a16="http://schemas.microsoft.com/office/drawing/2014/main" xmlns="" id="{B6A561D2-5105-492F-A619-864F84A7F977}"/>
               </a:ext>
             </a:extLst>
           </p:cNvPr>
@@ -10419,7 +10496,7 @@
     </p:spTree>
     <p:extLst>
       <p:ext uri="{BB962C8B-B14F-4D97-AF65-F5344CB8AC3E}">
-        <p14:creationId xmlns:p14="http://schemas.microsoft.com/office/powerpoint/2010/main" val="1550532405"/>
+        <p14:creationId xmlns:p14="http://schemas.microsoft.com/office/powerpoint/2010/main" xmlns="" val="1550532405"/>
       </p:ext>
     </p:extLst>
   </p:cSld>
@@ -10451,7 +10528,7 @@
           <p:cNvPr id="11" name="직사각형 10">
             <a:extLst>
               <a:ext uri="{FF2B5EF4-FFF2-40B4-BE49-F238E27FC236}">
-                <a16:creationId xmlns:a16="http://schemas.microsoft.com/office/drawing/2014/main" id="{7DFC6C9E-17F2-4CC1-AB56-494BE28C832D}"/>
+                <a16:creationId xmlns:a16="http://schemas.microsoft.com/office/drawing/2014/main" xmlns="" id="{7DFC6C9E-17F2-4CC1-AB56-494BE28C832D}"/>
               </a:ext>
             </a:extLst>
           </p:cNvPr>
@@ -10503,7 +10580,7 @@
           <p:cNvPr id="2" name="제목 1">
             <a:extLst>
               <a:ext uri="{FF2B5EF4-FFF2-40B4-BE49-F238E27FC236}">
-                <a16:creationId xmlns:a16="http://schemas.microsoft.com/office/drawing/2014/main" id="{46FBA4ED-6D99-4492-8045-5C93EF54633D}"/>
+                <a16:creationId xmlns:a16="http://schemas.microsoft.com/office/drawing/2014/main" xmlns="" id="{46FBA4ED-6D99-4492-8045-5C93EF54633D}"/>
               </a:ext>
             </a:extLst>
           </p:cNvPr>
@@ -10534,7 +10611,7 @@
           <p:cNvPr id="6" name="내용 개체 틀 2">
             <a:extLst>
               <a:ext uri="{FF2B5EF4-FFF2-40B4-BE49-F238E27FC236}">
-                <a16:creationId xmlns:a16="http://schemas.microsoft.com/office/drawing/2014/main" id="{42B97B1E-7163-40E4-9656-45F49A55114E}"/>
+                <a16:creationId xmlns:a16="http://schemas.microsoft.com/office/drawing/2014/main" xmlns="" id="{42B97B1E-7163-40E4-9656-45F49A55114E}"/>
               </a:ext>
             </a:extLst>
           </p:cNvPr>
@@ -10785,8 +10862,12 @@
               <a:buChar char="v"/>
             </a:pPr>
             <a:r>
-              <a:rPr lang="ko-KR" altLang="en-US" sz="3400" dirty="0" err="1"/>
-              <a:t>상점구연</a:t>
+              <a:rPr lang="ko-KR" altLang="en-US" sz="3400" dirty="0" smtClean="0"/>
+              <a:t>상점구</a:t>
+            </a:r>
+            <a:r>
+              <a:rPr lang="ko-KR" altLang="en-US" sz="3400" dirty="0" smtClean="0"/>
+              <a:t>현</a:t>
             </a:r>
             <a:endParaRPr lang="en-US" altLang="ko-KR" sz="3400" dirty="0"/>
           </a:p>
@@ -10837,7 +10918,7 @@
           <p:cNvPr id="8" name="그림 7">
             <a:extLst>
               <a:ext uri="{FF2B5EF4-FFF2-40B4-BE49-F238E27FC236}">
-                <a16:creationId xmlns:a16="http://schemas.microsoft.com/office/drawing/2014/main" id="{8ED7BF2D-CC1A-42F5-82B0-1B359EB851E8}"/>
+                <a16:creationId xmlns:a16="http://schemas.microsoft.com/office/drawing/2014/main" xmlns="" id="{8ED7BF2D-CC1A-42F5-82B0-1B359EB851E8}"/>
               </a:ext>
             </a:extLst>
           </p:cNvPr>
@@ -10847,10 +10928,10 @@
           <p:nvPr/>
         </p:nvPicPr>
         <p:blipFill>
-          <a:blip r:embed="rId2">
+          <a:blip r:embed="rId2" cstate="print">
             <a:extLst>
               <a:ext uri="{BEBA8EAE-BF5A-486C-A8C5-ECC9F3942E4B}">
-                <a14:imgProps xmlns:a14="http://schemas.microsoft.com/office/drawing/2010/main">
+                <a14:imgProps xmlns:a14="http://schemas.microsoft.com/office/drawing/2010/main" xmlns="">
                   <a14:imgLayer r:embed="rId3">
                     <a14:imgEffect>
                       <a14:backgroundRemoval t="9915" b="91785" l="9931" r="89838">
@@ -10871,7 +10952,7 @@
                 </a14:imgProps>
               </a:ext>
               <a:ext uri="{28A0092B-C50C-407E-A947-70E740481C1C}">
-                <a14:useLocalDpi xmlns:a14="http://schemas.microsoft.com/office/drawing/2010/main" val="0"/>
+                <a14:useLocalDpi xmlns:a14="http://schemas.microsoft.com/office/drawing/2010/main" xmlns="" val="0"/>
               </a:ext>
             </a:extLst>
           </a:blip>
@@ -10892,7 +10973,7 @@
     </p:spTree>
     <p:extLst>
       <p:ext uri="{BB962C8B-B14F-4D97-AF65-F5344CB8AC3E}">
-        <p14:creationId xmlns:p14="http://schemas.microsoft.com/office/powerpoint/2010/main" val="2169156263"/>
+        <p14:creationId xmlns:p14="http://schemas.microsoft.com/office/powerpoint/2010/main" xmlns="" val="2169156263"/>
       </p:ext>
     </p:extLst>
   </p:cSld>
@@ -10924,7 +11005,7 @@
           <p:cNvPr id="4" name="직사각형 3">
             <a:extLst>
               <a:ext uri="{FF2B5EF4-FFF2-40B4-BE49-F238E27FC236}">
-                <a16:creationId xmlns:a16="http://schemas.microsoft.com/office/drawing/2014/main" id="{1561410B-BAA8-4851-8F9F-EBAC6DC7A7CF}"/>
+                <a16:creationId xmlns:a16="http://schemas.microsoft.com/office/drawing/2014/main" xmlns="" id="{1561410B-BAA8-4851-8F9F-EBAC6DC7A7CF}"/>
               </a:ext>
             </a:extLst>
           </p:cNvPr>
@@ -10976,7 +11057,7 @@
           <p:cNvPr id="2" name="제목 1">
             <a:extLst>
               <a:ext uri="{FF2B5EF4-FFF2-40B4-BE49-F238E27FC236}">
-                <a16:creationId xmlns:a16="http://schemas.microsoft.com/office/drawing/2014/main" id="{33D08569-DE81-4471-8FCE-B2315F130A3F}"/>
+                <a16:creationId xmlns:a16="http://schemas.microsoft.com/office/drawing/2014/main" xmlns="" id="{33D08569-DE81-4471-8FCE-B2315F130A3F}"/>
               </a:ext>
             </a:extLst>
           </p:cNvPr>
@@ -11008,7 +11089,7 @@
           <p:cNvPr id="3" name="그림 2">
             <a:extLst>
               <a:ext uri="{FF2B5EF4-FFF2-40B4-BE49-F238E27FC236}">
-                <a16:creationId xmlns:a16="http://schemas.microsoft.com/office/drawing/2014/main" id="{E6C9E86F-06D8-453C-AF67-FCE4AC67554B}"/>
+                <a16:creationId xmlns:a16="http://schemas.microsoft.com/office/drawing/2014/main" xmlns="" id="{E6C9E86F-06D8-453C-AF67-FCE4AC67554B}"/>
               </a:ext>
             </a:extLst>
           </p:cNvPr>
@@ -11018,7 +11099,7 @@
           <p:nvPr/>
         </p:nvPicPr>
         <p:blipFill rotWithShape="1">
-          <a:blip r:embed="rId2"/>
+          <a:blip r:embed="rId2" cstate="print"/>
           <a:srcRect t="17233"/>
           <a:stretch/>
         </p:blipFill>
@@ -11037,7 +11118,7 @@
           <p:cNvPr id="5" name="TextBox 4">
             <a:extLst>
               <a:ext uri="{FF2B5EF4-FFF2-40B4-BE49-F238E27FC236}">
-                <a16:creationId xmlns:a16="http://schemas.microsoft.com/office/drawing/2014/main" id="{98AAC3EB-B856-4858-B9F7-920EF3E15120}"/>
+                <a16:creationId xmlns:a16="http://schemas.microsoft.com/office/drawing/2014/main" xmlns="" id="{98AAC3EB-B856-4858-B9F7-920EF3E15120}"/>
               </a:ext>
             </a:extLst>
           </p:cNvPr>
@@ -11066,7 +11147,26 @@
             </a:r>
             <a:r>
               <a:rPr lang="ko-KR" altLang="en-US" dirty="0"/>
-              <a:t>를 사용하여 각 스킨들의 들어가는 이미지와 버튼을 활성화 시킴</a:t>
+              <a:t>를 </a:t>
+            </a:r>
+            <a:r>
+              <a:rPr lang="ko-KR" altLang="en-US" dirty="0" smtClean="0"/>
+              <a:t>사용하여 스킨을 </a:t>
+            </a:r>
+            <a:r>
+              <a:rPr lang="ko-KR" altLang="en-US" dirty="0" err="1" smtClean="0"/>
+              <a:t>보유하고있다면</a:t>
+            </a:r>
+            <a:r>
+              <a:rPr lang="ko-KR" altLang="en-US" dirty="0" smtClean="0"/>
+              <a:t> 버튼과</a:t>
+            </a:r>
+            <a:endParaRPr lang="en-US" altLang="ko-KR" dirty="0" smtClean="0"/>
+          </a:p>
+          <a:p>
+            <a:r>
+              <a:rPr lang="ko-KR" altLang="en-US" dirty="0" smtClean="0"/>
+              <a:t>이미지 아이콘을 활성화시킴</a:t>
             </a:r>
             <a:endParaRPr lang="en-US" altLang="ko-KR" dirty="0"/>
           </a:p>
@@ -11120,7 +11220,7 @@
     </p:spTree>
     <p:extLst>
       <p:ext uri="{BB962C8B-B14F-4D97-AF65-F5344CB8AC3E}">
-        <p14:creationId xmlns:p14="http://schemas.microsoft.com/office/powerpoint/2010/main" val="824997483"/>
+        <p14:creationId xmlns:p14="http://schemas.microsoft.com/office/powerpoint/2010/main" xmlns="" val="824997483"/>
       </p:ext>
     </p:extLst>
   </p:cSld>
@@ -11152,7 +11252,7 @@
           <p:cNvPr id="4" name="직사각형 3">
             <a:extLst>
               <a:ext uri="{FF2B5EF4-FFF2-40B4-BE49-F238E27FC236}">
-                <a16:creationId xmlns:a16="http://schemas.microsoft.com/office/drawing/2014/main" id="{1561410B-BAA8-4851-8F9F-EBAC6DC7A7CF}"/>
+                <a16:creationId xmlns:a16="http://schemas.microsoft.com/office/drawing/2014/main" xmlns="" id="{1561410B-BAA8-4851-8F9F-EBAC6DC7A7CF}"/>
               </a:ext>
             </a:extLst>
           </p:cNvPr>
@@ -11204,7 +11304,7 @@
           <p:cNvPr id="2" name="제목 1">
             <a:extLst>
               <a:ext uri="{FF2B5EF4-FFF2-40B4-BE49-F238E27FC236}">
-                <a16:creationId xmlns:a16="http://schemas.microsoft.com/office/drawing/2014/main" id="{33D08569-DE81-4471-8FCE-B2315F130A3F}"/>
+                <a16:creationId xmlns:a16="http://schemas.microsoft.com/office/drawing/2014/main" xmlns="" id="{33D08569-DE81-4471-8FCE-B2315F130A3F}"/>
               </a:ext>
             </a:extLst>
           </p:cNvPr>
@@ -11236,7 +11336,7 @@
           <p:cNvPr id="3" name="그림 2">
             <a:extLst>
               <a:ext uri="{FF2B5EF4-FFF2-40B4-BE49-F238E27FC236}">
-                <a16:creationId xmlns:a16="http://schemas.microsoft.com/office/drawing/2014/main" id="{6AD1C926-F324-442C-A0E3-6BC7DF9E676B}"/>
+                <a16:creationId xmlns:a16="http://schemas.microsoft.com/office/drawing/2014/main" xmlns="" id="{6AD1C926-F324-442C-A0E3-6BC7DF9E676B}"/>
               </a:ext>
             </a:extLst>
           </p:cNvPr>
@@ -11246,7 +11346,7 @@
           <p:nvPr/>
         </p:nvPicPr>
         <p:blipFill>
-          <a:blip r:embed="rId2"/>
+          <a:blip r:embed="rId2" cstate="print"/>
           <a:stretch>
             <a:fillRect/>
           </a:stretch>
@@ -11266,7 +11366,7 @@
           <p:cNvPr id="5" name="TextBox 4">
             <a:extLst>
               <a:ext uri="{FF2B5EF4-FFF2-40B4-BE49-F238E27FC236}">
-                <a16:creationId xmlns:a16="http://schemas.microsoft.com/office/drawing/2014/main" id="{97DCE60C-D303-437F-B3D4-116989F37153}"/>
+                <a16:creationId xmlns:a16="http://schemas.microsoft.com/office/drawing/2014/main" xmlns="" id="{97DCE60C-D303-437F-B3D4-116989F37153}"/>
               </a:ext>
             </a:extLst>
           </p:cNvPr>
@@ -11276,7 +11376,7 @@
         <p:spPr>
           <a:xfrm>
             <a:off x="359860" y="3150255"/>
-            <a:ext cx="4489410" cy="1477328"/>
+            <a:ext cx="4489410" cy="1754326"/>
           </a:xfrm>
           <a:prstGeom prst="rect">
             <a:avLst/>
@@ -11294,9 +11394,34 @@
               <a:t>버튼마다 스킨들의 이름과 스킨에 따른 효과를 지정한다</a:t>
             </a:r>
             <a:r>
-              <a:rPr lang="en-US" altLang="ko-KR" dirty="0"/>
-              <a:t>.</a:t>
-            </a:r>
+              <a:rPr lang="en-US" altLang="ko-KR" dirty="0" smtClean="0"/>
+              <a:t>. </a:t>
+            </a:r>
+            <a:r>
+              <a:rPr lang="ko-KR" altLang="en-US" dirty="0" smtClean="0"/>
+              <a:t>차례대로 </a:t>
+            </a:r>
+            <a:r>
+              <a:rPr lang="en-US" altLang="ko-KR" dirty="0" smtClean="0"/>
+              <a:t>[ 1, 2, 3, 4, 5, 6</a:t>
+            </a:r>
+            <a:r>
+              <a:rPr lang="ko-KR" altLang="en-US" dirty="0" smtClean="0"/>
+              <a:t>배 만큼 </a:t>
+            </a:r>
+            <a:r>
+              <a:rPr lang="en-US" altLang="ko-KR" dirty="0" smtClean="0"/>
+              <a:t>PD</a:t>
+            </a:r>
+            <a:r>
+              <a:rPr lang="ko-KR" altLang="en-US" dirty="0" smtClean="0"/>
+              <a:t>와 경험치 증가 </a:t>
+            </a:r>
+            <a:r>
+              <a:rPr lang="en-US" altLang="ko-KR" dirty="0" smtClean="0"/>
+              <a:t>]</a:t>
+            </a:r>
+            <a:endParaRPr lang="en-US" altLang="ko-KR" dirty="0"/>
           </a:p>
           <a:p>
             <a:endParaRPr lang="en-US" altLang="ko-KR" dirty="0"/>
@@ -11325,7 +11450,7 @@
     </p:spTree>
     <p:extLst>
       <p:ext uri="{BB962C8B-B14F-4D97-AF65-F5344CB8AC3E}">
-        <p14:creationId xmlns:p14="http://schemas.microsoft.com/office/powerpoint/2010/main" val="1398389681"/>
+        <p14:creationId xmlns:p14="http://schemas.microsoft.com/office/powerpoint/2010/main" xmlns="" val="1398389681"/>
       </p:ext>
     </p:extLst>
   </p:cSld>
@@ -11357,7 +11482,7 @@
           <p:cNvPr id="4" name="직사각형 3">
             <a:extLst>
               <a:ext uri="{FF2B5EF4-FFF2-40B4-BE49-F238E27FC236}">
-                <a16:creationId xmlns:a16="http://schemas.microsoft.com/office/drawing/2014/main" id="{1561410B-BAA8-4851-8F9F-EBAC6DC7A7CF}"/>
+                <a16:creationId xmlns:a16="http://schemas.microsoft.com/office/drawing/2014/main" xmlns="" id="{1561410B-BAA8-4851-8F9F-EBAC6DC7A7CF}"/>
               </a:ext>
             </a:extLst>
           </p:cNvPr>
@@ -11409,7 +11534,7 @@
           <p:cNvPr id="2" name="제목 1">
             <a:extLst>
               <a:ext uri="{FF2B5EF4-FFF2-40B4-BE49-F238E27FC236}">
-                <a16:creationId xmlns:a16="http://schemas.microsoft.com/office/drawing/2014/main" id="{33D08569-DE81-4471-8FCE-B2315F130A3F}"/>
+                <a16:creationId xmlns:a16="http://schemas.microsoft.com/office/drawing/2014/main" xmlns="" id="{33D08569-DE81-4471-8FCE-B2315F130A3F}"/>
               </a:ext>
             </a:extLst>
           </p:cNvPr>
@@ -11441,7 +11566,7 @@
           <p:cNvPr id="6" name="그림 5">
             <a:extLst>
               <a:ext uri="{FF2B5EF4-FFF2-40B4-BE49-F238E27FC236}">
-                <a16:creationId xmlns:a16="http://schemas.microsoft.com/office/drawing/2014/main" id="{A190009E-A0AB-4986-8194-F8C7DD56347C}"/>
+                <a16:creationId xmlns:a16="http://schemas.microsoft.com/office/drawing/2014/main" xmlns="" id="{A190009E-A0AB-4986-8194-F8C7DD56347C}"/>
               </a:ext>
             </a:extLst>
           </p:cNvPr>
@@ -11451,7 +11576,7 @@
           <p:nvPr/>
         </p:nvPicPr>
         <p:blipFill>
-          <a:blip r:embed="rId2"/>
+          <a:blip r:embed="rId2" cstate="print"/>
           <a:stretch>
             <a:fillRect/>
           </a:stretch>
@@ -11471,7 +11596,7 @@
           <p:cNvPr id="7" name="TextBox 6">
             <a:extLst>
               <a:ext uri="{FF2B5EF4-FFF2-40B4-BE49-F238E27FC236}">
-                <a16:creationId xmlns:a16="http://schemas.microsoft.com/office/drawing/2014/main" id="{710D24BE-F445-4884-AEBF-45C0EECBCB4C}"/>
+                <a16:creationId xmlns:a16="http://schemas.microsoft.com/office/drawing/2014/main" xmlns="" id="{710D24BE-F445-4884-AEBF-45C0EECBCB4C}"/>
               </a:ext>
             </a:extLst>
           </p:cNvPr>
@@ -11601,7 +11726,7 @@
     </p:spTree>
     <p:extLst>
       <p:ext uri="{BB962C8B-B14F-4D97-AF65-F5344CB8AC3E}">
-        <p14:creationId xmlns:p14="http://schemas.microsoft.com/office/powerpoint/2010/main" val="169038753"/>
+        <p14:creationId xmlns:p14="http://schemas.microsoft.com/office/powerpoint/2010/main" xmlns="" val="169038753"/>
       </p:ext>
     </p:extLst>
   </p:cSld>
@@ -11633,7 +11758,7 @@
           <p:cNvPr id="4" name="직사각형 3">
             <a:extLst>
               <a:ext uri="{FF2B5EF4-FFF2-40B4-BE49-F238E27FC236}">
-                <a16:creationId xmlns:a16="http://schemas.microsoft.com/office/drawing/2014/main" id="{1561410B-BAA8-4851-8F9F-EBAC6DC7A7CF}"/>
+                <a16:creationId xmlns:a16="http://schemas.microsoft.com/office/drawing/2014/main" xmlns="" id="{1561410B-BAA8-4851-8F9F-EBAC6DC7A7CF}"/>
               </a:ext>
             </a:extLst>
           </p:cNvPr>
@@ -11685,7 +11810,7 @@
           <p:cNvPr id="2" name="제목 1">
             <a:extLst>
               <a:ext uri="{FF2B5EF4-FFF2-40B4-BE49-F238E27FC236}">
-                <a16:creationId xmlns:a16="http://schemas.microsoft.com/office/drawing/2014/main" id="{33D08569-DE81-4471-8FCE-B2315F130A3F}"/>
+                <a16:creationId xmlns:a16="http://schemas.microsoft.com/office/drawing/2014/main" xmlns="" id="{33D08569-DE81-4471-8FCE-B2315F130A3F}"/>
               </a:ext>
             </a:extLst>
           </p:cNvPr>
@@ -11721,7 +11846,7 @@
           <p:cNvPr id="3" name="내용 개체 틀 2">
             <a:extLst>
               <a:ext uri="{FF2B5EF4-FFF2-40B4-BE49-F238E27FC236}">
-                <a16:creationId xmlns:a16="http://schemas.microsoft.com/office/drawing/2014/main" id="{5DEF73F0-18BD-4E50-AE4A-AFCA2F1A4FEB}"/>
+                <a16:creationId xmlns:a16="http://schemas.microsoft.com/office/drawing/2014/main" xmlns="" id="{5DEF73F0-18BD-4E50-AE4A-AFCA2F1A4FEB}"/>
               </a:ext>
             </a:extLst>
           </p:cNvPr>
@@ -11870,7 +11995,7 @@
               <a:t>등이 상승 하여 미래에 사회생활에 도움이 될 것 같다고 생각한다</a:t>
             </a:r>
             <a:r>
-              <a:rPr lang="en-US" altLang="ko-KR"/>
+              <a:rPr lang="en-US" altLang="ko-KR" dirty="0"/>
               <a:t>.</a:t>
             </a:r>
             <a:endParaRPr lang="ko-KR" altLang="en-US" dirty="0"/>
@@ -11880,7 +12005,7 @@
     </p:spTree>
     <p:extLst>
       <p:ext uri="{BB962C8B-B14F-4D97-AF65-F5344CB8AC3E}">
-        <p14:creationId xmlns:p14="http://schemas.microsoft.com/office/powerpoint/2010/main" val="2277135131"/>
+        <p14:creationId xmlns:p14="http://schemas.microsoft.com/office/powerpoint/2010/main" xmlns="" val="2277135131"/>
       </p:ext>
     </p:extLst>
   </p:cSld>
@@ -11912,7 +12037,7 @@
           <p:cNvPr id="5" name="내용 개체 틀 4">
             <a:extLst>
               <a:ext uri="{FF2B5EF4-FFF2-40B4-BE49-F238E27FC236}">
-                <a16:creationId xmlns:a16="http://schemas.microsoft.com/office/drawing/2014/main" id="{06CA7FAB-3BD0-4D01-A4A1-CC03DDD23E94}"/>
+                <a16:creationId xmlns:a16="http://schemas.microsoft.com/office/drawing/2014/main" xmlns="" id="{06CA7FAB-3BD0-4D01-A4A1-CC03DDD23E94}"/>
               </a:ext>
             </a:extLst>
           </p:cNvPr>
@@ -11924,10 +12049,10 @@
           </p:nvPr>
         </p:nvPicPr>
         <p:blipFill>
-          <a:blip r:embed="rId2">
+          <a:blip r:embed="rId2" cstate="print">
             <a:extLst>
               <a:ext uri="{28A0092B-C50C-407E-A947-70E740481C1C}">
-                <a14:useLocalDpi xmlns:a14="http://schemas.microsoft.com/office/drawing/2010/main" val="0"/>
+                <a14:useLocalDpi xmlns:a14="http://schemas.microsoft.com/office/drawing/2010/main" xmlns="" val="0"/>
               </a:ext>
             </a:extLst>
           </a:blip>
@@ -11947,7 +12072,7 @@
           <p:cNvPr id="2" name="제목 1">
             <a:extLst>
               <a:ext uri="{FF2B5EF4-FFF2-40B4-BE49-F238E27FC236}">
-                <a16:creationId xmlns:a16="http://schemas.microsoft.com/office/drawing/2014/main" id="{19E28E03-DBAA-4931-AA2C-5DC588906F6B}"/>
+                <a16:creationId xmlns:a16="http://schemas.microsoft.com/office/drawing/2014/main" xmlns="" id="{19E28E03-DBAA-4931-AA2C-5DC588906F6B}"/>
               </a:ext>
             </a:extLst>
           </p:cNvPr>
@@ -11972,7 +12097,7 @@
           <p:cNvPr id="7" name="그림 6">
             <a:extLst>
               <a:ext uri="{FF2B5EF4-FFF2-40B4-BE49-F238E27FC236}">
-                <a16:creationId xmlns:a16="http://schemas.microsoft.com/office/drawing/2014/main" id="{A92E2F39-988E-4C59-AE02-817B4840D12C}"/>
+                <a16:creationId xmlns:a16="http://schemas.microsoft.com/office/drawing/2014/main" xmlns="" id="{A92E2F39-988E-4C59-AE02-817B4840D12C}"/>
               </a:ext>
             </a:extLst>
           </p:cNvPr>
@@ -11982,10 +12107,10 @@
           <p:nvPr/>
         </p:nvPicPr>
         <p:blipFill>
-          <a:blip r:embed="rId3">
+          <a:blip r:embed="rId3" cstate="print">
             <a:extLst>
               <a:ext uri="{BEBA8EAE-BF5A-486C-A8C5-ECC9F3942E4B}">
-                <a14:imgProps xmlns:a14="http://schemas.microsoft.com/office/drawing/2010/main">
+                <a14:imgProps xmlns:a14="http://schemas.microsoft.com/office/drawing/2010/main" xmlns="">
                   <a14:imgLayer r:embed="rId4">
                     <a14:imgEffect>
                       <a14:backgroundRemoval t="3823" b="97859" l="8497" r="90850">
@@ -12016,7 +12141,7 @@
                 </a14:imgProps>
               </a:ext>
               <a:ext uri="{28A0092B-C50C-407E-A947-70E740481C1C}">
-                <a14:useLocalDpi xmlns:a14="http://schemas.microsoft.com/office/drawing/2010/main" val="0"/>
+                <a14:useLocalDpi xmlns:a14="http://schemas.microsoft.com/office/drawing/2010/main" xmlns="" val="0"/>
               </a:ext>
             </a:extLst>
           </a:blip>
@@ -12039,7 +12164,7 @@
           <p:cNvPr id="9" name="그림 8" descr="스크린샷이(가) 표시된 사진&#10;&#10;자동 생성된 설명">
             <a:extLst>
               <a:ext uri="{FF2B5EF4-FFF2-40B4-BE49-F238E27FC236}">
-                <a16:creationId xmlns:a16="http://schemas.microsoft.com/office/drawing/2014/main" id="{3F7995F2-5BAF-476D-8114-F65967A1426C}"/>
+                <a16:creationId xmlns:a16="http://schemas.microsoft.com/office/drawing/2014/main" xmlns="" id="{3F7995F2-5BAF-476D-8114-F65967A1426C}"/>
               </a:ext>
             </a:extLst>
           </p:cNvPr>
@@ -12049,10 +12174,10 @@
           <p:nvPr/>
         </p:nvPicPr>
         <p:blipFill rotWithShape="1">
-          <a:blip r:embed="rId5">
+          <a:blip r:embed="rId5" cstate="print">
             <a:extLst>
               <a:ext uri="{BEBA8EAE-BF5A-486C-A8C5-ECC9F3942E4B}">
-                <a14:imgProps xmlns:a14="http://schemas.microsoft.com/office/drawing/2010/main">
+                <a14:imgProps xmlns:a14="http://schemas.microsoft.com/office/drawing/2010/main" xmlns="">
                   <a14:imgLayer r:embed="rId6">
                     <a14:imgEffect>
                       <a14:backgroundRemoval t="4000" b="90000" l="6855" r="89113">
@@ -12126,7 +12251,7 @@
                 </a14:imgProps>
               </a:ext>
               <a:ext uri="{28A0092B-C50C-407E-A947-70E740481C1C}">
-                <a14:useLocalDpi xmlns:a14="http://schemas.microsoft.com/office/drawing/2010/main" val="0"/>
+                <a14:useLocalDpi xmlns:a14="http://schemas.microsoft.com/office/drawing/2010/main" xmlns="" val="0"/>
               </a:ext>
             </a:extLst>
           </a:blip>
@@ -12148,7 +12273,7 @@
           <p:cNvPr id="11" name="그림 10">
             <a:extLst>
               <a:ext uri="{FF2B5EF4-FFF2-40B4-BE49-F238E27FC236}">
-                <a16:creationId xmlns:a16="http://schemas.microsoft.com/office/drawing/2014/main" id="{D7BC6163-4D64-4B4D-9B14-A6DC8B0E9041}"/>
+                <a16:creationId xmlns:a16="http://schemas.microsoft.com/office/drawing/2014/main" xmlns="" id="{D7BC6163-4D64-4B4D-9B14-A6DC8B0E9041}"/>
               </a:ext>
             </a:extLst>
           </p:cNvPr>
@@ -12158,10 +12283,10 @@
           <p:nvPr/>
         </p:nvPicPr>
         <p:blipFill>
-          <a:blip r:embed="rId7">
+          <a:blip r:embed="rId7" cstate="print">
             <a:extLst>
               <a:ext uri="{BEBA8EAE-BF5A-486C-A8C5-ECC9F3942E4B}">
-                <a14:imgProps xmlns:a14="http://schemas.microsoft.com/office/drawing/2010/main">
+                <a14:imgProps xmlns:a14="http://schemas.microsoft.com/office/drawing/2010/main" xmlns="">
                   <a14:imgLayer r:embed="rId8">
                     <a14:imgEffect>
                       <a14:backgroundRemoval t="5621" b="89941" l="9936" r="89744">
@@ -12182,7 +12307,7 @@
                 </a14:imgProps>
               </a:ext>
               <a:ext uri="{28A0092B-C50C-407E-A947-70E740481C1C}">
-                <a14:useLocalDpi xmlns:a14="http://schemas.microsoft.com/office/drawing/2010/main" val="0"/>
+                <a14:useLocalDpi xmlns:a14="http://schemas.microsoft.com/office/drawing/2010/main" xmlns="" val="0"/>
               </a:ext>
             </a:extLst>
           </a:blip>
@@ -12205,7 +12330,7 @@
           <p:cNvPr id="12" name="그림 11">
             <a:extLst>
               <a:ext uri="{FF2B5EF4-FFF2-40B4-BE49-F238E27FC236}">
-                <a16:creationId xmlns:a16="http://schemas.microsoft.com/office/drawing/2014/main" id="{79239580-D679-4FD7-9E38-E74774AA3979}"/>
+                <a16:creationId xmlns:a16="http://schemas.microsoft.com/office/drawing/2014/main" xmlns="" id="{79239580-D679-4FD7-9E38-E74774AA3979}"/>
               </a:ext>
             </a:extLst>
           </p:cNvPr>
@@ -12215,10 +12340,10 @@
           <p:nvPr/>
         </p:nvPicPr>
         <p:blipFill>
-          <a:blip r:embed="rId7">
+          <a:blip r:embed="rId7" cstate="print">
             <a:extLst>
               <a:ext uri="{BEBA8EAE-BF5A-486C-A8C5-ECC9F3942E4B}">
-                <a14:imgProps xmlns:a14="http://schemas.microsoft.com/office/drawing/2010/main">
+                <a14:imgProps xmlns:a14="http://schemas.microsoft.com/office/drawing/2010/main" xmlns="">
                   <a14:imgLayer r:embed="rId8">
                     <a14:imgEffect>
                       <a14:backgroundRemoval t="5621" b="89941" l="9936" r="89744">
@@ -12239,7 +12364,7 @@
                 </a14:imgProps>
               </a:ext>
               <a:ext uri="{28A0092B-C50C-407E-A947-70E740481C1C}">
-                <a14:useLocalDpi xmlns:a14="http://schemas.microsoft.com/office/drawing/2010/main" val="0"/>
+                <a14:useLocalDpi xmlns:a14="http://schemas.microsoft.com/office/drawing/2010/main" xmlns="" val="0"/>
               </a:ext>
             </a:extLst>
           </a:blip>
@@ -12260,7 +12385,7 @@
     </p:spTree>
     <p:extLst>
       <p:ext uri="{BB962C8B-B14F-4D97-AF65-F5344CB8AC3E}">
-        <p14:creationId xmlns:p14="http://schemas.microsoft.com/office/powerpoint/2010/main" val="1897393407"/>
+        <p14:creationId xmlns:p14="http://schemas.microsoft.com/office/powerpoint/2010/main" xmlns="" val="1897393407"/>
       </p:ext>
     </p:extLst>
   </p:cSld>
@@ -12292,7 +12417,7 @@
           <p:cNvPr id="4" name="직사각형 3">
             <a:extLst>
               <a:ext uri="{FF2B5EF4-FFF2-40B4-BE49-F238E27FC236}">
-                <a16:creationId xmlns:a16="http://schemas.microsoft.com/office/drawing/2014/main" id="{1561410B-BAA8-4851-8F9F-EBAC6DC7A7CF}"/>
+                <a16:creationId xmlns:a16="http://schemas.microsoft.com/office/drawing/2014/main" xmlns="" id="{1561410B-BAA8-4851-8F9F-EBAC6DC7A7CF}"/>
               </a:ext>
             </a:extLst>
           </p:cNvPr>
@@ -12344,7 +12469,7 @@
           <p:cNvPr id="2" name="제목 1">
             <a:extLst>
               <a:ext uri="{FF2B5EF4-FFF2-40B4-BE49-F238E27FC236}">
-                <a16:creationId xmlns:a16="http://schemas.microsoft.com/office/drawing/2014/main" id="{33D08569-DE81-4471-8FCE-B2315F130A3F}"/>
+                <a16:creationId xmlns:a16="http://schemas.microsoft.com/office/drawing/2014/main" xmlns="" id="{33D08569-DE81-4471-8FCE-B2315F130A3F}"/>
               </a:ext>
             </a:extLst>
           </p:cNvPr>
@@ -12372,7 +12497,7 @@
           <p:cNvPr id="3" name="내용 개체 틀 2">
             <a:extLst>
               <a:ext uri="{FF2B5EF4-FFF2-40B4-BE49-F238E27FC236}">
-                <a16:creationId xmlns:a16="http://schemas.microsoft.com/office/drawing/2014/main" id="{5DEF73F0-18BD-4E50-AE4A-AFCA2F1A4FEB}"/>
+                <a16:creationId xmlns:a16="http://schemas.microsoft.com/office/drawing/2014/main" xmlns="" id="{5DEF73F0-18BD-4E50-AE4A-AFCA2F1A4FEB}"/>
               </a:ext>
             </a:extLst>
           </p:cNvPr>
@@ -12503,7 +12628,7 @@
     </p:spTree>
     <p:extLst>
       <p:ext uri="{BB962C8B-B14F-4D97-AF65-F5344CB8AC3E}">
-        <p14:creationId xmlns:p14="http://schemas.microsoft.com/office/powerpoint/2010/main" val="1250997169"/>
+        <p14:creationId xmlns:p14="http://schemas.microsoft.com/office/powerpoint/2010/main" xmlns="" val="1250997169"/>
       </p:ext>
     </p:extLst>
   </p:cSld>
@@ -12535,7 +12660,7 @@
           <p:cNvPr id="4" name="직사각형 3">
             <a:extLst>
               <a:ext uri="{FF2B5EF4-FFF2-40B4-BE49-F238E27FC236}">
-                <a16:creationId xmlns:a16="http://schemas.microsoft.com/office/drawing/2014/main" id="{1561410B-BAA8-4851-8F9F-EBAC6DC7A7CF}"/>
+                <a16:creationId xmlns:a16="http://schemas.microsoft.com/office/drawing/2014/main" xmlns="" id="{1561410B-BAA8-4851-8F9F-EBAC6DC7A7CF}"/>
               </a:ext>
             </a:extLst>
           </p:cNvPr>
@@ -12587,7 +12712,7 @@
           <p:cNvPr id="2" name="제목 1">
             <a:extLst>
               <a:ext uri="{FF2B5EF4-FFF2-40B4-BE49-F238E27FC236}">
-                <a16:creationId xmlns:a16="http://schemas.microsoft.com/office/drawing/2014/main" id="{33D08569-DE81-4471-8FCE-B2315F130A3F}"/>
+                <a16:creationId xmlns:a16="http://schemas.microsoft.com/office/drawing/2014/main" xmlns="" id="{33D08569-DE81-4471-8FCE-B2315F130A3F}"/>
               </a:ext>
             </a:extLst>
           </p:cNvPr>
@@ -12617,7 +12742,7 @@
           <p:cNvPr id="3" name="내용 개체 틀 2">
             <a:extLst>
               <a:ext uri="{FF2B5EF4-FFF2-40B4-BE49-F238E27FC236}">
-                <a16:creationId xmlns:a16="http://schemas.microsoft.com/office/drawing/2014/main" id="{5DEF73F0-18BD-4E50-AE4A-AFCA2F1A4FEB}"/>
+                <a16:creationId xmlns:a16="http://schemas.microsoft.com/office/drawing/2014/main" xmlns="" id="{5DEF73F0-18BD-4E50-AE4A-AFCA2F1A4FEB}"/>
               </a:ext>
             </a:extLst>
           </p:cNvPr>
@@ -12804,7 +12929,7 @@
     </p:spTree>
     <p:extLst>
       <p:ext uri="{BB962C8B-B14F-4D97-AF65-F5344CB8AC3E}">
-        <p14:creationId xmlns:p14="http://schemas.microsoft.com/office/powerpoint/2010/main" val="757410310"/>
+        <p14:creationId xmlns:p14="http://schemas.microsoft.com/office/powerpoint/2010/main" xmlns="" val="757410310"/>
       </p:ext>
     </p:extLst>
   </p:cSld>
@@ -12836,7 +12961,7 @@
           <p:cNvPr id="4" name="직사각형 3">
             <a:extLst>
               <a:ext uri="{FF2B5EF4-FFF2-40B4-BE49-F238E27FC236}">
-                <a16:creationId xmlns:a16="http://schemas.microsoft.com/office/drawing/2014/main" id="{1561410B-BAA8-4851-8F9F-EBAC6DC7A7CF}"/>
+                <a16:creationId xmlns:a16="http://schemas.microsoft.com/office/drawing/2014/main" xmlns="" id="{1561410B-BAA8-4851-8F9F-EBAC6DC7A7CF}"/>
               </a:ext>
             </a:extLst>
           </p:cNvPr>
@@ -12888,7 +13013,7 @@
           <p:cNvPr id="2" name="제목 1">
             <a:extLst>
               <a:ext uri="{FF2B5EF4-FFF2-40B4-BE49-F238E27FC236}">
-                <a16:creationId xmlns:a16="http://schemas.microsoft.com/office/drawing/2014/main" id="{33D08569-DE81-4471-8FCE-B2315F130A3F}"/>
+                <a16:creationId xmlns:a16="http://schemas.microsoft.com/office/drawing/2014/main" xmlns="" id="{33D08569-DE81-4471-8FCE-B2315F130A3F}"/>
               </a:ext>
             </a:extLst>
           </p:cNvPr>
@@ -12920,7 +13045,7 @@
           <p:cNvPr id="7" name="그림 6">
             <a:extLst>
               <a:ext uri="{FF2B5EF4-FFF2-40B4-BE49-F238E27FC236}">
-                <a16:creationId xmlns:a16="http://schemas.microsoft.com/office/drawing/2014/main" id="{486A38E3-3049-4E5B-BCF6-60E0EF7D4A9B}"/>
+                <a16:creationId xmlns:a16="http://schemas.microsoft.com/office/drawing/2014/main" xmlns="" id="{486A38E3-3049-4E5B-BCF6-60E0EF7D4A9B}"/>
               </a:ext>
             </a:extLst>
           </p:cNvPr>
@@ -12930,7 +13055,7 @@
           <p:nvPr/>
         </p:nvPicPr>
         <p:blipFill>
-          <a:blip r:embed="rId2"/>
+          <a:blip r:embed="rId2" cstate="print"/>
           <a:stretch>
             <a:fillRect/>
           </a:stretch>
@@ -12950,7 +13075,7 @@
           <p:cNvPr id="8" name="TextBox 7">
             <a:extLst>
               <a:ext uri="{FF2B5EF4-FFF2-40B4-BE49-F238E27FC236}">
-                <a16:creationId xmlns:a16="http://schemas.microsoft.com/office/drawing/2014/main" id="{DA39F729-3E70-4F26-80A7-B6B6A7038F53}"/>
+                <a16:creationId xmlns:a16="http://schemas.microsoft.com/office/drawing/2014/main" xmlns="" id="{DA39F729-3E70-4F26-80A7-B6B6A7038F53}"/>
               </a:ext>
             </a:extLst>
           </p:cNvPr>
@@ -13034,7 +13159,7 @@
     </p:spTree>
     <p:extLst>
       <p:ext uri="{BB962C8B-B14F-4D97-AF65-F5344CB8AC3E}">
-        <p14:creationId xmlns:p14="http://schemas.microsoft.com/office/powerpoint/2010/main" val="1068305316"/>
+        <p14:creationId xmlns:p14="http://schemas.microsoft.com/office/powerpoint/2010/main" xmlns="" val="1068305316"/>
       </p:ext>
     </p:extLst>
   </p:cSld>
@@ -13066,7 +13191,7 @@
           <p:cNvPr id="4" name="직사각형 3">
             <a:extLst>
               <a:ext uri="{FF2B5EF4-FFF2-40B4-BE49-F238E27FC236}">
-                <a16:creationId xmlns:a16="http://schemas.microsoft.com/office/drawing/2014/main" id="{1561410B-BAA8-4851-8F9F-EBAC6DC7A7CF}"/>
+                <a16:creationId xmlns:a16="http://schemas.microsoft.com/office/drawing/2014/main" xmlns="" id="{1561410B-BAA8-4851-8F9F-EBAC6DC7A7CF}"/>
               </a:ext>
             </a:extLst>
           </p:cNvPr>
@@ -13118,7 +13243,7 @@
           <p:cNvPr id="2" name="제목 1">
             <a:extLst>
               <a:ext uri="{FF2B5EF4-FFF2-40B4-BE49-F238E27FC236}">
-                <a16:creationId xmlns:a16="http://schemas.microsoft.com/office/drawing/2014/main" id="{33D08569-DE81-4471-8FCE-B2315F130A3F}"/>
+                <a16:creationId xmlns:a16="http://schemas.microsoft.com/office/drawing/2014/main" xmlns="" id="{33D08569-DE81-4471-8FCE-B2315F130A3F}"/>
               </a:ext>
             </a:extLst>
           </p:cNvPr>
@@ -13150,7 +13275,7 @@
           <p:cNvPr id="6" name="그림 5">
             <a:extLst>
               <a:ext uri="{FF2B5EF4-FFF2-40B4-BE49-F238E27FC236}">
-                <a16:creationId xmlns:a16="http://schemas.microsoft.com/office/drawing/2014/main" id="{D5E4AD71-3EF2-4F8D-A0D7-9842747870D9}"/>
+                <a16:creationId xmlns:a16="http://schemas.microsoft.com/office/drawing/2014/main" xmlns="" id="{D5E4AD71-3EF2-4F8D-A0D7-9842747870D9}"/>
               </a:ext>
             </a:extLst>
           </p:cNvPr>
@@ -13160,7 +13285,7 @@
           <p:nvPr/>
         </p:nvPicPr>
         <p:blipFill>
-          <a:blip r:embed="rId2"/>
+          <a:blip r:embed="rId2" cstate="print"/>
           <a:stretch>
             <a:fillRect/>
           </a:stretch>
@@ -13180,7 +13305,7 @@
           <p:cNvPr id="7" name="TextBox 6">
             <a:extLst>
               <a:ext uri="{FF2B5EF4-FFF2-40B4-BE49-F238E27FC236}">
-                <a16:creationId xmlns:a16="http://schemas.microsoft.com/office/drawing/2014/main" id="{0E4C9FF1-1404-4A52-85F3-0C1190DB6ED6}"/>
+                <a16:creationId xmlns:a16="http://schemas.microsoft.com/office/drawing/2014/main" xmlns="" id="{0E4C9FF1-1404-4A52-85F3-0C1190DB6ED6}"/>
               </a:ext>
             </a:extLst>
           </p:cNvPr>
@@ -13323,7 +13448,7 @@
     </p:spTree>
     <p:extLst>
       <p:ext uri="{BB962C8B-B14F-4D97-AF65-F5344CB8AC3E}">
-        <p14:creationId xmlns:p14="http://schemas.microsoft.com/office/powerpoint/2010/main" val="993253217"/>
+        <p14:creationId xmlns:p14="http://schemas.microsoft.com/office/powerpoint/2010/main" xmlns="" val="993253217"/>
       </p:ext>
     </p:extLst>
   </p:cSld>
@@ -13355,7 +13480,7 @@
           <p:cNvPr id="4" name="직사각형 3">
             <a:extLst>
               <a:ext uri="{FF2B5EF4-FFF2-40B4-BE49-F238E27FC236}">
-                <a16:creationId xmlns:a16="http://schemas.microsoft.com/office/drawing/2014/main" id="{1561410B-BAA8-4851-8F9F-EBAC6DC7A7CF}"/>
+                <a16:creationId xmlns:a16="http://schemas.microsoft.com/office/drawing/2014/main" xmlns="" id="{1561410B-BAA8-4851-8F9F-EBAC6DC7A7CF}"/>
               </a:ext>
             </a:extLst>
           </p:cNvPr>
@@ -13407,7 +13532,7 @@
           <p:cNvPr id="2" name="제목 1">
             <a:extLst>
               <a:ext uri="{FF2B5EF4-FFF2-40B4-BE49-F238E27FC236}">
-                <a16:creationId xmlns:a16="http://schemas.microsoft.com/office/drawing/2014/main" id="{33D08569-DE81-4471-8FCE-B2315F130A3F}"/>
+                <a16:creationId xmlns:a16="http://schemas.microsoft.com/office/drawing/2014/main" xmlns="" id="{33D08569-DE81-4471-8FCE-B2315F130A3F}"/>
               </a:ext>
             </a:extLst>
           </p:cNvPr>
@@ -13439,7 +13564,7 @@
           <p:cNvPr id="5" name="그림 4">
             <a:extLst>
               <a:ext uri="{FF2B5EF4-FFF2-40B4-BE49-F238E27FC236}">
-                <a16:creationId xmlns:a16="http://schemas.microsoft.com/office/drawing/2014/main" id="{B3DE801D-C739-48FD-A27C-7FA64251FB3D}"/>
+                <a16:creationId xmlns:a16="http://schemas.microsoft.com/office/drawing/2014/main" xmlns="" id="{B3DE801D-C739-48FD-A27C-7FA64251FB3D}"/>
               </a:ext>
             </a:extLst>
           </p:cNvPr>
@@ -13449,7 +13574,7 @@
           <p:nvPr/>
         </p:nvPicPr>
         <p:blipFill>
-          <a:blip r:embed="rId2"/>
+          <a:blip r:embed="rId2" cstate="print"/>
           <a:stretch>
             <a:fillRect/>
           </a:stretch>
@@ -13469,7 +13594,7 @@
           <p:cNvPr id="6" name="TextBox 5">
             <a:extLst>
               <a:ext uri="{FF2B5EF4-FFF2-40B4-BE49-F238E27FC236}">
-                <a16:creationId xmlns:a16="http://schemas.microsoft.com/office/drawing/2014/main" id="{A06F9DD5-2F3B-441F-973A-3893F8E1A184}"/>
+                <a16:creationId xmlns:a16="http://schemas.microsoft.com/office/drawing/2014/main" xmlns="" id="{A06F9DD5-2F3B-441F-973A-3893F8E1A184}"/>
               </a:ext>
             </a:extLst>
           </p:cNvPr>
@@ -13522,7 +13647,7 @@
           <p:cNvPr id="8" name="그림 7">
             <a:extLst>
               <a:ext uri="{FF2B5EF4-FFF2-40B4-BE49-F238E27FC236}">
-                <a16:creationId xmlns:a16="http://schemas.microsoft.com/office/drawing/2014/main" id="{03629656-9D90-4C88-985A-8982E4F1C1F5}"/>
+                <a16:creationId xmlns:a16="http://schemas.microsoft.com/office/drawing/2014/main" xmlns="" id="{03629656-9D90-4C88-985A-8982E4F1C1F5}"/>
               </a:ext>
             </a:extLst>
           </p:cNvPr>
@@ -13532,7 +13657,7 @@
           <p:nvPr/>
         </p:nvPicPr>
         <p:blipFill>
-          <a:blip r:embed="rId3"/>
+          <a:blip r:embed="rId3" cstate="print"/>
           <a:stretch>
             <a:fillRect/>
           </a:stretch>
@@ -13552,7 +13677,7 @@
           <p:cNvPr id="9" name="TextBox 8">
             <a:extLst>
               <a:ext uri="{FF2B5EF4-FFF2-40B4-BE49-F238E27FC236}">
-                <a16:creationId xmlns:a16="http://schemas.microsoft.com/office/drawing/2014/main" id="{1A92F67F-8412-443A-99BB-385A43E1EEC3}"/>
+                <a16:creationId xmlns:a16="http://schemas.microsoft.com/office/drawing/2014/main" xmlns="" id="{1A92F67F-8412-443A-99BB-385A43E1EEC3}"/>
               </a:ext>
             </a:extLst>
           </p:cNvPr>
@@ -13585,7 +13710,7 @@
     </p:spTree>
     <p:extLst>
       <p:ext uri="{BB962C8B-B14F-4D97-AF65-F5344CB8AC3E}">
-        <p14:creationId xmlns:p14="http://schemas.microsoft.com/office/powerpoint/2010/main" val="3519946816"/>
+        <p14:creationId xmlns:p14="http://schemas.microsoft.com/office/powerpoint/2010/main" xmlns="" val="3519946816"/>
       </p:ext>
     </p:extLst>
   </p:cSld>
@@ -13617,7 +13742,7 @@
           <p:cNvPr id="4" name="직사각형 3">
             <a:extLst>
               <a:ext uri="{FF2B5EF4-FFF2-40B4-BE49-F238E27FC236}">
-                <a16:creationId xmlns:a16="http://schemas.microsoft.com/office/drawing/2014/main" id="{1561410B-BAA8-4851-8F9F-EBAC6DC7A7CF}"/>
+                <a16:creationId xmlns:a16="http://schemas.microsoft.com/office/drawing/2014/main" xmlns="" id="{1561410B-BAA8-4851-8F9F-EBAC6DC7A7CF}"/>
               </a:ext>
             </a:extLst>
           </p:cNvPr>
@@ -13669,7 +13794,7 @@
           <p:cNvPr id="2" name="제목 1">
             <a:extLst>
               <a:ext uri="{FF2B5EF4-FFF2-40B4-BE49-F238E27FC236}">
-                <a16:creationId xmlns:a16="http://schemas.microsoft.com/office/drawing/2014/main" id="{33D08569-DE81-4471-8FCE-B2315F130A3F}"/>
+                <a16:creationId xmlns:a16="http://schemas.microsoft.com/office/drawing/2014/main" xmlns="" id="{33D08569-DE81-4471-8FCE-B2315F130A3F}"/>
               </a:ext>
             </a:extLst>
           </p:cNvPr>
@@ -13701,7 +13826,7 @@
           <p:cNvPr id="5" name="그림 4">
             <a:extLst>
               <a:ext uri="{FF2B5EF4-FFF2-40B4-BE49-F238E27FC236}">
-                <a16:creationId xmlns:a16="http://schemas.microsoft.com/office/drawing/2014/main" id="{3A177EF5-6254-4645-A450-FCC22ACDEA62}"/>
+                <a16:creationId xmlns:a16="http://schemas.microsoft.com/office/drawing/2014/main" xmlns="" id="{3A177EF5-6254-4645-A450-FCC22ACDEA62}"/>
               </a:ext>
             </a:extLst>
           </p:cNvPr>
@@ -13711,7 +13836,7 @@
           <p:nvPr/>
         </p:nvPicPr>
         <p:blipFill>
-          <a:blip r:embed="rId2"/>
+          <a:blip r:embed="rId2" cstate="print"/>
           <a:stretch>
             <a:fillRect/>
           </a:stretch>
@@ -13731,7 +13856,7 @@
           <p:cNvPr id="6" name="TextBox 5">
             <a:extLst>
               <a:ext uri="{FF2B5EF4-FFF2-40B4-BE49-F238E27FC236}">
-                <a16:creationId xmlns:a16="http://schemas.microsoft.com/office/drawing/2014/main" id="{DB10D96F-8EF3-4037-ADCF-C3E42C16EA66}"/>
+                <a16:creationId xmlns:a16="http://schemas.microsoft.com/office/drawing/2014/main" xmlns="" id="{DB10D96F-8EF3-4037-ADCF-C3E42C16EA66}"/>
               </a:ext>
             </a:extLst>
           </p:cNvPr>
@@ -13766,7 +13891,7 @@
           <p:cNvPr id="7" name="그림 6">
             <a:extLst>
               <a:ext uri="{FF2B5EF4-FFF2-40B4-BE49-F238E27FC236}">
-                <a16:creationId xmlns:a16="http://schemas.microsoft.com/office/drawing/2014/main" id="{9C80FA5C-FD91-4521-8516-B79D05FD6300}"/>
+                <a16:creationId xmlns:a16="http://schemas.microsoft.com/office/drawing/2014/main" xmlns="" id="{9C80FA5C-FD91-4521-8516-B79D05FD6300}"/>
               </a:ext>
             </a:extLst>
           </p:cNvPr>
@@ -13776,7 +13901,7 @@
           <p:nvPr/>
         </p:nvPicPr>
         <p:blipFill>
-          <a:blip r:embed="rId3"/>
+          <a:blip r:embed="rId3" cstate="print"/>
           <a:stretch>
             <a:fillRect/>
           </a:stretch>
@@ -13796,7 +13921,7 @@
           <p:cNvPr id="8" name="TextBox 7">
             <a:extLst>
               <a:ext uri="{FF2B5EF4-FFF2-40B4-BE49-F238E27FC236}">
-                <a16:creationId xmlns:a16="http://schemas.microsoft.com/office/drawing/2014/main" id="{18DE8B96-B139-42E6-B81D-867C98CF11D3}"/>
+                <a16:creationId xmlns:a16="http://schemas.microsoft.com/office/drawing/2014/main" xmlns="" id="{18DE8B96-B139-42E6-B81D-867C98CF11D3}"/>
               </a:ext>
             </a:extLst>
           </p:cNvPr>
@@ -13839,7 +13964,7 @@
     </p:spTree>
     <p:extLst>
       <p:ext uri="{BB962C8B-B14F-4D97-AF65-F5344CB8AC3E}">
-        <p14:creationId xmlns:p14="http://schemas.microsoft.com/office/powerpoint/2010/main" val="3421781221"/>
+        <p14:creationId xmlns:p14="http://schemas.microsoft.com/office/powerpoint/2010/main" xmlns="" val="3421781221"/>
       </p:ext>
     </p:extLst>
   </p:cSld>
@@ -13892,7 +14017,7 @@
     </a:clrScheme>
     <a:fontScheme name="Office">
       <a:majorFont>
-        <a:latin typeface="맑은 고딕" panose="020F0302020204030204"/>
+        <a:latin typeface="맑은 고딕"/>
         <a:ea typeface=""/>
         <a:cs typeface=""/>
         <a:font script="Jpan" typeface="游ゴシック Light"/>
@@ -13944,7 +14069,7 @@
         <a:font script="Tfng" typeface="Ebrima"/>
       </a:majorFont>
       <a:minorFont>
-        <a:latin typeface="맑은 고딕" panose="020F0502020204030204"/>
+        <a:latin typeface="맑은 고딕"/>
         <a:ea typeface=""/>
         <a:cs typeface=""/>
         <a:font script="Jpan" typeface="游ゴシック"/>
@@ -14138,7 +14263,7 @@
   <a:extraClrSchemeLst/>
   <a:extLst>
     <a:ext uri="{05A4C25C-085E-4340-85A3-A5531E510DB2}">
-      <thm15:themeFamily xmlns:thm15="http://schemas.microsoft.com/office/thememl/2012/main" name="Office Theme" id="{62F939B6-93AF-4DB8-9C6B-D6C7DFDC589F}" vid="{4A3C46E8-61CC-4603-A589-7422A47A8E4A}"/>
+      <thm15:themeFamily xmlns:thm15="http://schemas.microsoft.com/office/thememl/2012/main" xmlns="" name="Office Theme" id="{62F939B6-93AF-4DB8-9C6B-D6C7DFDC589F}" vid="{4A3C46E8-61CC-4603-A589-7422A47A8E4A}"/>
     </a:ext>
   </a:extLst>
 </a:theme>
